--- a/report/발표_20154532.pptx
+++ b/report/발표_20154532.pptx
@@ -7,17 +7,25 @@
   <p:sldIdLst>
     <p:sldId id="256" r:id="rId2"/>
     <p:sldId id="259" r:id="rId3"/>
-    <p:sldId id="275" r:id="rId4"/>
-    <p:sldId id="272" r:id="rId5"/>
-    <p:sldId id="276" r:id="rId6"/>
-    <p:sldId id="277" r:id="rId7"/>
-    <p:sldId id="278" r:id="rId8"/>
-    <p:sldId id="274" r:id="rId9"/>
-    <p:sldId id="268" r:id="rId10"/>
-    <p:sldId id="269" r:id="rId11"/>
-    <p:sldId id="270" r:id="rId12"/>
-    <p:sldId id="271" r:id="rId13"/>
-    <p:sldId id="266" r:id="rId14"/>
+    <p:sldId id="272" r:id="rId4"/>
+    <p:sldId id="279" r:id="rId5"/>
+    <p:sldId id="280" r:id="rId6"/>
+    <p:sldId id="276" r:id="rId7"/>
+    <p:sldId id="277" r:id="rId8"/>
+    <p:sldId id="278" r:id="rId9"/>
+    <p:sldId id="281" r:id="rId10"/>
+    <p:sldId id="283" r:id="rId11"/>
+    <p:sldId id="282" r:id="rId12"/>
+    <p:sldId id="284" r:id="rId13"/>
+    <p:sldId id="274" r:id="rId14"/>
+    <p:sldId id="286" r:id="rId15"/>
+    <p:sldId id="287" r:id="rId16"/>
+    <p:sldId id="289" r:id="rId17"/>
+    <p:sldId id="270" r:id="rId18"/>
+    <p:sldId id="290" r:id="rId19"/>
+    <p:sldId id="271" r:id="rId20"/>
+    <p:sldId id="264" r:id="rId21"/>
+    <p:sldId id="266" r:id="rId22"/>
   </p:sldIdLst>
   <p:sldSz cx="12192000" cy="6858000"/>
   <p:notesSz cx="6858000" cy="9144000"/>
@@ -3458,34 +3466,6 @@
                 <a:spcPct val="150000"/>
               </a:lnSpc>
             </a:pPr>
-            <a:br>
-              <a:rPr lang="en-US" altLang="ko-KR" dirty="0">
-                <a:latin typeface="Microsoft GothicNeo" panose="020B0500000101010101" pitchFamily="50" charset="-127"/>
-                <a:ea typeface="Microsoft GothicNeo" panose="020B0500000101010101" pitchFamily="50" charset="-127"/>
-                <a:cs typeface="Microsoft GothicNeo" panose="020B0500000101010101" pitchFamily="50" charset="-127"/>
-              </a:rPr>
-            </a:br>
-            <a:br>
-              <a:rPr lang="en-US" altLang="ko-KR" dirty="0">
-                <a:latin typeface="Microsoft GothicNeo" panose="020B0500000101010101" pitchFamily="50" charset="-127"/>
-                <a:ea typeface="Microsoft GothicNeo" panose="020B0500000101010101" pitchFamily="50" charset="-127"/>
-                <a:cs typeface="Microsoft GothicNeo" panose="020B0500000101010101" pitchFamily="50" charset="-127"/>
-              </a:rPr>
-            </a:br>
-            <a:br>
-              <a:rPr lang="en-US" altLang="ko-KR" dirty="0">
-                <a:latin typeface="Microsoft GothicNeo" panose="020B0500000101010101" pitchFamily="50" charset="-127"/>
-                <a:ea typeface="Microsoft GothicNeo" panose="020B0500000101010101" pitchFamily="50" charset="-127"/>
-                <a:cs typeface="Microsoft GothicNeo" panose="020B0500000101010101" pitchFamily="50" charset="-127"/>
-              </a:rPr>
-            </a:br>
-            <a:br>
-              <a:rPr lang="en-US" altLang="ko-KR" dirty="0">
-                <a:latin typeface="Microsoft GothicNeo" panose="020B0500000101010101" pitchFamily="50" charset="-127"/>
-                <a:ea typeface="Microsoft GothicNeo" panose="020B0500000101010101" pitchFamily="50" charset="-127"/>
-                <a:cs typeface="Microsoft GothicNeo" panose="020B0500000101010101" pitchFamily="50" charset="-127"/>
-              </a:rPr>
-            </a:br>
             <a:r>
               <a:rPr lang="en-US" altLang="ko-KR" b="1" dirty="0">
                 <a:latin typeface="Microsoft GothicNeo" panose="020B0500000101010101" pitchFamily="50" charset="-127"/>
@@ -4075,7 +4055,7 @@
         <p:spPr>
           <a:xfrm>
             <a:off x="190019" y="1"/>
-            <a:ext cx="6673768" cy="1325563"/>
+            <a:ext cx="7761790" cy="1325563"/>
           </a:xfrm>
         </p:spPr>
         <p:txBody>
@@ -4090,7 +4070,15 @@
                 <a:ea typeface="Microsoft GothicNeo" panose="020B0500000101010101" pitchFamily="50" charset="-127"/>
                 <a:cs typeface="Microsoft GothicNeo" panose="020B0500000101010101" pitchFamily="50" charset="-127"/>
               </a:rPr>
-              <a:t>2. </a:t>
+              <a:t>3. </a:t>
+            </a:r>
+            <a:r>
+              <a:rPr lang="en-US" altLang="ko-KR" dirty="0" err="1">
+                <a:latin typeface="Microsoft GothicNeo" panose="020B0500000101010101" pitchFamily="50" charset="-127"/>
+                <a:ea typeface="Microsoft GothicNeo" panose="020B0500000101010101" pitchFamily="50" charset="-127"/>
+                <a:cs typeface="Microsoft GothicNeo" panose="020B0500000101010101" pitchFamily="50" charset="-127"/>
+              </a:rPr>
+              <a:t>ResNet</a:t>
             </a:r>
             <a:r>
               <a:rPr lang="ko-KR" altLang="en-US" dirty="0">
@@ -4098,7 +4086,23 @@
                 <a:ea typeface="Microsoft GothicNeo" panose="020B0500000101010101" pitchFamily="50" charset="-127"/>
                 <a:cs typeface="Microsoft GothicNeo" panose="020B0500000101010101" pitchFamily="50" charset="-127"/>
               </a:rPr>
-              <a:t>결과 정리</a:t>
+              <a:t> </a:t>
+            </a:r>
+            <a:r>
+              <a:rPr lang="en-US" altLang="ko-KR" dirty="0">
+                <a:latin typeface="Microsoft GothicNeo" panose="020B0500000101010101" pitchFamily="50" charset="-127"/>
+                <a:ea typeface="Microsoft GothicNeo" panose="020B0500000101010101" pitchFamily="50" charset="-127"/>
+                <a:cs typeface="Microsoft GothicNeo" panose="020B0500000101010101" pitchFamily="50" charset="-127"/>
+              </a:rPr>
+              <a:t>– </a:t>
+            </a:r>
+            <a:r>
+              <a:rPr lang="ko-KR" altLang="en-US" dirty="0">
+                <a:latin typeface="Microsoft GothicNeo" panose="020B0500000101010101" pitchFamily="50" charset="-127"/>
+                <a:ea typeface="Microsoft GothicNeo" panose="020B0500000101010101" pitchFamily="50" charset="-127"/>
+                <a:cs typeface="Microsoft GothicNeo" panose="020B0500000101010101" pitchFamily="50" charset="-127"/>
+              </a:rPr>
+              <a:t>결과</a:t>
             </a:r>
           </a:p>
         </p:txBody>
@@ -4143,197 +4147,287 @@
       </p:cxnSp>
       <p:sp>
         <p:nvSpPr>
-          <p:cNvPr id="6" name="TextBox 5">
-            <a:extLst>
-              <a:ext uri="{FF2B5EF4-FFF2-40B4-BE49-F238E27FC236}">
-                <a16:creationId xmlns:a16="http://schemas.microsoft.com/office/drawing/2014/main" id="{D27B2214-CD75-9256-0947-6ABB048D5AF7}"/>
-              </a:ext>
-            </a:extLst>
-          </p:cNvPr>
-          <p:cNvSpPr txBox="1"/>
+          <p:cNvPr id="7" name="내용 개체 틀 2">
+            <a:extLst>
+              <a:ext uri="{FF2B5EF4-FFF2-40B4-BE49-F238E27FC236}">
+                <a16:creationId xmlns:a16="http://schemas.microsoft.com/office/drawing/2014/main" id="{482BED76-E77F-C9D0-9298-E1301FB5CFCB}"/>
+              </a:ext>
+            </a:extLst>
+          </p:cNvPr>
+          <p:cNvSpPr txBox="1">
+            <a:spLocks/>
+          </p:cNvSpPr>
           <p:nvPr/>
         </p:nvSpPr>
         <p:spPr>
           <a:xfrm>
-            <a:off x="740781" y="2314938"/>
-            <a:ext cx="6123006" cy="934551"/>
+            <a:off x="3717310" y="5909297"/>
+            <a:ext cx="5012020" cy="1391963"/>
+          </a:xfrm>
+          <a:prstGeom prst="rect">
+            <a:avLst/>
+          </a:prstGeom>
+        </p:spPr>
+        <p:txBody>
+          <a:bodyPr vert="horz" lIns="91440" tIns="45720" rIns="91440" bIns="45720" rtlCol="0">
+            <a:normAutofit/>
+          </a:bodyPr>
+          <a:lstStyle>
+            <a:lvl1pPr marL="228594" indent="-228594" algn="l" defTabSz="914377" rtl="0" eaLnBrk="1" latinLnBrk="1" hangingPunct="1">
+              <a:lnSpc>
+                <a:spcPct val="90000"/>
+              </a:lnSpc>
+              <a:spcBef>
+                <a:spcPts val="1000"/>
+              </a:spcBef>
+              <a:buFont typeface="Arial" panose="020B0604020202020204" pitchFamily="34" charset="0"/>
+              <a:buChar char="•"/>
+              <a:defRPr sz="2800" kern="1200">
+                <a:solidFill>
+                  <a:schemeClr val="tx1"/>
+                </a:solidFill>
+                <a:latin typeface="+mn-lt"/>
+                <a:ea typeface="+mn-ea"/>
+                <a:cs typeface="+mn-cs"/>
+              </a:defRPr>
+            </a:lvl1pPr>
+            <a:lvl2pPr marL="685783" indent="-228594" algn="l" defTabSz="914377" rtl="0" eaLnBrk="1" latinLnBrk="1" hangingPunct="1">
+              <a:lnSpc>
+                <a:spcPct val="90000"/>
+              </a:lnSpc>
+              <a:spcBef>
+                <a:spcPts val="500"/>
+              </a:spcBef>
+              <a:buFont typeface="Arial" panose="020B0604020202020204" pitchFamily="34" charset="0"/>
+              <a:buChar char="•"/>
+              <a:defRPr sz="2400" kern="1200">
+                <a:solidFill>
+                  <a:schemeClr val="tx1"/>
+                </a:solidFill>
+                <a:latin typeface="+mn-lt"/>
+                <a:ea typeface="+mn-ea"/>
+                <a:cs typeface="+mn-cs"/>
+              </a:defRPr>
+            </a:lvl2pPr>
+            <a:lvl3pPr marL="1142971" indent="-228594" algn="l" defTabSz="914377" rtl="0" eaLnBrk="1" latinLnBrk="1" hangingPunct="1">
+              <a:lnSpc>
+                <a:spcPct val="90000"/>
+              </a:lnSpc>
+              <a:spcBef>
+                <a:spcPts val="500"/>
+              </a:spcBef>
+              <a:buFont typeface="Arial" panose="020B0604020202020204" pitchFamily="34" charset="0"/>
+              <a:buChar char="•"/>
+              <a:defRPr sz="2000" kern="1200">
+                <a:solidFill>
+                  <a:schemeClr val="tx1"/>
+                </a:solidFill>
+                <a:latin typeface="+mn-lt"/>
+                <a:ea typeface="+mn-ea"/>
+                <a:cs typeface="+mn-cs"/>
+              </a:defRPr>
+            </a:lvl3pPr>
+            <a:lvl4pPr marL="1600160" indent="-228594" algn="l" defTabSz="914377" rtl="0" eaLnBrk="1" latinLnBrk="1" hangingPunct="1">
+              <a:lnSpc>
+                <a:spcPct val="90000"/>
+              </a:lnSpc>
+              <a:spcBef>
+                <a:spcPts val="500"/>
+              </a:spcBef>
+              <a:buFont typeface="Arial" panose="020B0604020202020204" pitchFamily="34" charset="0"/>
+              <a:buChar char="•"/>
+              <a:defRPr sz="1800" kern="1200">
+                <a:solidFill>
+                  <a:schemeClr val="tx1"/>
+                </a:solidFill>
+                <a:latin typeface="+mn-lt"/>
+                <a:ea typeface="+mn-ea"/>
+                <a:cs typeface="+mn-cs"/>
+              </a:defRPr>
+            </a:lvl4pPr>
+            <a:lvl5pPr marL="2057349" indent="-228594" algn="l" defTabSz="914377" rtl="0" eaLnBrk="1" latinLnBrk="1" hangingPunct="1">
+              <a:lnSpc>
+                <a:spcPct val="90000"/>
+              </a:lnSpc>
+              <a:spcBef>
+                <a:spcPts val="500"/>
+              </a:spcBef>
+              <a:buFont typeface="Arial" panose="020B0604020202020204" pitchFamily="34" charset="0"/>
+              <a:buChar char="•"/>
+              <a:defRPr sz="1800" kern="1200">
+                <a:solidFill>
+                  <a:schemeClr val="tx1"/>
+                </a:solidFill>
+                <a:latin typeface="+mn-lt"/>
+                <a:ea typeface="+mn-ea"/>
+                <a:cs typeface="+mn-cs"/>
+              </a:defRPr>
+            </a:lvl5pPr>
+            <a:lvl6pPr marL="2514537" indent="-228594" algn="l" defTabSz="914377" rtl="0" eaLnBrk="1" latinLnBrk="1" hangingPunct="1">
+              <a:lnSpc>
+                <a:spcPct val="90000"/>
+              </a:lnSpc>
+              <a:spcBef>
+                <a:spcPts val="500"/>
+              </a:spcBef>
+              <a:buFont typeface="Arial" panose="020B0604020202020204" pitchFamily="34" charset="0"/>
+              <a:buChar char="•"/>
+              <a:defRPr sz="1800" kern="1200">
+                <a:solidFill>
+                  <a:schemeClr val="tx1"/>
+                </a:solidFill>
+                <a:latin typeface="+mn-lt"/>
+                <a:ea typeface="+mn-ea"/>
+                <a:cs typeface="+mn-cs"/>
+              </a:defRPr>
+            </a:lvl6pPr>
+            <a:lvl7pPr marL="2971726" indent="-228594" algn="l" defTabSz="914377" rtl="0" eaLnBrk="1" latinLnBrk="1" hangingPunct="1">
+              <a:lnSpc>
+                <a:spcPct val="90000"/>
+              </a:lnSpc>
+              <a:spcBef>
+                <a:spcPts val="500"/>
+              </a:spcBef>
+              <a:buFont typeface="Arial" panose="020B0604020202020204" pitchFamily="34" charset="0"/>
+              <a:buChar char="•"/>
+              <a:defRPr sz="1800" kern="1200">
+                <a:solidFill>
+                  <a:schemeClr val="tx1"/>
+                </a:solidFill>
+                <a:latin typeface="+mn-lt"/>
+                <a:ea typeface="+mn-ea"/>
+                <a:cs typeface="+mn-cs"/>
+              </a:defRPr>
+            </a:lvl7pPr>
+            <a:lvl8pPr marL="3428914" indent="-228594" algn="l" defTabSz="914377" rtl="0" eaLnBrk="1" latinLnBrk="1" hangingPunct="1">
+              <a:lnSpc>
+                <a:spcPct val="90000"/>
+              </a:lnSpc>
+              <a:spcBef>
+                <a:spcPts val="500"/>
+              </a:spcBef>
+              <a:buFont typeface="Arial" panose="020B0604020202020204" pitchFamily="34" charset="0"/>
+              <a:buChar char="•"/>
+              <a:defRPr sz="1800" kern="1200">
+                <a:solidFill>
+                  <a:schemeClr val="tx1"/>
+                </a:solidFill>
+                <a:latin typeface="+mn-lt"/>
+                <a:ea typeface="+mn-ea"/>
+                <a:cs typeface="+mn-cs"/>
+              </a:defRPr>
+            </a:lvl8pPr>
+            <a:lvl9pPr marL="3886103" indent="-228594" algn="l" defTabSz="914377" rtl="0" eaLnBrk="1" latinLnBrk="1" hangingPunct="1">
+              <a:lnSpc>
+                <a:spcPct val="90000"/>
+              </a:lnSpc>
+              <a:spcBef>
+                <a:spcPts val="500"/>
+              </a:spcBef>
+              <a:buFont typeface="Arial" panose="020B0604020202020204" pitchFamily="34" charset="0"/>
+              <a:buChar char="•"/>
+              <a:defRPr sz="1800" kern="1200">
+                <a:solidFill>
+                  <a:schemeClr val="tx1"/>
+                </a:solidFill>
+                <a:latin typeface="+mn-lt"/>
+                <a:ea typeface="+mn-ea"/>
+                <a:cs typeface="+mn-cs"/>
+              </a:defRPr>
+            </a:lvl9pPr>
+          </a:lstStyle>
+          <a:p>
+            <a:r>
+              <a:rPr lang="en-US" altLang="ko-KR" sz="3600" dirty="0">
+                <a:latin typeface="Microsoft GothicNeo" panose="020B0500000101010101" pitchFamily="50" charset="-127"/>
+                <a:ea typeface="Microsoft GothicNeo" panose="020B0500000101010101" pitchFamily="50" charset="-127"/>
+                <a:cs typeface="Microsoft GothicNeo" panose="020B0500000101010101" pitchFamily="50" charset="-127"/>
+              </a:rPr>
+              <a:t>ILSVRC 2015</a:t>
+            </a:r>
+            <a:r>
+              <a:rPr lang="ko-KR" altLang="en-US" sz="3600" dirty="0">
+                <a:latin typeface="Microsoft GothicNeo" panose="020B0500000101010101" pitchFamily="50" charset="-127"/>
+                <a:ea typeface="Microsoft GothicNeo" panose="020B0500000101010101" pitchFamily="50" charset="-127"/>
+                <a:cs typeface="Microsoft GothicNeo" panose="020B0500000101010101" pitchFamily="50" charset="-127"/>
+              </a:rPr>
+              <a:t>에서 </a:t>
+            </a:r>
+            <a:r>
+              <a:rPr lang="en-US" altLang="ko-KR" sz="3600" dirty="0">
+                <a:latin typeface="Microsoft GothicNeo" panose="020B0500000101010101" pitchFamily="50" charset="-127"/>
+                <a:ea typeface="Microsoft GothicNeo" panose="020B0500000101010101" pitchFamily="50" charset="-127"/>
+                <a:cs typeface="Microsoft GothicNeo" panose="020B0500000101010101" pitchFamily="50" charset="-127"/>
+              </a:rPr>
+              <a:t>1</a:t>
+            </a:r>
+            <a:r>
+              <a:rPr lang="ko-KR" altLang="en-US" sz="3600" dirty="0">
+                <a:latin typeface="Microsoft GothicNeo" panose="020B0500000101010101" pitchFamily="50" charset="-127"/>
+                <a:ea typeface="Microsoft GothicNeo" panose="020B0500000101010101" pitchFamily="50" charset="-127"/>
+                <a:cs typeface="Microsoft GothicNeo" panose="020B0500000101010101" pitchFamily="50" charset="-127"/>
+              </a:rPr>
+              <a:t>위</a:t>
+            </a:r>
+            <a:endParaRPr lang="en-US" altLang="ko-KR" sz="3600" dirty="0">
+              <a:latin typeface="Microsoft GothicNeo" panose="020B0500000101010101" pitchFamily="50" charset="-127"/>
+              <a:ea typeface="Microsoft GothicNeo" panose="020B0500000101010101" pitchFamily="50" charset="-127"/>
+              <a:cs typeface="Microsoft GothicNeo" panose="020B0500000101010101" pitchFamily="50" charset="-127"/>
+            </a:endParaRPr>
+          </a:p>
+        </p:txBody>
+      </p:sp>
+      <p:pic>
+        <p:nvPicPr>
+          <p:cNvPr id="5122" name="Picture 2">
+            <a:extLst>
+              <a:ext uri="{FF2B5EF4-FFF2-40B4-BE49-F238E27FC236}">
+                <a16:creationId xmlns:a16="http://schemas.microsoft.com/office/drawing/2014/main" id="{6B68307F-9D8A-5B2D-0569-2EFB378E0227}"/>
+              </a:ext>
+            </a:extLst>
+          </p:cNvPr>
+          <p:cNvPicPr>
+            <a:picLocks noChangeAspect="1" noChangeArrowheads="1"/>
+          </p:cNvPicPr>
+          <p:nvPr/>
+        </p:nvPicPr>
+        <p:blipFill>
+          <a:blip r:embed="rId2">
+            <a:extLst>
+              <a:ext uri="{28A0092B-C50C-407E-A947-70E740481C1C}">
+                <a14:useLocalDpi xmlns:a14="http://schemas.microsoft.com/office/drawing/2010/main" val="0"/>
+              </a:ext>
+            </a:extLst>
+          </a:blip>
+          <a:srcRect/>
+          <a:stretch>
+            <a:fillRect/>
+          </a:stretch>
+        </p:blipFill>
+        <p:spPr bwMode="auto">
+          <a:xfrm>
+            <a:off x="1663370" y="1366236"/>
+            <a:ext cx="7951807" cy="4334295"/>
           </a:xfrm>
           <a:prstGeom prst="rect">
             <a:avLst/>
           </a:prstGeom>
           <a:noFill/>
+          <a:extLst>
+            <a:ext uri="{909E8E84-426E-40DD-AFC4-6F175D3DCCD1}">
+              <a14:hiddenFill xmlns:a14="http://schemas.microsoft.com/office/drawing/2010/main">
+                <a:solidFill>
+                  <a:srgbClr val="FFFFFF"/>
+                </a:solidFill>
+              </a14:hiddenFill>
+            </a:ext>
+          </a:extLst>
         </p:spPr>
-        <p:txBody>
-          <a:bodyPr wrap="square">
-            <a:spAutoFit/>
-          </a:bodyPr>
-          <a:lstStyle/>
-          <a:p>
-            <a:pPr marL="0" indent="0" eaLnBrk="0" latinLnBrk="0" hangingPunct="0">
-              <a:lnSpc>
-                <a:spcPts val="3300"/>
-              </a:lnSpc>
-              <a:spcBef>
-                <a:spcPts val="400"/>
-              </a:spcBef>
-              <a:buNone/>
-            </a:pPr>
-            <a:r>
-              <a:rPr lang="en-US" altLang="ko-KR" sz="1800" dirty="0">
-                <a:solidFill>
-                  <a:srgbClr val="FF0000"/>
-                </a:solidFill>
-              </a:rPr>
-              <a:t>-  </a:t>
-            </a:r>
-            <a:r>
-              <a:rPr lang="ko-KR" altLang="en-US" sz="1800" dirty="0">
-                <a:solidFill>
-                  <a:srgbClr val="FF0000"/>
-                </a:solidFill>
-              </a:rPr>
-              <a:t>참고자료 </a:t>
-            </a:r>
-            <a:r>
-              <a:rPr lang="en-US" altLang="ko-KR" sz="1800" dirty="0">
-                <a:solidFill>
-                  <a:srgbClr val="FF0000"/>
-                </a:solidFill>
-              </a:rPr>
-              <a:t>(</a:t>
-            </a:r>
-            <a:r>
-              <a:rPr lang="ko-KR" altLang="en-US" sz="1800" dirty="0">
-                <a:solidFill>
-                  <a:srgbClr val="FF0000"/>
-                </a:solidFill>
-              </a:rPr>
-              <a:t>문헌</a:t>
-            </a:r>
-            <a:r>
-              <a:rPr lang="en-US" altLang="ko-KR" sz="1800" dirty="0">
-                <a:solidFill>
-                  <a:srgbClr val="FF0000"/>
-                </a:solidFill>
-              </a:rPr>
-              <a:t>)</a:t>
-            </a:r>
-            <a:r>
-              <a:rPr lang="ko-KR" altLang="en-US" sz="1800" dirty="0">
-                <a:solidFill>
-                  <a:srgbClr val="FF0000"/>
-                </a:solidFill>
-              </a:rPr>
-              <a:t>에서 제시하는 결과를 정리</a:t>
-            </a:r>
-            <a:endParaRPr lang="en-US" altLang="ko-KR" sz="1800" dirty="0">
-              <a:solidFill>
-                <a:srgbClr val="FF0000"/>
-              </a:solidFill>
-            </a:endParaRPr>
-          </a:p>
-          <a:p>
-            <a:pPr marL="0" indent="0" eaLnBrk="0" latinLnBrk="0" hangingPunct="0">
-              <a:lnSpc>
-                <a:spcPts val="3300"/>
-              </a:lnSpc>
-              <a:spcBef>
-                <a:spcPts val="400"/>
-              </a:spcBef>
-              <a:buNone/>
-            </a:pPr>
-            <a:r>
-              <a:rPr lang="en-US" altLang="ko-KR" sz="1800" dirty="0">
-                <a:solidFill>
-                  <a:srgbClr val="FF0000"/>
-                </a:solidFill>
-              </a:rPr>
-              <a:t>-  </a:t>
-            </a:r>
-            <a:r>
-              <a:rPr lang="ko-KR" altLang="en-US" sz="1800" dirty="0">
-                <a:solidFill>
-                  <a:srgbClr val="FF0000"/>
-                </a:solidFill>
-              </a:rPr>
-              <a:t>기존 방법에 비해 참고자료</a:t>
-            </a:r>
-            <a:r>
-              <a:rPr lang="en-US" altLang="ko-KR" sz="1800" dirty="0">
-                <a:solidFill>
-                  <a:srgbClr val="FF0000"/>
-                </a:solidFill>
-              </a:rPr>
-              <a:t>(</a:t>
-            </a:r>
-            <a:r>
-              <a:rPr lang="ko-KR" altLang="en-US" sz="1800" dirty="0">
-                <a:solidFill>
-                  <a:srgbClr val="FF0000"/>
-                </a:solidFill>
-              </a:rPr>
-              <a:t>문헌</a:t>
-            </a:r>
-            <a:r>
-              <a:rPr lang="en-US" altLang="ko-KR" sz="1800" dirty="0">
-                <a:solidFill>
-                  <a:srgbClr val="FF0000"/>
-                </a:solidFill>
-              </a:rPr>
-              <a:t>)</a:t>
-            </a:r>
-            <a:r>
-              <a:rPr lang="ko-KR" altLang="en-US" sz="1800" dirty="0">
-                <a:solidFill>
-                  <a:srgbClr val="FF0000"/>
-                </a:solidFill>
-              </a:rPr>
-              <a:t>의 개선점</a:t>
-            </a:r>
-            <a:r>
-              <a:rPr lang="en-US" altLang="ko-KR" sz="1800" dirty="0">
-                <a:solidFill>
-                  <a:srgbClr val="FF0000"/>
-                </a:solidFill>
-              </a:rPr>
-              <a:t>(</a:t>
-            </a:r>
-            <a:r>
-              <a:rPr lang="ko-KR" altLang="en-US" sz="1800" dirty="0">
-                <a:solidFill>
-                  <a:srgbClr val="FF0000"/>
-                </a:solidFill>
-              </a:rPr>
-              <a:t>장점</a:t>
-            </a:r>
-            <a:r>
-              <a:rPr lang="en-US" altLang="ko-KR" sz="1800" dirty="0">
-                <a:solidFill>
-                  <a:srgbClr val="FF0000"/>
-                </a:solidFill>
-              </a:rPr>
-              <a:t>) </a:t>
-            </a:r>
-            <a:r>
-              <a:rPr lang="ko-KR" altLang="en-US" sz="1800" dirty="0">
-                <a:solidFill>
-                  <a:srgbClr val="FF0000"/>
-                </a:solidFill>
-              </a:rPr>
-              <a:t>정리</a:t>
-            </a:r>
-            <a:endParaRPr lang="en-US" altLang="ko-KR" sz="1800" dirty="0">
-              <a:solidFill>
-                <a:srgbClr val="FF0000"/>
-              </a:solidFill>
-            </a:endParaRPr>
-          </a:p>
-        </p:txBody>
-      </p:sp>
+      </p:pic>
     </p:spTree>
     <p:extLst>
       <p:ext uri="{BB962C8B-B14F-4D97-AF65-F5344CB8AC3E}">
-        <p14:creationId xmlns:p14="http://schemas.microsoft.com/office/powerpoint/2010/main" val="1094551179"/>
+        <p14:creationId xmlns:p14="http://schemas.microsoft.com/office/powerpoint/2010/main" val="188606184"/>
       </p:ext>
     </p:extLst>
   </p:cSld>
@@ -4379,7 +4473,7 @@
         <p:spPr>
           <a:xfrm>
             <a:off x="190019" y="1"/>
-            <a:ext cx="6673768" cy="1325563"/>
+            <a:ext cx="7761790" cy="1325563"/>
           </a:xfrm>
         </p:spPr>
         <p:txBody>
@@ -4394,7 +4488,15 @@
                 <a:ea typeface="Microsoft GothicNeo" panose="020B0500000101010101" pitchFamily="50" charset="-127"/>
                 <a:cs typeface="Microsoft GothicNeo" panose="020B0500000101010101" pitchFamily="50" charset="-127"/>
               </a:rPr>
-              <a:t>2. </a:t>
+              <a:t>3. </a:t>
+            </a:r>
+            <a:r>
+              <a:rPr lang="en-US" altLang="ko-KR" dirty="0" err="1">
+                <a:latin typeface="Microsoft GothicNeo" panose="020B0500000101010101" pitchFamily="50" charset="-127"/>
+                <a:ea typeface="Microsoft GothicNeo" panose="020B0500000101010101" pitchFamily="50" charset="-127"/>
+                <a:cs typeface="Microsoft GothicNeo" panose="020B0500000101010101" pitchFamily="50" charset="-127"/>
+              </a:rPr>
+              <a:t>ResNet</a:t>
             </a:r>
             <a:r>
               <a:rPr lang="ko-KR" altLang="en-US" dirty="0">
@@ -4402,7 +4504,23 @@
                 <a:ea typeface="Microsoft GothicNeo" panose="020B0500000101010101" pitchFamily="50" charset="-127"/>
                 <a:cs typeface="Microsoft GothicNeo" panose="020B0500000101010101" pitchFamily="50" charset="-127"/>
               </a:rPr>
-              <a:t>개선 내용</a:t>
+              <a:t> </a:t>
+            </a:r>
+            <a:r>
+              <a:rPr lang="en-US" altLang="ko-KR" dirty="0">
+                <a:latin typeface="Microsoft GothicNeo" panose="020B0500000101010101" pitchFamily="50" charset="-127"/>
+                <a:ea typeface="Microsoft GothicNeo" panose="020B0500000101010101" pitchFamily="50" charset="-127"/>
+                <a:cs typeface="Microsoft GothicNeo" panose="020B0500000101010101" pitchFamily="50" charset="-127"/>
+              </a:rPr>
+              <a:t>– </a:t>
+            </a:r>
+            <a:r>
+              <a:rPr lang="ko-KR" altLang="en-US" dirty="0">
+                <a:latin typeface="Microsoft GothicNeo" panose="020B0500000101010101" pitchFamily="50" charset="-127"/>
+                <a:ea typeface="Microsoft GothicNeo" panose="020B0500000101010101" pitchFamily="50" charset="-127"/>
+                <a:cs typeface="Microsoft GothicNeo" panose="020B0500000101010101" pitchFamily="50" charset="-127"/>
+              </a:rPr>
+              <a:t>결과</a:t>
             </a:r>
           </a:p>
         </p:txBody>
@@ -4447,213 +4565,421 @@
       </p:cxnSp>
       <p:sp>
         <p:nvSpPr>
-          <p:cNvPr id="6" name="TextBox 5">
-            <a:extLst>
-              <a:ext uri="{FF2B5EF4-FFF2-40B4-BE49-F238E27FC236}">
-                <a16:creationId xmlns:a16="http://schemas.microsoft.com/office/drawing/2014/main" id="{D27B2214-CD75-9256-0947-6ABB048D5AF7}"/>
-              </a:ext>
-            </a:extLst>
-          </p:cNvPr>
-          <p:cNvSpPr txBox="1"/>
+          <p:cNvPr id="7" name="내용 개체 틀 2">
+            <a:extLst>
+              <a:ext uri="{FF2B5EF4-FFF2-40B4-BE49-F238E27FC236}">
+                <a16:creationId xmlns:a16="http://schemas.microsoft.com/office/drawing/2014/main" id="{482BED76-E77F-C9D0-9298-E1301FB5CFCB}"/>
+              </a:ext>
+            </a:extLst>
+          </p:cNvPr>
+          <p:cNvSpPr txBox="1">
+            <a:spLocks/>
+          </p:cNvSpPr>
           <p:nvPr/>
         </p:nvSpPr>
         <p:spPr>
           <a:xfrm>
-            <a:off x="740781" y="2314938"/>
-            <a:ext cx="6123006" cy="1780937"/>
+            <a:off x="559441" y="5253386"/>
+            <a:ext cx="10419068" cy="1391963"/>
+          </a:xfrm>
+          <a:prstGeom prst="rect">
+            <a:avLst/>
+          </a:prstGeom>
+        </p:spPr>
+        <p:txBody>
+          <a:bodyPr vert="horz" lIns="91440" tIns="45720" rIns="91440" bIns="45720" rtlCol="0">
+            <a:normAutofit/>
+          </a:bodyPr>
+          <a:lstStyle>
+            <a:lvl1pPr marL="228594" indent="-228594" algn="l" defTabSz="914377" rtl="0" eaLnBrk="1" latinLnBrk="1" hangingPunct="1">
+              <a:lnSpc>
+                <a:spcPct val="90000"/>
+              </a:lnSpc>
+              <a:spcBef>
+                <a:spcPts val="1000"/>
+              </a:spcBef>
+              <a:buFont typeface="Arial" panose="020B0604020202020204" pitchFamily="34" charset="0"/>
+              <a:buChar char="•"/>
+              <a:defRPr sz="2800" kern="1200">
+                <a:solidFill>
+                  <a:schemeClr val="tx1"/>
+                </a:solidFill>
+                <a:latin typeface="+mn-lt"/>
+                <a:ea typeface="+mn-ea"/>
+                <a:cs typeface="+mn-cs"/>
+              </a:defRPr>
+            </a:lvl1pPr>
+            <a:lvl2pPr marL="685783" indent="-228594" algn="l" defTabSz="914377" rtl="0" eaLnBrk="1" latinLnBrk="1" hangingPunct="1">
+              <a:lnSpc>
+                <a:spcPct val="90000"/>
+              </a:lnSpc>
+              <a:spcBef>
+                <a:spcPts val="500"/>
+              </a:spcBef>
+              <a:buFont typeface="Arial" panose="020B0604020202020204" pitchFamily="34" charset="0"/>
+              <a:buChar char="•"/>
+              <a:defRPr sz="2400" kern="1200">
+                <a:solidFill>
+                  <a:schemeClr val="tx1"/>
+                </a:solidFill>
+                <a:latin typeface="+mn-lt"/>
+                <a:ea typeface="+mn-ea"/>
+                <a:cs typeface="+mn-cs"/>
+              </a:defRPr>
+            </a:lvl2pPr>
+            <a:lvl3pPr marL="1142971" indent="-228594" algn="l" defTabSz="914377" rtl="0" eaLnBrk="1" latinLnBrk="1" hangingPunct="1">
+              <a:lnSpc>
+                <a:spcPct val="90000"/>
+              </a:lnSpc>
+              <a:spcBef>
+                <a:spcPts val="500"/>
+              </a:spcBef>
+              <a:buFont typeface="Arial" panose="020B0604020202020204" pitchFamily="34" charset="0"/>
+              <a:buChar char="•"/>
+              <a:defRPr sz="2000" kern="1200">
+                <a:solidFill>
+                  <a:schemeClr val="tx1"/>
+                </a:solidFill>
+                <a:latin typeface="+mn-lt"/>
+                <a:ea typeface="+mn-ea"/>
+                <a:cs typeface="+mn-cs"/>
+              </a:defRPr>
+            </a:lvl3pPr>
+            <a:lvl4pPr marL="1600160" indent="-228594" algn="l" defTabSz="914377" rtl="0" eaLnBrk="1" latinLnBrk="1" hangingPunct="1">
+              <a:lnSpc>
+                <a:spcPct val="90000"/>
+              </a:lnSpc>
+              <a:spcBef>
+                <a:spcPts val="500"/>
+              </a:spcBef>
+              <a:buFont typeface="Arial" panose="020B0604020202020204" pitchFamily="34" charset="0"/>
+              <a:buChar char="•"/>
+              <a:defRPr sz="1800" kern="1200">
+                <a:solidFill>
+                  <a:schemeClr val="tx1"/>
+                </a:solidFill>
+                <a:latin typeface="+mn-lt"/>
+                <a:ea typeface="+mn-ea"/>
+                <a:cs typeface="+mn-cs"/>
+              </a:defRPr>
+            </a:lvl4pPr>
+            <a:lvl5pPr marL="2057349" indent="-228594" algn="l" defTabSz="914377" rtl="0" eaLnBrk="1" latinLnBrk="1" hangingPunct="1">
+              <a:lnSpc>
+                <a:spcPct val="90000"/>
+              </a:lnSpc>
+              <a:spcBef>
+                <a:spcPts val="500"/>
+              </a:spcBef>
+              <a:buFont typeface="Arial" panose="020B0604020202020204" pitchFamily="34" charset="0"/>
+              <a:buChar char="•"/>
+              <a:defRPr sz="1800" kern="1200">
+                <a:solidFill>
+                  <a:schemeClr val="tx1"/>
+                </a:solidFill>
+                <a:latin typeface="+mn-lt"/>
+                <a:ea typeface="+mn-ea"/>
+                <a:cs typeface="+mn-cs"/>
+              </a:defRPr>
+            </a:lvl5pPr>
+            <a:lvl6pPr marL="2514537" indent="-228594" algn="l" defTabSz="914377" rtl="0" eaLnBrk="1" latinLnBrk="1" hangingPunct="1">
+              <a:lnSpc>
+                <a:spcPct val="90000"/>
+              </a:lnSpc>
+              <a:spcBef>
+                <a:spcPts val="500"/>
+              </a:spcBef>
+              <a:buFont typeface="Arial" panose="020B0604020202020204" pitchFamily="34" charset="0"/>
+              <a:buChar char="•"/>
+              <a:defRPr sz="1800" kern="1200">
+                <a:solidFill>
+                  <a:schemeClr val="tx1"/>
+                </a:solidFill>
+                <a:latin typeface="+mn-lt"/>
+                <a:ea typeface="+mn-ea"/>
+                <a:cs typeface="+mn-cs"/>
+              </a:defRPr>
+            </a:lvl6pPr>
+            <a:lvl7pPr marL="2971726" indent="-228594" algn="l" defTabSz="914377" rtl="0" eaLnBrk="1" latinLnBrk="1" hangingPunct="1">
+              <a:lnSpc>
+                <a:spcPct val="90000"/>
+              </a:lnSpc>
+              <a:spcBef>
+                <a:spcPts val="500"/>
+              </a:spcBef>
+              <a:buFont typeface="Arial" panose="020B0604020202020204" pitchFamily="34" charset="0"/>
+              <a:buChar char="•"/>
+              <a:defRPr sz="1800" kern="1200">
+                <a:solidFill>
+                  <a:schemeClr val="tx1"/>
+                </a:solidFill>
+                <a:latin typeface="+mn-lt"/>
+                <a:ea typeface="+mn-ea"/>
+                <a:cs typeface="+mn-cs"/>
+              </a:defRPr>
+            </a:lvl7pPr>
+            <a:lvl8pPr marL="3428914" indent="-228594" algn="l" defTabSz="914377" rtl="0" eaLnBrk="1" latinLnBrk="1" hangingPunct="1">
+              <a:lnSpc>
+                <a:spcPct val="90000"/>
+              </a:lnSpc>
+              <a:spcBef>
+                <a:spcPts val="500"/>
+              </a:spcBef>
+              <a:buFont typeface="Arial" panose="020B0604020202020204" pitchFamily="34" charset="0"/>
+              <a:buChar char="•"/>
+              <a:defRPr sz="1800" kern="1200">
+                <a:solidFill>
+                  <a:schemeClr val="tx1"/>
+                </a:solidFill>
+                <a:latin typeface="+mn-lt"/>
+                <a:ea typeface="+mn-ea"/>
+                <a:cs typeface="+mn-cs"/>
+              </a:defRPr>
+            </a:lvl8pPr>
+            <a:lvl9pPr marL="3886103" indent="-228594" algn="l" defTabSz="914377" rtl="0" eaLnBrk="1" latinLnBrk="1" hangingPunct="1">
+              <a:lnSpc>
+                <a:spcPct val="90000"/>
+              </a:lnSpc>
+              <a:spcBef>
+                <a:spcPts val="500"/>
+              </a:spcBef>
+              <a:buFont typeface="Arial" panose="020B0604020202020204" pitchFamily="34" charset="0"/>
+              <a:buChar char="•"/>
+              <a:defRPr sz="1800" kern="1200">
+                <a:solidFill>
+                  <a:schemeClr val="tx1"/>
+                </a:solidFill>
+                <a:latin typeface="+mn-lt"/>
+                <a:ea typeface="+mn-ea"/>
+                <a:cs typeface="+mn-cs"/>
+              </a:defRPr>
+            </a:lvl9pPr>
+          </a:lstStyle>
+          <a:p>
+            <a:r>
+              <a:rPr lang="en-US" altLang="ko-KR" sz="3600" dirty="0">
+                <a:latin typeface="Microsoft GothicNeo" panose="020B0500000101010101" pitchFamily="50" charset="-127"/>
+                <a:ea typeface="Microsoft GothicNeo" panose="020B0500000101010101" pitchFamily="50" charset="-127"/>
+                <a:cs typeface="Microsoft GothicNeo" panose="020B0500000101010101" pitchFamily="50" charset="-127"/>
+              </a:rPr>
+              <a:t>Plain</a:t>
+            </a:r>
+            <a:r>
+              <a:rPr lang="ko-KR" altLang="en-US" sz="3600" dirty="0">
+                <a:latin typeface="Microsoft GothicNeo" panose="020B0500000101010101" pitchFamily="50" charset="-127"/>
+                <a:ea typeface="Microsoft GothicNeo" panose="020B0500000101010101" pitchFamily="50" charset="-127"/>
+                <a:cs typeface="Microsoft GothicNeo" panose="020B0500000101010101" pitchFamily="50" charset="-127"/>
+              </a:rPr>
+              <a:t> </a:t>
+            </a:r>
+            <a:r>
+              <a:rPr lang="en-US" altLang="ko-KR" sz="3600" dirty="0">
+                <a:latin typeface="Microsoft GothicNeo" panose="020B0500000101010101" pitchFamily="50" charset="-127"/>
+                <a:ea typeface="Microsoft GothicNeo" panose="020B0500000101010101" pitchFamily="50" charset="-127"/>
+                <a:cs typeface="Microsoft GothicNeo" panose="020B0500000101010101" pitchFamily="50" charset="-127"/>
+              </a:rPr>
+              <a:t>Network</a:t>
+            </a:r>
+            <a:r>
+              <a:rPr lang="ko-KR" altLang="en-US" sz="3600" dirty="0">
+                <a:latin typeface="Microsoft GothicNeo" panose="020B0500000101010101" pitchFamily="50" charset="-127"/>
+                <a:ea typeface="Microsoft GothicNeo" panose="020B0500000101010101" pitchFamily="50" charset="-127"/>
+                <a:cs typeface="Microsoft GothicNeo" panose="020B0500000101010101" pitchFamily="50" charset="-127"/>
+              </a:rPr>
+              <a:t>의 경우</a:t>
+            </a:r>
+            <a:r>
+              <a:rPr lang="en-US" altLang="ko-KR" sz="3600" dirty="0">
+                <a:latin typeface="Microsoft GothicNeo" panose="020B0500000101010101" pitchFamily="50" charset="-127"/>
+                <a:ea typeface="Microsoft GothicNeo" panose="020B0500000101010101" pitchFamily="50" charset="-127"/>
+                <a:cs typeface="Microsoft GothicNeo" panose="020B0500000101010101" pitchFamily="50" charset="-127"/>
+              </a:rPr>
+              <a:t> </a:t>
+            </a:r>
+            <a:r>
+              <a:rPr lang="ko-KR" altLang="en-US" sz="3600" dirty="0">
+                <a:latin typeface="Microsoft GothicNeo" panose="020B0500000101010101" pitchFamily="50" charset="-127"/>
+                <a:ea typeface="Microsoft GothicNeo" panose="020B0500000101010101" pitchFamily="50" charset="-127"/>
+                <a:cs typeface="Microsoft GothicNeo" panose="020B0500000101010101" pitchFamily="50" charset="-127"/>
+              </a:rPr>
+              <a:t>깊어질수록 에러가 커짐</a:t>
+            </a:r>
+            <a:endParaRPr lang="en-US" altLang="ko-KR" sz="3600" dirty="0">
+              <a:latin typeface="Microsoft GothicNeo" panose="020B0500000101010101" pitchFamily="50" charset="-127"/>
+              <a:ea typeface="Microsoft GothicNeo" panose="020B0500000101010101" pitchFamily="50" charset="-127"/>
+              <a:cs typeface="Microsoft GothicNeo" panose="020B0500000101010101" pitchFamily="50" charset="-127"/>
+            </a:endParaRPr>
+          </a:p>
+          <a:p>
+            <a:r>
+              <a:rPr lang="en-US" altLang="ko-KR" sz="3600" dirty="0">
+                <a:solidFill>
+                  <a:schemeClr val="accent1"/>
+                </a:solidFill>
+                <a:latin typeface="Microsoft GothicNeo" panose="020B0500000101010101" pitchFamily="50" charset="-127"/>
+                <a:ea typeface="Microsoft GothicNeo" panose="020B0500000101010101" pitchFamily="50" charset="-127"/>
+                <a:cs typeface="Microsoft GothicNeo" panose="020B0500000101010101" pitchFamily="50" charset="-127"/>
+              </a:rPr>
+              <a:t>Residual Network</a:t>
+            </a:r>
+            <a:r>
+              <a:rPr lang="ko-KR" altLang="en-US" sz="3600" dirty="0">
+                <a:solidFill>
+                  <a:schemeClr val="accent1"/>
+                </a:solidFill>
+                <a:latin typeface="Microsoft GothicNeo" panose="020B0500000101010101" pitchFamily="50" charset="-127"/>
+                <a:ea typeface="Microsoft GothicNeo" panose="020B0500000101010101" pitchFamily="50" charset="-127"/>
+                <a:cs typeface="Microsoft GothicNeo" panose="020B0500000101010101" pitchFamily="50" charset="-127"/>
+              </a:rPr>
+              <a:t>의 경우 에러가 낮아짐</a:t>
+            </a:r>
+          </a:p>
+        </p:txBody>
+      </p:sp>
+      <p:pic>
+        <p:nvPicPr>
+          <p:cNvPr id="4100" name="Picture 4">
+            <a:extLst>
+              <a:ext uri="{FF2B5EF4-FFF2-40B4-BE49-F238E27FC236}">
+                <a16:creationId xmlns:a16="http://schemas.microsoft.com/office/drawing/2014/main" id="{197F225E-2C9E-6E9E-94B0-9FEA58590E92}"/>
+              </a:ext>
+            </a:extLst>
+          </p:cNvPr>
+          <p:cNvPicPr>
+            <a:picLocks noChangeAspect="1" noChangeArrowheads="1"/>
+          </p:cNvPicPr>
+          <p:nvPr/>
+        </p:nvPicPr>
+        <p:blipFill>
+          <a:blip r:embed="rId2">
+            <a:extLst>
+              <a:ext uri="{28A0092B-C50C-407E-A947-70E740481C1C}">
+                <a14:useLocalDpi xmlns:a14="http://schemas.microsoft.com/office/drawing/2010/main" val="0"/>
+              </a:ext>
+            </a:extLst>
+          </a:blip>
+          <a:srcRect/>
+          <a:stretch>
+            <a:fillRect/>
+          </a:stretch>
+        </p:blipFill>
+        <p:spPr bwMode="auto">
+          <a:xfrm>
+            <a:off x="754912" y="1462680"/>
+            <a:ext cx="5114260" cy="3338475"/>
           </a:xfrm>
           <a:prstGeom prst="rect">
             <a:avLst/>
           </a:prstGeom>
           <a:noFill/>
+          <a:extLst>
+            <a:ext uri="{909E8E84-426E-40DD-AFC4-6F175D3DCCD1}">
+              <a14:hiddenFill xmlns:a14="http://schemas.microsoft.com/office/drawing/2010/main">
+                <a:solidFill>
+                  <a:srgbClr val="FFFFFF"/>
+                </a:solidFill>
+              </a14:hiddenFill>
+            </a:ext>
+          </a:extLst>
         </p:spPr>
-        <p:txBody>
-          <a:bodyPr wrap="square">
-            <a:spAutoFit/>
-          </a:bodyPr>
-          <a:lstStyle/>
-          <a:p>
-            <a:pPr marL="0" indent="0" eaLnBrk="0" latinLnBrk="0" hangingPunct="0">
-              <a:lnSpc>
-                <a:spcPts val="3300"/>
-              </a:lnSpc>
-              <a:spcBef>
-                <a:spcPts val="400"/>
-              </a:spcBef>
-              <a:buNone/>
-            </a:pPr>
-            <a:r>
-              <a:rPr lang="en-US" altLang="ko-KR" sz="1800" dirty="0">
-                <a:solidFill>
-                  <a:srgbClr val="FF0000"/>
-                </a:solidFill>
-              </a:rPr>
-              <a:t> -  </a:t>
-            </a:r>
-            <a:r>
-              <a:rPr lang="ko-KR" altLang="en-US" sz="1800" dirty="0">
-                <a:solidFill>
-                  <a:srgbClr val="FF0000"/>
-                </a:solidFill>
-              </a:rPr>
-              <a:t>기존 방법에 비해 참고자료</a:t>
-            </a:r>
-            <a:r>
-              <a:rPr lang="en-US" altLang="ko-KR" sz="1800" dirty="0">
-                <a:solidFill>
-                  <a:srgbClr val="FF0000"/>
-                </a:solidFill>
-              </a:rPr>
-              <a:t>(</a:t>
-            </a:r>
-            <a:r>
-              <a:rPr lang="ko-KR" altLang="en-US" sz="1800" dirty="0">
-                <a:solidFill>
-                  <a:srgbClr val="FF0000"/>
-                </a:solidFill>
-              </a:rPr>
-              <a:t>문헌</a:t>
-            </a:r>
-            <a:r>
-              <a:rPr lang="en-US" altLang="ko-KR" sz="1800" dirty="0">
-                <a:solidFill>
-                  <a:srgbClr val="FF0000"/>
-                </a:solidFill>
-              </a:rPr>
-              <a:t>)</a:t>
-            </a:r>
-            <a:r>
-              <a:rPr lang="ko-KR" altLang="en-US" sz="1800" dirty="0">
-                <a:solidFill>
-                  <a:srgbClr val="FF0000"/>
-                </a:solidFill>
-              </a:rPr>
-              <a:t>의 개선점</a:t>
-            </a:r>
-            <a:r>
-              <a:rPr lang="en-US" altLang="ko-KR" sz="1800" dirty="0">
-                <a:solidFill>
-                  <a:srgbClr val="FF0000"/>
-                </a:solidFill>
-              </a:rPr>
-              <a:t>(</a:t>
-            </a:r>
-            <a:r>
-              <a:rPr lang="ko-KR" altLang="en-US" sz="1800" dirty="0">
-                <a:solidFill>
-                  <a:srgbClr val="FF0000"/>
-                </a:solidFill>
-              </a:rPr>
-              <a:t>장점</a:t>
-            </a:r>
-            <a:r>
-              <a:rPr lang="en-US" altLang="ko-KR" sz="1800" dirty="0">
-                <a:solidFill>
-                  <a:srgbClr val="FF0000"/>
-                </a:solidFill>
-              </a:rPr>
-              <a:t>) </a:t>
-            </a:r>
-            <a:r>
-              <a:rPr lang="ko-KR" altLang="en-US" sz="1800" dirty="0">
-                <a:solidFill>
-                  <a:srgbClr val="FF0000"/>
-                </a:solidFill>
-              </a:rPr>
-              <a:t>정리</a:t>
-            </a:r>
-            <a:endParaRPr lang="en-US" altLang="ko-KR" sz="1800" dirty="0">
-              <a:solidFill>
-                <a:srgbClr val="FF0000"/>
-              </a:solidFill>
-            </a:endParaRPr>
-          </a:p>
-          <a:p>
-            <a:pPr marL="627063" indent="-627063" eaLnBrk="0" latinLnBrk="0" hangingPunct="0">
-              <a:lnSpc>
-                <a:spcPts val="3300"/>
-              </a:lnSpc>
-              <a:spcBef>
-                <a:spcPts val="400"/>
-              </a:spcBef>
-              <a:buNone/>
-            </a:pPr>
-            <a:r>
-              <a:rPr lang="en-US" altLang="ko-KR" sz="1800" dirty="0">
-                <a:solidFill>
-                  <a:srgbClr val="FF0000"/>
-                </a:solidFill>
-              </a:rPr>
-              <a:t>       - </a:t>
-            </a:r>
-            <a:r>
-              <a:rPr lang="ko-KR" altLang="en-US" sz="1800" dirty="0">
-                <a:solidFill>
-                  <a:srgbClr val="FF0000"/>
-                </a:solidFill>
-              </a:rPr>
-              <a:t> 참고자료의 내용 외에 본인이 새롭게 추가한 아이디어가 있으면 기술 </a:t>
-            </a:r>
-            <a:r>
-              <a:rPr lang="en-US" altLang="ko-KR" sz="1800" dirty="0">
-                <a:solidFill>
-                  <a:srgbClr val="FF0000"/>
-                </a:solidFill>
-              </a:rPr>
-              <a:t>(</a:t>
-            </a:r>
-            <a:r>
-              <a:rPr lang="ko-KR" altLang="en-US" sz="1800" dirty="0">
-                <a:solidFill>
-                  <a:srgbClr val="FF0000"/>
-                </a:solidFill>
-              </a:rPr>
-              <a:t>구현 내용 추가 시</a:t>
-            </a:r>
-            <a:r>
-              <a:rPr lang="en-US" altLang="ko-KR" sz="1800" dirty="0">
-                <a:solidFill>
-                  <a:srgbClr val="FF0000"/>
-                </a:solidFill>
-              </a:rPr>
-              <a:t>,</a:t>
-            </a:r>
-            <a:r>
-              <a:rPr lang="ko-KR" altLang="en-US" sz="1800" dirty="0">
-                <a:solidFill>
-                  <a:srgbClr val="FF0000"/>
-                </a:solidFill>
-              </a:rPr>
-              <a:t> 가산점 부여</a:t>
-            </a:r>
-            <a:r>
-              <a:rPr lang="en-US" altLang="ko-KR" sz="1800" dirty="0">
-                <a:solidFill>
-                  <a:srgbClr val="FF0000"/>
-                </a:solidFill>
-              </a:rPr>
-              <a:t>) </a:t>
-            </a:r>
-            <a:r>
-              <a:rPr lang="ko-KR" altLang="en-US" sz="1800" dirty="0">
-                <a:solidFill>
-                  <a:srgbClr val="FF0000"/>
-                </a:solidFill>
-              </a:rPr>
-              <a:t> </a:t>
-            </a:r>
-            <a:endParaRPr lang="en-US" altLang="ko-KR" sz="1800" dirty="0">
-              <a:solidFill>
-                <a:srgbClr val="FF0000"/>
-              </a:solidFill>
-            </a:endParaRPr>
-          </a:p>
-        </p:txBody>
-      </p:sp>
+      </p:pic>
+      <p:pic>
+        <p:nvPicPr>
+          <p:cNvPr id="4102" name="Picture 6">
+            <a:extLst>
+              <a:ext uri="{FF2B5EF4-FFF2-40B4-BE49-F238E27FC236}">
+                <a16:creationId xmlns:a16="http://schemas.microsoft.com/office/drawing/2014/main" id="{75BC0847-7DED-7CA1-6CA6-3EABAED0AD0A}"/>
+              </a:ext>
+            </a:extLst>
+          </p:cNvPr>
+          <p:cNvPicPr>
+            <a:picLocks noChangeAspect="1" noChangeArrowheads="1"/>
+          </p:cNvPicPr>
+          <p:nvPr/>
+        </p:nvPicPr>
+        <p:blipFill>
+          <a:blip r:embed="rId3">
+            <a:extLst>
+              <a:ext uri="{28A0092B-C50C-407E-A947-70E740481C1C}">
+                <a14:useLocalDpi xmlns:a14="http://schemas.microsoft.com/office/drawing/2010/main" val="0"/>
+              </a:ext>
+            </a:extLst>
+          </a:blip>
+          <a:srcRect/>
+          <a:stretch>
+            <a:fillRect/>
+          </a:stretch>
+        </p:blipFill>
+        <p:spPr bwMode="auto">
+          <a:xfrm>
+            <a:off x="6225805" y="1583431"/>
+            <a:ext cx="4752704" cy="3171742"/>
+          </a:xfrm>
+          <a:prstGeom prst="rect">
+            <a:avLst/>
+          </a:prstGeom>
+          <a:noFill/>
+          <a:extLst>
+            <a:ext uri="{909E8E84-426E-40DD-AFC4-6F175D3DCCD1}">
+              <a14:hiddenFill xmlns:a14="http://schemas.microsoft.com/office/drawing/2010/main">
+                <a:solidFill>
+                  <a:srgbClr val="FFFFFF"/>
+                </a:solidFill>
+              </a14:hiddenFill>
+            </a:ext>
+          </a:extLst>
+        </p:spPr>
+      </p:pic>
+      <p:pic>
+        <p:nvPicPr>
+          <p:cNvPr id="4104" name="Picture 8">
+            <a:extLst>
+              <a:ext uri="{FF2B5EF4-FFF2-40B4-BE49-F238E27FC236}">
+                <a16:creationId xmlns:a16="http://schemas.microsoft.com/office/drawing/2014/main" id="{615D1720-F2A8-C0D7-C011-E88FA7FC36CC}"/>
+              </a:ext>
+            </a:extLst>
+          </p:cNvPr>
+          <p:cNvPicPr>
+            <a:picLocks noChangeAspect="1" noChangeArrowheads="1"/>
+          </p:cNvPicPr>
+          <p:nvPr/>
+        </p:nvPicPr>
+        <p:blipFill>
+          <a:blip r:embed="rId4">
+            <a:extLst>
+              <a:ext uri="{28A0092B-C50C-407E-A947-70E740481C1C}">
+                <a14:useLocalDpi xmlns:a14="http://schemas.microsoft.com/office/drawing/2010/main" val="0"/>
+              </a:ext>
+            </a:extLst>
+          </a:blip>
+          <a:srcRect/>
+          <a:stretch>
+            <a:fillRect/>
+          </a:stretch>
+        </p:blipFill>
+        <p:spPr bwMode="auto">
+          <a:xfrm>
+            <a:off x="9068228" y="5717880"/>
+            <a:ext cx="2712647" cy="817411"/>
+          </a:xfrm>
+          <a:prstGeom prst="rect">
+            <a:avLst/>
+          </a:prstGeom>
+          <a:noFill/>
+          <a:extLst>
+            <a:ext uri="{909E8E84-426E-40DD-AFC4-6F175D3DCCD1}">
+              <a14:hiddenFill xmlns:a14="http://schemas.microsoft.com/office/drawing/2010/main">
+                <a:solidFill>
+                  <a:srgbClr val="FFFFFF"/>
+                </a:solidFill>
+              </a14:hiddenFill>
+            </a:ext>
+          </a:extLst>
+        </p:spPr>
+      </p:pic>
     </p:spTree>
     <p:extLst>
       <p:ext uri="{BB962C8B-B14F-4D97-AF65-F5344CB8AC3E}">
-        <p14:creationId xmlns:p14="http://schemas.microsoft.com/office/powerpoint/2010/main" val="3202475042"/>
+        <p14:creationId xmlns:p14="http://schemas.microsoft.com/office/powerpoint/2010/main" val="862991443"/>
       </p:ext>
     </p:extLst>
   </p:cSld>
@@ -4699,7 +5025,7 @@
         <p:spPr>
           <a:xfrm>
             <a:off x="190019" y="1"/>
-            <a:ext cx="6673768" cy="1325563"/>
+            <a:ext cx="7761790" cy="1325563"/>
           </a:xfrm>
         </p:spPr>
         <p:txBody>
@@ -4714,7 +5040,15 @@
                 <a:ea typeface="Microsoft GothicNeo" panose="020B0500000101010101" pitchFamily="50" charset="-127"/>
                 <a:cs typeface="Microsoft GothicNeo" panose="020B0500000101010101" pitchFamily="50" charset="-127"/>
               </a:rPr>
-              <a:t>2. </a:t>
+              <a:t>3. </a:t>
+            </a:r>
+            <a:r>
+              <a:rPr lang="en-US" altLang="ko-KR" dirty="0" err="1">
+                <a:latin typeface="Microsoft GothicNeo" panose="020B0500000101010101" pitchFamily="50" charset="-127"/>
+                <a:ea typeface="Microsoft GothicNeo" panose="020B0500000101010101" pitchFamily="50" charset="-127"/>
+                <a:cs typeface="Microsoft GothicNeo" panose="020B0500000101010101" pitchFamily="50" charset="-127"/>
+              </a:rPr>
+              <a:t>ResNet</a:t>
             </a:r>
             <a:r>
               <a:rPr lang="ko-KR" altLang="en-US" dirty="0">
@@ -4722,7 +5056,23 @@
                 <a:ea typeface="Microsoft GothicNeo" panose="020B0500000101010101" pitchFamily="50" charset="-127"/>
                 <a:cs typeface="Microsoft GothicNeo" panose="020B0500000101010101" pitchFamily="50" charset="-127"/>
               </a:rPr>
-              <a:t>결론</a:t>
+              <a:t> </a:t>
+            </a:r>
+            <a:r>
+              <a:rPr lang="en-US" altLang="ko-KR" dirty="0">
+                <a:latin typeface="Microsoft GothicNeo" panose="020B0500000101010101" pitchFamily="50" charset="-127"/>
+                <a:ea typeface="Microsoft GothicNeo" panose="020B0500000101010101" pitchFamily="50" charset="-127"/>
+                <a:cs typeface="Microsoft GothicNeo" panose="020B0500000101010101" pitchFamily="50" charset="-127"/>
+              </a:rPr>
+              <a:t>- </a:t>
+            </a:r>
+            <a:r>
+              <a:rPr lang="ko-KR" altLang="en-US" dirty="0">
+                <a:latin typeface="Microsoft GothicNeo" panose="020B0500000101010101" pitchFamily="50" charset="-127"/>
+                <a:ea typeface="Microsoft GothicNeo" panose="020B0500000101010101" pitchFamily="50" charset="-127"/>
+                <a:cs typeface="Microsoft GothicNeo" panose="020B0500000101010101" pitchFamily="50" charset="-127"/>
+              </a:rPr>
+              <a:t>장단점</a:t>
             </a:r>
           </a:p>
         </p:txBody>
@@ -4767,105 +5117,314 @@
       </p:cxnSp>
       <p:sp>
         <p:nvSpPr>
-          <p:cNvPr id="6" name="TextBox 5">
-            <a:extLst>
-              <a:ext uri="{FF2B5EF4-FFF2-40B4-BE49-F238E27FC236}">
-                <a16:creationId xmlns:a16="http://schemas.microsoft.com/office/drawing/2014/main" id="{D27B2214-CD75-9256-0947-6ABB048D5AF7}"/>
-              </a:ext>
-            </a:extLst>
-          </p:cNvPr>
-          <p:cNvSpPr txBox="1"/>
-          <p:nvPr/>
+          <p:cNvPr id="12" name="내용 개체 틀 2">
+            <a:extLst>
+              <a:ext uri="{FF2B5EF4-FFF2-40B4-BE49-F238E27FC236}">
+                <a16:creationId xmlns:a16="http://schemas.microsoft.com/office/drawing/2014/main" id="{22E885CE-248F-1D27-492E-0E08FFFFCE99}"/>
+              </a:ext>
+            </a:extLst>
+          </p:cNvPr>
+          <p:cNvSpPr>
+            <a:spLocks noGrp="1"/>
+          </p:cNvSpPr>
+          <p:nvPr>
+            <p:ph idx="1"/>
+          </p:nvPr>
         </p:nvSpPr>
         <p:spPr>
           <a:xfrm>
-            <a:off x="740781" y="2314938"/>
-            <a:ext cx="6123006" cy="934551"/>
+            <a:off x="5814665" y="1655882"/>
+            <a:ext cx="5869860" cy="4656135"/>
+          </a:xfrm>
+        </p:spPr>
+        <p:txBody>
+          <a:bodyPr>
+            <a:normAutofit/>
+          </a:bodyPr>
+          <a:lstStyle/>
+          <a:p>
+            <a:r>
+              <a:rPr lang="ko-KR" altLang="en-US" sz="3200" dirty="0">
+                <a:solidFill>
+                  <a:schemeClr val="accent1"/>
+                </a:solidFill>
+                <a:latin typeface="Microsoft GothicNeo" panose="020B0500000101010101" pitchFamily="50" charset="-127"/>
+                <a:ea typeface="Microsoft GothicNeo" panose="020B0500000101010101" pitchFamily="50" charset="-127"/>
+                <a:cs typeface="Microsoft GothicNeo" panose="020B0500000101010101" pitchFamily="50" charset="-127"/>
+              </a:rPr>
+              <a:t>기존 </a:t>
+            </a:r>
+            <a:r>
+              <a:rPr lang="en-US" altLang="ko-KR" sz="3200" dirty="0" err="1">
+                <a:solidFill>
+                  <a:schemeClr val="accent1"/>
+                </a:solidFill>
+                <a:latin typeface="Microsoft GothicNeo" panose="020B0500000101010101" pitchFamily="50" charset="-127"/>
+                <a:ea typeface="Microsoft GothicNeo" panose="020B0500000101010101" pitchFamily="50" charset="-127"/>
+                <a:cs typeface="Microsoft GothicNeo" panose="020B0500000101010101" pitchFamily="50" charset="-127"/>
+              </a:rPr>
+              <a:t>Vgg</a:t>
+            </a:r>
+            <a:r>
+              <a:rPr lang="ko-KR" altLang="en-US" sz="3200" dirty="0">
+                <a:solidFill>
+                  <a:schemeClr val="accent1"/>
+                </a:solidFill>
+                <a:latin typeface="Microsoft GothicNeo" panose="020B0500000101010101" pitchFamily="50" charset="-127"/>
+                <a:ea typeface="Microsoft GothicNeo" panose="020B0500000101010101" pitchFamily="50" charset="-127"/>
+                <a:cs typeface="Microsoft GothicNeo" panose="020B0500000101010101" pitchFamily="50" charset="-127"/>
+              </a:rPr>
+              <a:t>보다 더 깊으면서도</a:t>
+            </a:r>
+            <a:endParaRPr lang="en-US" altLang="ko-KR" sz="3200" dirty="0">
+              <a:solidFill>
+                <a:schemeClr val="accent1"/>
+              </a:solidFill>
+              <a:latin typeface="Microsoft GothicNeo" panose="020B0500000101010101" pitchFamily="50" charset="-127"/>
+              <a:ea typeface="Microsoft GothicNeo" panose="020B0500000101010101" pitchFamily="50" charset="-127"/>
+              <a:cs typeface="Microsoft GothicNeo" panose="020B0500000101010101" pitchFamily="50" charset="-127"/>
+            </a:endParaRPr>
+          </a:p>
+          <a:p>
+            <a:pPr marL="0" indent="0">
+              <a:buNone/>
+            </a:pPr>
+            <a:r>
+              <a:rPr lang="en-US" altLang="ko-KR" sz="3200" dirty="0">
+                <a:solidFill>
+                  <a:schemeClr val="accent1"/>
+                </a:solidFill>
+                <a:latin typeface="Microsoft GothicNeo" panose="020B0500000101010101" pitchFamily="50" charset="-127"/>
+                <a:ea typeface="Microsoft GothicNeo" panose="020B0500000101010101" pitchFamily="50" charset="-127"/>
+                <a:cs typeface="Microsoft GothicNeo" panose="020B0500000101010101" pitchFamily="50" charset="-127"/>
+              </a:rPr>
+              <a:t>  Residual Connection</a:t>
+            </a:r>
+            <a:r>
+              <a:rPr lang="ko-KR" altLang="en-US" sz="3200" dirty="0">
+                <a:solidFill>
+                  <a:schemeClr val="accent1"/>
+                </a:solidFill>
+                <a:latin typeface="Microsoft GothicNeo" panose="020B0500000101010101" pitchFamily="50" charset="-127"/>
+                <a:ea typeface="Microsoft GothicNeo" panose="020B0500000101010101" pitchFamily="50" charset="-127"/>
+                <a:cs typeface="Microsoft GothicNeo" panose="020B0500000101010101" pitchFamily="50" charset="-127"/>
+              </a:rPr>
+              <a:t>을 사용해 </a:t>
+            </a:r>
+            <a:endParaRPr lang="en-US" altLang="ko-KR" sz="3200" dirty="0">
+              <a:solidFill>
+                <a:schemeClr val="accent1"/>
+              </a:solidFill>
+              <a:latin typeface="Microsoft GothicNeo" panose="020B0500000101010101" pitchFamily="50" charset="-127"/>
+              <a:ea typeface="Microsoft GothicNeo" panose="020B0500000101010101" pitchFamily="50" charset="-127"/>
+              <a:cs typeface="Microsoft GothicNeo" panose="020B0500000101010101" pitchFamily="50" charset="-127"/>
+            </a:endParaRPr>
+          </a:p>
+          <a:p>
+            <a:pPr marL="0" indent="0">
+              <a:buNone/>
+            </a:pPr>
+            <a:r>
+              <a:rPr lang="en-US" altLang="ko-KR" sz="3200" dirty="0">
+                <a:solidFill>
+                  <a:schemeClr val="accent1"/>
+                </a:solidFill>
+                <a:latin typeface="Microsoft GothicNeo" panose="020B0500000101010101" pitchFamily="50" charset="-127"/>
+                <a:ea typeface="Microsoft GothicNeo" panose="020B0500000101010101" pitchFamily="50" charset="-127"/>
+                <a:cs typeface="Microsoft GothicNeo" panose="020B0500000101010101" pitchFamily="50" charset="-127"/>
+              </a:rPr>
+              <a:t>  </a:t>
+            </a:r>
+            <a:r>
+              <a:rPr lang="ko-KR" altLang="en-US" sz="3200" dirty="0">
+                <a:solidFill>
+                  <a:schemeClr val="accent1"/>
+                </a:solidFill>
+                <a:latin typeface="Microsoft GothicNeo" panose="020B0500000101010101" pitchFamily="50" charset="-127"/>
+                <a:ea typeface="Microsoft GothicNeo" panose="020B0500000101010101" pitchFamily="50" charset="-127"/>
+                <a:cs typeface="Microsoft GothicNeo" panose="020B0500000101010101" pitchFamily="50" charset="-127"/>
+              </a:rPr>
+              <a:t>복잡도와 성능 개선</a:t>
+            </a:r>
+            <a:endParaRPr lang="en-US" altLang="ko-KR" sz="3200" dirty="0">
+              <a:solidFill>
+                <a:schemeClr val="accent1"/>
+              </a:solidFill>
+              <a:latin typeface="Microsoft GothicNeo" panose="020B0500000101010101" pitchFamily="50" charset="-127"/>
+              <a:ea typeface="Microsoft GothicNeo" panose="020B0500000101010101" pitchFamily="50" charset="-127"/>
+              <a:cs typeface="Microsoft GothicNeo" panose="020B0500000101010101" pitchFamily="50" charset="-127"/>
+            </a:endParaRPr>
+          </a:p>
+          <a:p>
+            <a:r>
+              <a:rPr lang="ko-KR" altLang="en-US" sz="3200" dirty="0">
+                <a:solidFill>
+                  <a:schemeClr val="accent1"/>
+                </a:solidFill>
+                <a:latin typeface="Microsoft GothicNeo" panose="020B0500000101010101" pitchFamily="50" charset="-127"/>
+                <a:ea typeface="Microsoft GothicNeo" panose="020B0500000101010101" pitchFamily="50" charset="-127"/>
+                <a:cs typeface="Microsoft GothicNeo" panose="020B0500000101010101" pitchFamily="50" charset="-127"/>
+              </a:rPr>
+              <a:t>구현이 간단</a:t>
+            </a:r>
+            <a:endParaRPr lang="en-US" altLang="ko-KR" sz="3200" dirty="0">
+              <a:solidFill>
+                <a:schemeClr val="accent1"/>
+              </a:solidFill>
+              <a:latin typeface="Microsoft GothicNeo" panose="020B0500000101010101" pitchFamily="50" charset="-127"/>
+              <a:ea typeface="Microsoft GothicNeo" panose="020B0500000101010101" pitchFamily="50" charset="-127"/>
+              <a:cs typeface="Microsoft GothicNeo" panose="020B0500000101010101" pitchFamily="50" charset="-127"/>
+            </a:endParaRPr>
+          </a:p>
+          <a:p>
+            <a:r>
+              <a:rPr lang="ko-KR" altLang="en-US" sz="3200" dirty="0">
+                <a:solidFill>
+                  <a:schemeClr val="accent1"/>
+                </a:solidFill>
+                <a:latin typeface="Microsoft GothicNeo" panose="020B0500000101010101" pitchFamily="50" charset="-127"/>
+                <a:ea typeface="Microsoft GothicNeo" panose="020B0500000101010101" pitchFamily="50" charset="-127"/>
+                <a:cs typeface="Microsoft GothicNeo" panose="020B0500000101010101" pitchFamily="50" charset="-127"/>
+              </a:rPr>
+              <a:t>깊을수록 높은 정확도</a:t>
+            </a:r>
+            <a:endParaRPr lang="en-US" altLang="ko-KR" sz="3200" dirty="0">
+              <a:solidFill>
+                <a:schemeClr val="accent1"/>
+              </a:solidFill>
+              <a:latin typeface="Microsoft GothicNeo" panose="020B0500000101010101" pitchFamily="50" charset="-127"/>
+              <a:ea typeface="Microsoft GothicNeo" panose="020B0500000101010101" pitchFamily="50" charset="-127"/>
+              <a:cs typeface="Microsoft GothicNeo" panose="020B0500000101010101" pitchFamily="50" charset="-127"/>
+            </a:endParaRPr>
+          </a:p>
+          <a:p>
+            <a:endParaRPr lang="en-US" altLang="ko-KR" sz="3200" dirty="0">
+              <a:latin typeface="Microsoft GothicNeo" panose="020B0500000101010101" pitchFamily="50" charset="-127"/>
+              <a:ea typeface="Microsoft GothicNeo" panose="020B0500000101010101" pitchFamily="50" charset="-127"/>
+              <a:cs typeface="Microsoft GothicNeo" panose="020B0500000101010101" pitchFamily="50" charset="-127"/>
+            </a:endParaRPr>
+          </a:p>
+          <a:p>
+            <a:r>
+              <a:rPr lang="ko-KR" altLang="en-US" sz="3200" dirty="0">
+                <a:solidFill>
+                  <a:srgbClr val="C00000"/>
+                </a:solidFill>
+                <a:latin typeface="Microsoft GothicNeo" panose="020B0500000101010101" pitchFamily="50" charset="-127"/>
+                <a:ea typeface="Microsoft GothicNeo" panose="020B0500000101010101" pitchFamily="50" charset="-127"/>
+                <a:cs typeface="Microsoft GothicNeo" panose="020B0500000101010101" pitchFamily="50" charset="-127"/>
+              </a:rPr>
+              <a:t>깊이가 </a:t>
+            </a:r>
+            <a:r>
+              <a:rPr lang="en-US" altLang="ko-KR" sz="3200" dirty="0">
+                <a:solidFill>
+                  <a:srgbClr val="C00000"/>
+                </a:solidFill>
+                <a:latin typeface="Microsoft GothicNeo" panose="020B0500000101010101" pitchFamily="50" charset="-127"/>
+                <a:ea typeface="Microsoft GothicNeo" panose="020B0500000101010101" pitchFamily="50" charset="-127"/>
+                <a:cs typeface="Microsoft GothicNeo" panose="020B0500000101010101" pitchFamily="50" charset="-127"/>
+              </a:rPr>
+              <a:t>1000</a:t>
+            </a:r>
+            <a:r>
+              <a:rPr lang="ko-KR" altLang="en-US" sz="3200" dirty="0">
+                <a:solidFill>
+                  <a:srgbClr val="C00000"/>
+                </a:solidFill>
+                <a:latin typeface="Microsoft GothicNeo" panose="020B0500000101010101" pitchFamily="50" charset="-127"/>
+                <a:ea typeface="Microsoft GothicNeo" panose="020B0500000101010101" pitchFamily="50" charset="-127"/>
+                <a:cs typeface="Microsoft GothicNeo" panose="020B0500000101010101" pitchFamily="50" charset="-127"/>
+              </a:rPr>
+              <a:t>이 넘어가면 다시</a:t>
+            </a:r>
+            <a:endParaRPr lang="en-US" altLang="ko-KR" sz="3200" dirty="0">
+              <a:solidFill>
+                <a:srgbClr val="C00000"/>
+              </a:solidFill>
+              <a:latin typeface="Microsoft GothicNeo" panose="020B0500000101010101" pitchFamily="50" charset="-127"/>
+              <a:ea typeface="Microsoft GothicNeo" panose="020B0500000101010101" pitchFamily="50" charset="-127"/>
+              <a:cs typeface="Microsoft GothicNeo" panose="020B0500000101010101" pitchFamily="50" charset="-127"/>
+            </a:endParaRPr>
+          </a:p>
+          <a:p>
+            <a:pPr marL="0" indent="0">
+              <a:buNone/>
+            </a:pPr>
+            <a:r>
+              <a:rPr lang="en-US" altLang="ko-KR" sz="3200" dirty="0">
+                <a:solidFill>
+                  <a:srgbClr val="C00000"/>
+                </a:solidFill>
+                <a:latin typeface="Microsoft GothicNeo" panose="020B0500000101010101" pitchFamily="50" charset="-127"/>
+                <a:ea typeface="Microsoft GothicNeo" panose="020B0500000101010101" pitchFamily="50" charset="-127"/>
+                <a:cs typeface="Microsoft GothicNeo" panose="020B0500000101010101" pitchFamily="50" charset="-127"/>
+              </a:rPr>
+              <a:t>  Degradation </a:t>
+            </a:r>
+            <a:r>
+              <a:rPr lang="ko-KR" altLang="en-US" sz="3200" dirty="0">
+                <a:solidFill>
+                  <a:srgbClr val="C00000"/>
+                </a:solidFill>
+                <a:latin typeface="Microsoft GothicNeo" panose="020B0500000101010101" pitchFamily="50" charset="-127"/>
+                <a:ea typeface="Microsoft GothicNeo" panose="020B0500000101010101" pitchFamily="50" charset="-127"/>
+                <a:cs typeface="Microsoft GothicNeo" panose="020B0500000101010101" pitchFamily="50" charset="-127"/>
+              </a:rPr>
+              <a:t>발생</a:t>
+            </a:r>
+            <a:endParaRPr lang="en-US" altLang="ko-KR" sz="3200" dirty="0">
+              <a:solidFill>
+                <a:srgbClr val="C00000"/>
+              </a:solidFill>
+              <a:latin typeface="Microsoft GothicNeo" panose="020B0500000101010101" pitchFamily="50" charset="-127"/>
+              <a:ea typeface="Microsoft GothicNeo" panose="020B0500000101010101" pitchFamily="50" charset="-127"/>
+              <a:cs typeface="Microsoft GothicNeo" panose="020B0500000101010101" pitchFamily="50" charset="-127"/>
+            </a:endParaRPr>
+          </a:p>
+          <a:p>
+            <a:endParaRPr lang="en-US" altLang="ko-KR" sz="3200" dirty="0">
+              <a:latin typeface="Microsoft GothicNeo" panose="020B0500000101010101" pitchFamily="50" charset="-127"/>
+              <a:ea typeface="Microsoft GothicNeo" panose="020B0500000101010101" pitchFamily="50" charset="-127"/>
+              <a:cs typeface="Microsoft GothicNeo" panose="020B0500000101010101" pitchFamily="50" charset="-127"/>
+            </a:endParaRPr>
+          </a:p>
+        </p:txBody>
+      </p:sp>
+      <p:pic>
+        <p:nvPicPr>
+          <p:cNvPr id="4" name="그림 3">
+            <a:extLst>
+              <a:ext uri="{FF2B5EF4-FFF2-40B4-BE49-F238E27FC236}">
+                <a16:creationId xmlns:a16="http://schemas.microsoft.com/office/drawing/2014/main" id="{B43F9EC9-BFD4-EDB8-2C25-AE864032947A}"/>
+              </a:ext>
+            </a:extLst>
+          </p:cNvPr>
+          <p:cNvPicPr>
+            <a:picLocks noChangeAspect="1"/>
+          </p:cNvPicPr>
+          <p:nvPr/>
+        </p:nvPicPr>
+        <p:blipFill>
+          <a:blip r:embed="rId2"/>
+          <a:stretch>
+            <a:fillRect/>
+          </a:stretch>
+        </p:blipFill>
+        <p:spPr>
+          <a:xfrm>
+            <a:off x="663206" y="1506318"/>
+            <a:ext cx="4206505" cy="4955264"/>
           </a:xfrm>
           <a:prstGeom prst="rect">
             <a:avLst/>
           </a:prstGeom>
-          <a:noFill/>
         </p:spPr>
-        <p:txBody>
-          <a:bodyPr wrap="square">
-            <a:spAutoFit/>
-          </a:bodyPr>
-          <a:lstStyle/>
-          <a:p>
-            <a:pPr marL="0" indent="0" eaLnBrk="0" latinLnBrk="0" hangingPunct="0">
-              <a:lnSpc>
-                <a:spcPts val="3300"/>
-              </a:lnSpc>
-              <a:spcBef>
-                <a:spcPts val="400"/>
-              </a:spcBef>
-              <a:buNone/>
-            </a:pPr>
-            <a:r>
-              <a:rPr lang="en-US" altLang="ko-KR" sz="1800" dirty="0">
-                <a:solidFill>
-                  <a:srgbClr val="FF0000"/>
-                </a:solidFill>
-              </a:rPr>
-              <a:t> -  </a:t>
-            </a:r>
-            <a:r>
-              <a:rPr lang="ko-KR" altLang="en-US" sz="1800" dirty="0">
-                <a:solidFill>
-                  <a:srgbClr val="FF0000"/>
-                </a:solidFill>
-              </a:rPr>
-              <a:t>연구 내용 및 실험 결과 등에 대한 요약</a:t>
-            </a:r>
-            <a:endParaRPr lang="en-US" altLang="ko-KR" sz="1800" dirty="0">
-              <a:solidFill>
-                <a:srgbClr val="FF0000"/>
-              </a:solidFill>
-            </a:endParaRPr>
-          </a:p>
-          <a:p>
-            <a:pPr marL="0" indent="0" eaLnBrk="0" latinLnBrk="0" hangingPunct="0">
-              <a:lnSpc>
-                <a:spcPts val="3300"/>
-              </a:lnSpc>
-              <a:spcBef>
-                <a:spcPts val="400"/>
-              </a:spcBef>
-              <a:buNone/>
-            </a:pPr>
-            <a:r>
-              <a:rPr lang="en-US" altLang="ko-KR" sz="1800" dirty="0">
-                <a:solidFill>
-                  <a:srgbClr val="FF0000"/>
-                </a:solidFill>
-              </a:rPr>
-              <a:t>       -  </a:t>
-            </a:r>
-            <a:r>
-              <a:rPr lang="ko-KR" altLang="en-US" sz="1800" dirty="0">
-                <a:solidFill>
-                  <a:srgbClr val="FF0000"/>
-                </a:solidFill>
-              </a:rPr>
-              <a:t>프로젝트 수행하면서 새롭게 알게 되거나 느낀 점 </a:t>
-            </a:r>
-            <a:r>
-              <a:rPr lang="en-US" altLang="ko-KR" sz="1800" dirty="0"/>
-              <a:t>  </a:t>
-            </a:r>
-            <a:endParaRPr lang="en-US" altLang="ko-KR" sz="1800" dirty="0">
-              <a:solidFill>
-                <a:srgbClr val="FF0000"/>
-              </a:solidFill>
-            </a:endParaRPr>
-          </a:p>
-        </p:txBody>
-      </p:sp>
+      </p:pic>
     </p:spTree>
     <p:extLst>
       <p:ext uri="{BB962C8B-B14F-4D97-AF65-F5344CB8AC3E}">
-        <p14:creationId xmlns:p14="http://schemas.microsoft.com/office/powerpoint/2010/main" val="2563638663"/>
+        <p14:creationId xmlns:p14="http://schemas.microsoft.com/office/powerpoint/2010/main" val="3017767652"/>
       </p:ext>
     </p:extLst>
   </p:cSld>
@@ -4911,7 +5470,7 @@
         <p:spPr>
           <a:xfrm>
             <a:off x="190019" y="1"/>
-            <a:ext cx="6673768" cy="1325563"/>
+            <a:ext cx="7761790" cy="1325563"/>
           </a:xfrm>
         </p:spPr>
         <p:txBody>
@@ -4921,316 +5480,21 @@
           <a:lstStyle/>
           <a:p>
             <a:r>
+              <a:rPr lang="en-US" altLang="ko-KR" dirty="0">
+                <a:latin typeface="Microsoft GothicNeo" panose="020B0500000101010101" pitchFamily="50" charset="-127"/>
+                <a:ea typeface="Microsoft GothicNeo" panose="020B0500000101010101" pitchFamily="50" charset="-127"/>
+                <a:cs typeface="Microsoft GothicNeo" panose="020B0500000101010101" pitchFamily="50" charset="-127"/>
+              </a:rPr>
+              <a:t>4. MobileNet-v2 - </a:t>
+            </a:r>
+            <a:r>
               <a:rPr lang="ko-KR" altLang="en-US" dirty="0">
                 <a:latin typeface="Microsoft GothicNeo" panose="020B0500000101010101" pitchFamily="50" charset="-127"/>
                 <a:ea typeface="Microsoft GothicNeo" panose="020B0500000101010101" pitchFamily="50" charset="-127"/>
                 <a:cs typeface="Microsoft GothicNeo" panose="020B0500000101010101" pitchFamily="50" charset="-127"/>
               </a:rPr>
-              <a:t>참고문헌</a:t>
-            </a:r>
-          </a:p>
-        </p:txBody>
-      </p:sp>
-      <p:sp>
-        <p:nvSpPr>
-          <p:cNvPr id="3" name="내용 개체 틀 2">
-            <a:extLst>
-              <a:ext uri="{FF2B5EF4-FFF2-40B4-BE49-F238E27FC236}">
-                <a16:creationId xmlns:a16="http://schemas.microsoft.com/office/drawing/2014/main" id="{62E8C59D-5D95-4DD3-BD63-D960FE500BA8}"/>
-              </a:ext>
-            </a:extLst>
-          </p:cNvPr>
-          <p:cNvSpPr>
-            <a:spLocks noGrp="1"/>
-          </p:cNvSpPr>
-          <p:nvPr>
-            <p:ph idx="1"/>
-          </p:nvPr>
-        </p:nvSpPr>
-        <p:spPr>
-          <a:xfrm>
-            <a:off x="468630" y="1565833"/>
-            <a:ext cx="10812780" cy="5032375"/>
-          </a:xfrm>
-        </p:spPr>
-        <p:txBody>
-          <a:bodyPr>
-            <a:normAutofit/>
-          </a:bodyPr>
-          <a:lstStyle/>
-          <a:p>
-            <a:pPr>
-              <a:lnSpc>
-                <a:spcPct val="150000"/>
-              </a:lnSpc>
-            </a:pPr>
-            <a:r>
-              <a:rPr lang="en-US" altLang="ko-KR" sz="2000" b="0" i="0" dirty="0">
-                <a:solidFill>
-                  <a:srgbClr val="24292E"/>
-                </a:solidFill>
-                <a:effectLst/>
-                <a:latin typeface="Microsoft GothicNeo" panose="020B0500000101010101" pitchFamily="50" charset="-127"/>
-                <a:ea typeface="Microsoft GothicNeo" panose="020B0500000101010101" pitchFamily="50" charset="-127"/>
-                <a:cs typeface="Microsoft GothicNeo" panose="020B0500000101010101" pitchFamily="50" charset="-127"/>
-                <a:hlinkClick r:id="rId2"/>
-              </a:rPr>
-              <a:t>Karen </a:t>
-            </a:r>
-            <a:r>
-              <a:rPr lang="en-US" altLang="ko-KR" sz="2000" b="0" i="0" dirty="0" err="1">
-                <a:solidFill>
-                  <a:srgbClr val="24292E"/>
-                </a:solidFill>
-                <a:effectLst/>
-                <a:latin typeface="Microsoft GothicNeo" panose="020B0500000101010101" pitchFamily="50" charset="-127"/>
-                <a:ea typeface="Microsoft GothicNeo" panose="020B0500000101010101" pitchFamily="50" charset="-127"/>
-                <a:cs typeface="Microsoft GothicNeo" panose="020B0500000101010101" pitchFamily="50" charset="-127"/>
-                <a:hlinkClick r:id="rId2"/>
-              </a:rPr>
-              <a:t>Simonyan</a:t>
-            </a:r>
-            <a:r>
-              <a:rPr lang="en-US" altLang="ko-KR" sz="2000" b="0" i="0" dirty="0">
-                <a:solidFill>
-                  <a:srgbClr val="24292E"/>
-                </a:solidFill>
-                <a:effectLst/>
-                <a:latin typeface="Microsoft GothicNeo" panose="020B0500000101010101" pitchFamily="50" charset="-127"/>
-                <a:ea typeface="Microsoft GothicNeo" panose="020B0500000101010101" pitchFamily="50" charset="-127"/>
-                <a:cs typeface="Microsoft GothicNeo" panose="020B0500000101010101" pitchFamily="50" charset="-127"/>
-                <a:hlinkClick r:id="rId2"/>
-              </a:rPr>
-              <a:t> and Andrew Zisserman. Very deep convolutional networks for large-scale image recognition. </a:t>
-            </a:r>
-            <a:r>
-              <a:rPr lang="en-US" altLang="ko-KR" sz="2000" b="0" i="0" dirty="0" err="1">
-                <a:solidFill>
-                  <a:srgbClr val="24292E"/>
-                </a:solidFill>
-                <a:effectLst/>
-                <a:latin typeface="Microsoft GothicNeo" panose="020B0500000101010101" pitchFamily="50" charset="-127"/>
-                <a:ea typeface="Microsoft GothicNeo" panose="020B0500000101010101" pitchFamily="50" charset="-127"/>
-                <a:cs typeface="Microsoft GothicNeo" panose="020B0500000101010101" pitchFamily="50" charset="-127"/>
-                <a:hlinkClick r:id="rId2"/>
-              </a:rPr>
-              <a:t>arXiv</a:t>
-            </a:r>
-            <a:r>
-              <a:rPr lang="en-US" altLang="ko-KR" sz="2000" b="0" i="0" dirty="0">
-                <a:solidFill>
-                  <a:srgbClr val="24292E"/>
-                </a:solidFill>
-                <a:effectLst/>
-                <a:latin typeface="Microsoft GothicNeo" panose="020B0500000101010101" pitchFamily="50" charset="-127"/>
-                <a:ea typeface="Microsoft GothicNeo" panose="020B0500000101010101" pitchFamily="50" charset="-127"/>
-                <a:cs typeface="Microsoft GothicNeo" panose="020B0500000101010101" pitchFamily="50" charset="-127"/>
-                <a:hlinkClick r:id="rId2"/>
-              </a:rPr>
-              <a:t> preprint arXiv:1409.1556, 2014.</a:t>
-            </a:r>
-            <a:endParaRPr lang="en-US" altLang="ko-KR" sz="2000" b="0" i="0" dirty="0">
-              <a:solidFill>
-                <a:srgbClr val="24292E"/>
-              </a:solidFill>
-              <a:effectLst/>
-              <a:latin typeface="Microsoft GothicNeo" panose="020B0500000101010101" pitchFamily="50" charset="-127"/>
-              <a:ea typeface="Microsoft GothicNeo" panose="020B0500000101010101" pitchFamily="50" charset="-127"/>
-              <a:cs typeface="Microsoft GothicNeo" panose="020B0500000101010101" pitchFamily="50" charset="-127"/>
-            </a:endParaRPr>
-          </a:p>
-          <a:p>
-            <a:pPr>
-              <a:lnSpc>
-                <a:spcPct val="150000"/>
-              </a:lnSpc>
-            </a:pPr>
-            <a:r>
-              <a:rPr lang="en-US" altLang="ko-KR" sz="2000" b="0" i="0" dirty="0">
-                <a:solidFill>
-                  <a:srgbClr val="24292E"/>
-                </a:solidFill>
-                <a:effectLst/>
-                <a:latin typeface="Microsoft GothicNeo" panose="020B0500000101010101" pitchFamily="50" charset="-127"/>
-                <a:ea typeface="Microsoft GothicNeo" panose="020B0500000101010101" pitchFamily="50" charset="-127"/>
-                <a:cs typeface="Microsoft GothicNeo" panose="020B0500000101010101" pitchFamily="50" charset="-127"/>
-                <a:hlinkClick r:id="rId3"/>
-              </a:rPr>
-              <a:t>Sergey</a:t>
-            </a:r>
-            <a:r>
-              <a:rPr lang="ko-KR" altLang="en-US" sz="2000" b="0" i="0" dirty="0">
-                <a:solidFill>
-                  <a:srgbClr val="24292E"/>
-                </a:solidFill>
-                <a:effectLst/>
-                <a:latin typeface="Microsoft GothicNeo" panose="020B0500000101010101" pitchFamily="50" charset="-127"/>
-                <a:ea typeface="Microsoft GothicNeo" panose="020B0500000101010101" pitchFamily="50" charset="-127"/>
-                <a:cs typeface="Microsoft GothicNeo" panose="020B0500000101010101" pitchFamily="50" charset="-127"/>
-                <a:hlinkClick r:id="rId3"/>
-              </a:rPr>
-              <a:t> </a:t>
-            </a:r>
-            <a:r>
-              <a:rPr lang="en-US" altLang="ko-KR" sz="2000" b="0" i="0" dirty="0" err="1">
-                <a:solidFill>
-                  <a:srgbClr val="24292E"/>
-                </a:solidFill>
-                <a:effectLst/>
-                <a:latin typeface="Microsoft GothicNeo" panose="020B0500000101010101" pitchFamily="50" charset="-127"/>
-                <a:ea typeface="Microsoft GothicNeo" panose="020B0500000101010101" pitchFamily="50" charset="-127"/>
-                <a:cs typeface="Microsoft GothicNeo" panose="020B0500000101010101" pitchFamily="50" charset="-127"/>
-                <a:hlinkClick r:id="rId3"/>
-              </a:rPr>
-              <a:t>I</a:t>
-            </a:r>
-            <a:r>
-              <a:rPr lang="en-US" altLang="ko-KR" sz="2000" dirty="0" err="1">
-                <a:solidFill>
-                  <a:srgbClr val="24292E"/>
-                </a:solidFill>
-                <a:latin typeface="Microsoft GothicNeo" panose="020B0500000101010101" pitchFamily="50" charset="-127"/>
-                <a:ea typeface="Microsoft GothicNeo" panose="020B0500000101010101" pitchFamily="50" charset="-127"/>
-                <a:cs typeface="Microsoft GothicNeo" panose="020B0500000101010101" pitchFamily="50" charset="-127"/>
-                <a:hlinkClick r:id="rId3"/>
-              </a:rPr>
-              <a:t>offe</a:t>
-            </a:r>
-            <a:r>
-              <a:rPr lang="en-US" altLang="ko-KR" sz="2000" dirty="0">
-                <a:solidFill>
-                  <a:srgbClr val="24292E"/>
-                </a:solidFill>
-                <a:latin typeface="Microsoft GothicNeo" panose="020B0500000101010101" pitchFamily="50" charset="-127"/>
-                <a:ea typeface="Microsoft GothicNeo" panose="020B0500000101010101" pitchFamily="50" charset="-127"/>
-                <a:cs typeface="Microsoft GothicNeo" panose="020B0500000101010101" pitchFamily="50" charset="-127"/>
-                <a:hlinkClick r:id="rId3"/>
-              </a:rPr>
-              <a:t> and Christian </a:t>
-            </a:r>
-            <a:r>
-              <a:rPr lang="en-US" altLang="ko-KR" sz="2000" dirty="0" err="1">
-                <a:solidFill>
-                  <a:srgbClr val="24292E"/>
-                </a:solidFill>
-                <a:latin typeface="Microsoft GothicNeo" panose="020B0500000101010101" pitchFamily="50" charset="-127"/>
-                <a:ea typeface="Microsoft GothicNeo" panose="020B0500000101010101" pitchFamily="50" charset="-127"/>
-                <a:cs typeface="Microsoft GothicNeo" panose="020B0500000101010101" pitchFamily="50" charset="-127"/>
-                <a:hlinkClick r:id="rId3"/>
-              </a:rPr>
-              <a:t>Szegedy</a:t>
-            </a:r>
-            <a:r>
-              <a:rPr lang="en-US" altLang="ko-KR" sz="2000" dirty="0">
-                <a:solidFill>
-                  <a:srgbClr val="24292E"/>
-                </a:solidFill>
-                <a:latin typeface="Microsoft GothicNeo" panose="020B0500000101010101" pitchFamily="50" charset="-127"/>
-                <a:ea typeface="Microsoft GothicNeo" panose="020B0500000101010101" pitchFamily="50" charset="-127"/>
-                <a:cs typeface="Microsoft GothicNeo" panose="020B0500000101010101" pitchFamily="50" charset="-127"/>
-                <a:hlinkClick r:id="rId3"/>
-              </a:rPr>
-              <a:t>. </a:t>
-            </a:r>
-            <a:r>
-              <a:rPr lang="en-US" altLang="ko-KR" sz="2000" dirty="0">
-                <a:latin typeface="Microsoft GothicNeo" panose="020B0500000101010101" pitchFamily="50" charset="-127"/>
-                <a:ea typeface="Microsoft GothicNeo" panose="020B0500000101010101" pitchFamily="50" charset="-127"/>
-                <a:cs typeface="Microsoft GothicNeo" panose="020B0500000101010101" pitchFamily="50" charset="-127"/>
-                <a:hlinkClick r:id="rId3"/>
-              </a:rPr>
-              <a:t>Batch Normalization: Accelerating Deep Network Training b y Reducing Internal Covariate Shift. </a:t>
-            </a:r>
-            <a:r>
-              <a:rPr lang="en-US" altLang="ko-KR" sz="2000" dirty="0" err="1">
-                <a:latin typeface="Microsoft GothicNeo" panose="020B0500000101010101" pitchFamily="50" charset="-127"/>
-                <a:ea typeface="Microsoft GothicNeo" panose="020B0500000101010101" pitchFamily="50" charset="-127"/>
-                <a:cs typeface="Microsoft GothicNeo" panose="020B0500000101010101" pitchFamily="50" charset="-127"/>
-                <a:hlinkClick r:id="rId3"/>
-              </a:rPr>
-              <a:t>arXiv</a:t>
-            </a:r>
-            <a:r>
-              <a:rPr lang="en-US" altLang="ko-KR" sz="2000" dirty="0">
-                <a:latin typeface="Microsoft GothicNeo" panose="020B0500000101010101" pitchFamily="50" charset="-127"/>
-                <a:ea typeface="Microsoft GothicNeo" panose="020B0500000101010101" pitchFamily="50" charset="-127"/>
-                <a:cs typeface="Microsoft GothicNeo" panose="020B0500000101010101" pitchFamily="50" charset="-127"/>
-                <a:hlinkClick r:id="rId3"/>
-              </a:rPr>
-              <a:t>: 1502.03167v3, 2015. </a:t>
-            </a:r>
-            <a:endParaRPr lang="en-US" altLang="ko-KR" sz="2000" b="0" i="0" dirty="0">
-              <a:solidFill>
-                <a:srgbClr val="24292E"/>
-              </a:solidFill>
-              <a:effectLst/>
-              <a:latin typeface="Microsoft GothicNeo" panose="020B0500000101010101" pitchFamily="50" charset="-127"/>
-              <a:ea typeface="Microsoft GothicNeo" panose="020B0500000101010101" pitchFamily="50" charset="-127"/>
-              <a:cs typeface="Microsoft GothicNeo" panose="020B0500000101010101" pitchFamily="50" charset="-127"/>
-            </a:endParaRPr>
-          </a:p>
-          <a:p>
-            <a:pPr>
-              <a:lnSpc>
-                <a:spcPct val="150000"/>
-              </a:lnSpc>
-            </a:pPr>
-            <a:r>
-              <a:rPr lang="en-US" altLang="ko-KR" sz="2000" dirty="0">
-                <a:latin typeface="Microsoft GothicNeo" panose="020B0500000101010101" pitchFamily="50" charset="-127"/>
-                <a:ea typeface="Microsoft GothicNeo" panose="020B0500000101010101" pitchFamily="50" charset="-127"/>
-                <a:cs typeface="Microsoft GothicNeo" panose="020B0500000101010101" pitchFamily="50" charset="-127"/>
-                <a:hlinkClick r:id="rId4"/>
-              </a:rPr>
-              <a:t>https://www.researchgate.net/figure/Ball-chart-reporting-the-Top-1-and-Top-5-accuracy-vs-computational-complexity-Top-1-and_fig1_328509150</a:t>
-            </a:r>
-            <a:endParaRPr lang="en-US" altLang="ko-KR" sz="2000" dirty="0">
-              <a:latin typeface="Microsoft GothicNeo" panose="020B0500000101010101" pitchFamily="50" charset="-127"/>
-              <a:ea typeface="Microsoft GothicNeo" panose="020B0500000101010101" pitchFamily="50" charset="-127"/>
-              <a:cs typeface="Microsoft GothicNeo" panose="020B0500000101010101" pitchFamily="50" charset="-127"/>
-            </a:endParaRPr>
-          </a:p>
-          <a:p>
-            <a:pPr>
-              <a:lnSpc>
-                <a:spcPct val="150000"/>
-              </a:lnSpc>
-            </a:pPr>
-            <a:r>
-              <a:rPr lang="en-US" altLang="ko-KR" sz="2000" dirty="0">
-                <a:latin typeface="Microsoft GothicNeo" panose="020B0500000101010101" pitchFamily="50" charset="-127"/>
-                <a:ea typeface="Microsoft GothicNeo" panose="020B0500000101010101" pitchFamily="50" charset="-127"/>
-                <a:cs typeface="Microsoft GothicNeo" panose="020B0500000101010101" pitchFamily="50" charset="-127"/>
-                <a:hlinkClick r:id="rId5"/>
-              </a:rPr>
-              <a:t>http://cs231n.stanford.edu/</a:t>
-            </a:r>
-            <a:endParaRPr lang="en-US" altLang="ko-KR" sz="2000" dirty="0">
-              <a:latin typeface="Microsoft GothicNeo" panose="020B0500000101010101" pitchFamily="50" charset="-127"/>
-              <a:ea typeface="Microsoft GothicNeo" panose="020B0500000101010101" pitchFamily="50" charset="-127"/>
-              <a:cs typeface="Microsoft GothicNeo" panose="020B0500000101010101" pitchFamily="50" charset="-127"/>
-            </a:endParaRPr>
-          </a:p>
-          <a:p>
-            <a:pPr>
-              <a:lnSpc>
-                <a:spcPct val="150000"/>
-              </a:lnSpc>
-            </a:pPr>
-            <a:r>
-              <a:rPr lang="en-US" altLang="ko-KR" sz="2000" dirty="0">
-                <a:latin typeface="Microsoft GothicNeo" panose="020B0500000101010101" pitchFamily="50" charset="-127"/>
-                <a:ea typeface="Microsoft GothicNeo" panose="020B0500000101010101" pitchFamily="50" charset="-127"/>
-                <a:cs typeface="Microsoft GothicNeo" panose="020B0500000101010101" pitchFamily="50" charset="-127"/>
-                <a:hlinkClick r:id="rId6"/>
-              </a:rPr>
-              <a:t>https://github.com/pytorch/vision/blob/6db1569c89094cf23f3bc41f79275c45e9fcb3f3/torchvision/models/vgg.py#L24</a:t>
-            </a:r>
-            <a:endParaRPr lang="en-US" altLang="ko-KR" sz="2000" dirty="0">
-              <a:latin typeface="Microsoft GothicNeo" panose="020B0500000101010101" pitchFamily="50" charset="-127"/>
-              <a:ea typeface="Microsoft GothicNeo" panose="020B0500000101010101" pitchFamily="50" charset="-127"/>
-              <a:cs typeface="Microsoft GothicNeo" panose="020B0500000101010101" pitchFamily="50" charset="-127"/>
-            </a:endParaRPr>
+              <a:t>내용</a:t>
+            </a:r>
           </a:p>
         </p:txBody>
       </p:sp>
@@ -5272,10 +5536,2443 @@
           </a:fontRef>
         </p:style>
       </p:cxnSp>
+      <p:pic>
+        <p:nvPicPr>
+          <p:cNvPr id="11" name="그림 10">
+            <a:extLst>
+              <a:ext uri="{FF2B5EF4-FFF2-40B4-BE49-F238E27FC236}">
+                <a16:creationId xmlns:a16="http://schemas.microsoft.com/office/drawing/2014/main" id="{1BF15408-E679-7CAD-E23D-28B9929A34F9}"/>
+              </a:ext>
+            </a:extLst>
+          </p:cNvPr>
+          <p:cNvPicPr>
+            <a:picLocks noChangeAspect="1"/>
+          </p:cNvPicPr>
+          <p:nvPr/>
+        </p:nvPicPr>
+        <p:blipFill>
+          <a:blip r:embed="rId2"/>
+          <a:stretch>
+            <a:fillRect/>
+          </a:stretch>
+        </p:blipFill>
+        <p:spPr>
+          <a:xfrm>
+            <a:off x="1367566" y="1325564"/>
+            <a:ext cx="9456868" cy="5457323"/>
+          </a:xfrm>
+          <a:prstGeom prst="rect">
+            <a:avLst/>
+          </a:prstGeom>
+        </p:spPr>
+      </p:pic>
     </p:spTree>
     <p:extLst>
       <p:ext uri="{BB962C8B-B14F-4D97-AF65-F5344CB8AC3E}">
-        <p14:creationId xmlns:p14="http://schemas.microsoft.com/office/powerpoint/2010/main" val="1140055642"/>
+        <p14:creationId xmlns:p14="http://schemas.microsoft.com/office/powerpoint/2010/main" val="3351191206"/>
+      </p:ext>
+    </p:extLst>
+  </p:cSld>
+  <p:clrMapOvr>
+    <a:masterClrMapping/>
+  </p:clrMapOvr>
+</p:sld>
+</file>
+
+<file path=ppt/slides/slide14.xml><?xml version="1.0" encoding="utf-8"?>
+<p:sld xmlns:a="http://schemas.openxmlformats.org/drawingml/2006/main" xmlns:r="http://schemas.openxmlformats.org/officeDocument/2006/relationships" xmlns:p="http://schemas.openxmlformats.org/presentationml/2006/main">
+  <p:cSld>
+    <p:spTree>
+      <p:nvGrpSpPr>
+        <p:cNvPr id="1" name=""/>
+        <p:cNvGrpSpPr/>
+        <p:nvPr/>
+      </p:nvGrpSpPr>
+      <p:grpSpPr>
+        <a:xfrm>
+          <a:off x="0" y="0"/>
+          <a:ext cx="0" cy="0"/>
+          <a:chOff x="0" y="0"/>
+          <a:chExt cx="0" cy="0"/>
+        </a:xfrm>
+      </p:grpSpPr>
+      <p:sp>
+        <p:nvSpPr>
+          <p:cNvPr id="2" name="제목 1">
+            <a:extLst>
+              <a:ext uri="{FF2B5EF4-FFF2-40B4-BE49-F238E27FC236}">
+                <a16:creationId xmlns:a16="http://schemas.microsoft.com/office/drawing/2014/main" id="{7CBC3679-A3DF-4930-A237-94BE532DA3BD}"/>
+              </a:ext>
+            </a:extLst>
+          </p:cNvPr>
+          <p:cNvSpPr>
+            <a:spLocks noGrp="1"/>
+          </p:cNvSpPr>
+          <p:nvPr>
+            <p:ph type="title"/>
+          </p:nvPr>
+        </p:nvSpPr>
+        <p:spPr>
+          <a:xfrm>
+            <a:off x="190019" y="1"/>
+            <a:ext cx="7761790" cy="1325563"/>
+          </a:xfrm>
+        </p:spPr>
+        <p:txBody>
+          <a:bodyPr>
+            <a:normAutofit/>
+          </a:bodyPr>
+          <a:lstStyle/>
+          <a:p>
+            <a:r>
+              <a:rPr lang="en-US" altLang="ko-KR" dirty="0">
+                <a:latin typeface="Microsoft GothicNeo" panose="020B0500000101010101" pitchFamily="50" charset="-127"/>
+                <a:ea typeface="Microsoft GothicNeo" panose="020B0500000101010101" pitchFamily="50" charset="-127"/>
+                <a:cs typeface="Microsoft GothicNeo" panose="020B0500000101010101" pitchFamily="50" charset="-127"/>
+              </a:rPr>
+              <a:t>4. MobileNet-v2 - </a:t>
+            </a:r>
+            <a:r>
+              <a:rPr lang="ko-KR" altLang="en-US" dirty="0">
+                <a:latin typeface="Microsoft GothicNeo" panose="020B0500000101010101" pitchFamily="50" charset="-127"/>
+                <a:ea typeface="Microsoft GothicNeo" panose="020B0500000101010101" pitchFamily="50" charset="-127"/>
+                <a:cs typeface="Microsoft GothicNeo" panose="020B0500000101010101" pitchFamily="50" charset="-127"/>
+              </a:rPr>
+              <a:t>내용</a:t>
+            </a:r>
+          </a:p>
+        </p:txBody>
+      </p:sp>
+      <p:cxnSp>
+        <p:nvCxnSpPr>
+          <p:cNvPr id="5" name="직선 연결선 4">
+            <a:extLst>
+              <a:ext uri="{FF2B5EF4-FFF2-40B4-BE49-F238E27FC236}">
+                <a16:creationId xmlns:a16="http://schemas.microsoft.com/office/drawing/2014/main" id="{DCC21655-3CEC-4FBA-9415-44F5DE40445B}"/>
+              </a:ext>
+            </a:extLst>
+          </p:cNvPr>
+          <p:cNvCxnSpPr>
+            <a:cxnSpLocks/>
+          </p:cNvCxnSpPr>
+          <p:nvPr/>
+        </p:nvCxnSpPr>
+        <p:spPr>
+          <a:xfrm>
+            <a:off x="2" y="1157469"/>
+            <a:ext cx="7951807" cy="0"/>
+          </a:xfrm>
+          <a:prstGeom prst="line">
+            <a:avLst/>
+          </a:prstGeom>
+        </p:spPr>
+        <p:style>
+          <a:lnRef idx="3">
+            <a:schemeClr val="dk1"/>
+          </a:lnRef>
+          <a:fillRef idx="0">
+            <a:schemeClr val="dk1"/>
+          </a:fillRef>
+          <a:effectRef idx="2">
+            <a:schemeClr val="dk1"/>
+          </a:effectRef>
+          <a:fontRef idx="minor">
+            <a:schemeClr val="tx1"/>
+          </a:fontRef>
+        </p:style>
+      </p:cxnSp>
+      <p:pic>
+        <p:nvPicPr>
+          <p:cNvPr id="6" name="그림 5">
+            <a:extLst>
+              <a:ext uri="{FF2B5EF4-FFF2-40B4-BE49-F238E27FC236}">
+                <a16:creationId xmlns:a16="http://schemas.microsoft.com/office/drawing/2014/main" id="{36AC2226-4FE5-EE3C-6502-627C9417E75B}"/>
+              </a:ext>
+            </a:extLst>
+          </p:cNvPr>
+          <p:cNvPicPr>
+            <a:picLocks noChangeAspect="1"/>
+          </p:cNvPicPr>
+          <p:nvPr/>
+        </p:nvPicPr>
+        <p:blipFill>
+          <a:blip r:embed="rId2"/>
+          <a:stretch>
+            <a:fillRect/>
+          </a:stretch>
+        </p:blipFill>
+        <p:spPr>
+          <a:xfrm>
+            <a:off x="0" y="1448697"/>
+            <a:ext cx="12192000" cy="4419928"/>
+          </a:xfrm>
+          <a:prstGeom prst="rect">
+            <a:avLst/>
+          </a:prstGeom>
+        </p:spPr>
+      </p:pic>
+      <p:sp>
+        <p:nvSpPr>
+          <p:cNvPr id="7" name="내용 개체 틀 2">
+            <a:extLst>
+              <a:ext uri="{FF2B5EF4-FFF2-40B4-BE49-F238E27FC236}">
+                <a16:creationId xmlns:a16="http://schemas.microsoft.com/office/drawing/2014/main" id="{B77FB857-A93A-4C66-309E-DF6D21E7B960}"/>
+              </a:ext>
+            </a:extLst>
+          </p:cNvPr>
+          <p:cNvSpPr txBox="1">
+            <a:spLocks/>
+          </p:cNvSpPr>
+          <p:nvPr/>
+        </p:nvSpPr>
+        <p:spPr>
+          <a:xfrm>
+            <a:off x="886466" y="5880875"/>
+            <a:ext cx="10419068" cy="842773"/>
+          </a:xfrm>
+          <a:prstGeom prst="rect">
+            <a:avLst/>
+          </a:prstGeom>
+        </p:spPr>
+        <p:txBody>
+          <a:bodyPr vert="horz" lIns="91440" tIns="45720" rIns="91440" bIns="45720" rtlCol="0">
+            <a:normAutofit/>
+          </a:bodyPr>
+          <a:lstStyle>
+            <a:lvl1pPr marL="228594" indent="-228594" algn="l" defTabSz="914377" rtl="0" eaLnBrk="1" latinLnBrk="1" hangingPunct="1">
+              <a:lnSpc>
+                <a:spcPct val="90000"/>
+              </a:lnSpc>
+              <a:spcBef>
+                <a:spcPts val="1000"/>
+              </a:spcBef>
+              <a:buFont typeface="Arial" panose="020B0604020202020204" pitchFamily="34" charset="0"/>
+              <a:buChar char="•"/>
+              <a:defRPr sz="2800" kern="1200">
+                <a:solidFill>
+                  <a:schemeClr val="tx1"/>
+                </a:solidFill>
+                <a:latin typeface="+mn-lt"/>
+                <a:ea typeface="+mn-ea"/>
+                <a:cs typeface="+mn-cs"/>
+              </a:defRPr>
+            </a:lvl1pPr>
+            <a:lvl2pPr marL="685783" indent="-228594" algn="l" defTabSz="914377" rtl="0" eaLnBrk="1" latinLnBrk="1" hangingPunct="1">
+              <a:lnSpc>
+                <a:spcPct val="90000"/>
+              </a:lnSpc>
+              <a:spcBef>
+                <a:spcPts val="500"/>
+              </a:spcBef>
+              <a:buFont typeface="Arial" panose="020B0604020202020204" pitchFamily="34" charset="0"/>
+              <a:buChar char="•"/>
+              <a:defRPr sz="2400" kern="1200">
+                <a:solidFill>
+                  <a:schemeClr val="tx1"/>
+                </a:solidFill>
+                <a:latin typeface="+mn-lt"/>
+                <a:ea typeface="+mn-ea"/>
+                <a:cs typeface="+mn-cs"/>
+              </a:defRPr>
+            </a:lvl2pPr>
+            <a:lvl3pPr marL="1142971" indent="-228594" algn="l" defTabSz="914377" rtl="0" eaLnBrk="1" latinLnBrk="1" hangingPunct="1">
+              <a:lnSpc>
+                <a:spcPct val="90000"/>
+              </a:lnSpc>
+              <a:spcBef>
+                <a:spcPts val="500"/>
+              </a:spcBef>
+              <a:buFont typeface="Arial" panose="020B0604020202020204" pitchFamily="34" charset="0"/>
+              <a:buChar char="•"/>
+              <a:defRPr sz="2000" kern="1200">
+                <a:solidFill>
+                  <a:schemeClr val="tx1"/>
+                </a:solidFill>
+                <a:latin typeface="+mn-lt"/>
+                <a:ea typeface="+mn-ea"/>
+                <a:cs typeface="+mn-cs"/>
+              </a:defRPr>
+            </a:lvl3pPr>
+            <a:lvl4pPr marL="1600160" indent="-228594" algn="l" defTabSz="914377" rtl="0" eaLnBrk="1" latinLnBrk="1" hangingPunct="1">
+              <a:lnSpc>
+                <a:spcPct val="90000"/>
+              </a:lnSpc>
+              <a:spcBef>
+                <a:spcPts val="500"/>
+              </a:spcBef>
+              <a:buFont typeface="Arial" panose="020B0604020202020204" pitchFamily="34" charset="0"/>
+              <a:buChar char="•"/>
+              <a:defRPr sz="1800" kern="1200">
+                <a:solidFill>
+                  <a:schemeClr val="tx1"/>
+                </a:solidFill>
+                <a:latin typeface="+mn-lt"/>
+                <a:ea typeface="+mn-ea"/>
+                <a:cs typeface="+mn-cs"/>
+              </a:defRPr>
+            </a:lvl4pPr>
+            <a:lvl5pPr marL="2057349" indent="-228594" algn="l" defTabSz="914377" rtl="0" eaLnBrk="1" latinLnBrk="1" hangingPunct="1">
+              <a:lnSpc>
+                <a:spcPct val="90000"/>
+              </a:lnSpc>
+              <a:spcBef>
+                <a:spcPts val="500"/>
+              </a:spcBef>
+              <a:buFont typeface="Arial" panose="020B0604020202020204" pitchFamily="34" charset="0"/>
+              <a:buChar char="•"/>
+              <a:defRPr sz="1800" kern="1200">
+                <a:solidFill>
+                  <a:schemeClr val="tx1"/>
+                </a:solidFill>
+                <a:latin typeface="+mn-lt"/>
+                <a:ea typeface="+mn-ea"/>
+                <a:cs typeface="+mn-cs"/>
+              </a:defRPr>
+            </a:lvl5pPr>
+            <a:lvl6pPr marL="2514537" indent="-228594" algn="l" defTabSz="914377" rtl="0" eaLnBrk="1" latinLnBrk="1" hangingPunct="1">
+              <a:lnSpc>
+                <a:spcPct val="90000"/>
+              </a:lnSpc>
+              <a:spcBef>
+                <a:spcPts val="500"/>
+              </a:spcBef>
+              <a:buFont typeface="Arial" panose="020B0604020202020204" pitchFamily="34" charset="0"/>
+              <a:buChar char="•"/>
+              <a:defRPr sz="1800" kern="1200">
+                <a:solidFill>
+                  <a:schemeClr val="tx1"/>
+                </a:solidFill>
+                <a:latin typeface="+mn-lt"/>
+                <a:ea typeface="+mn-ea"/>
+                <a:cs typeface="+mn-cs"/>
+              </a:defRPr>
+            </a:lvl6pPr>
+            <a:lvl7pPr marL="2971726" indent="-228594" algn="l" defTabSz="914377" rtl="0" eaLnBrk="1" latinLnBrk="1" hangingPunct="1">
+              <a:lnSpc>
+                <a:spcPct val="90000"/>
+              </a:lnSpc>
+              <a:spcBef>
+                <a:spcPts val="500"/>
+              </a:spcBef>
+              <a:buFont typeface="Arial" panose="020B0604020202020204" pitchFamily="34" charset="0"/>
+              <a:buChar char="•"/>
+              <a:defRPr sz="1800" kern="1200">
+                <a:solidFill>
+                  <a:schemeClr val="tx1"/>
+                </a:solidFill>
+                <a:latin typeface="+mn-lt"/>
+                <a:ea typeface="+mn-ea"/>
+                <a:cs typeface="+mn-cs"/>
+              </a:defRPr>
+            </a:lvl7pPr>
+            <a:lvl8pPr marL="3428914" indent="-228594" algn="l" defTabSz="914377" rtl="0" eaLnBrk="1" latinLnBrk="1" hangingPunct="1">
+              <a:lnSpc>
+                <a:spcPct val="90000"/>
+              </a:lnSpc>
+              <a:spcBef>
+                <a:spcPts val="500"/>
+              </a:spcBef>
+              <a:buFont typeface="Arial" panose="020B0604020202020204" pitchFamily="34" charset="0"/>
+              <a:buChar char="•"/>
+              <a:defRPr sz="1800" kern="1200">
+                <a:solidFill>
+                  <a:schemeClr val="tx1"/>
+                </a:solidFill>
+                <a:latin typeface="+mn-lt"/>
+                <a:ea typeface="+mn-ea"/>
+                <a:cs typeface="+mn-cs"/>
+              </a:defRPr>
+            </a:lvl8pPr>
+            <a:lvl9pPr marL="3886103" indent="-228594" algn="l" defTabSz="914377" rtl="0" eaLnBrk="1" latinLnBrk="1" hangingPunct="1">
+              <a:lnSpc>
+                <a:spcPct val="90000"/>
+              </a:lnSpc>
+              <a:spcBef>
+                <a:spcPts val="500"/>
+              </a:spcBef>
+              <a:buFont typeface="Arial" panose="020B0604020202020204" pitchFamily="34" charset="0"/>
+              <a:buChar char="•"/>
+              <a:defRPr sz="1800" kern="1200">
+                <a:solidFill>
+                  <a:schemeClr val="tx1"/>
+                </a:solidFill>
+                <a:latin typeface="+mn-lt"/>
+                <a:ea typeface="+mn-ea"/>
+                <a:cs typeface="+mn-cs"/>
+              </a:defRPr>
+            </a:lvl9pPr>
+          </a:lstStyle>
+          <a:p>
+            <a:r>
+              <a:rPr lang="ko-KR" altLang="en-US" sz="3600" dirty="0">
+                <a:latin typeface="Microsoft GothicNeo" panose="020B0500000101010101" pitchFamily="50" charset="-127"/>
+                <a:ea typeface="Microsoft GothicNeo" panose="020B0500000101010101" pitchFamily="50" charset="-127"/>
+                <a:cs typeface="Microsoft GothicNeo" panose="020B0500000101010101" pitchFamily="50" charset="-127"/>
+              </a:rPr>
+              <a:t>메모리 사용량을 줄인 </a:t>
+            </a:r>
+            <a:r>
+              <a:rPr lang="en-US" altLang="ko-KR" sz="3600" dirty="0">
+                <a:latin typeface="Microsoft GothicNeo" panose="020B0500000101010101" pitchFamily="50" charset="-127"/>
+                <a:ea typeface="Microsoft GothicNeo" panose="020B0500000101010101" pitchFamily="50" charset="-127"/>
+                <a:cs typeface="Microsoft GothicNeo" panose="020B0500000101010101" pitchFamily="50" charset="-127"/>
+              </a:rPr>
+              <a:t>Bottleneck Residual Block</a:t>
+            </a:r>
+            <a:endParaRPr lang="ko-KR" altLang="en-US" sz="3600" dirty="0">
+              <a:solidFill>
+                <a:schemeClr val="accent1"/>
+              </a:solidFill>
+              <a:latin typeface="Microsoft GothicNeo" panose="020B0500000101010101" pitchFamily="50" charset="-127"/>
+              <a:ea typeface="Microsoft GothicNeo" panose="020B0500000101010101" pitchFamily="50" charset="-127"/>
+              <a:cs typeface="Microsoft GothicNeo" panose="020B0500000101010101" pitchFamily="50" charset="-127"/>
+            </a:endParaRPr>
+          </a:p>
+        </p:txBody>
+      </p:sp>
+    </p:spTree>
+    <p:extLst>
+      <p:ext uri="{BB962C8B-B14F-4D97-AF65-F5344CB8AC3E}">
+        <p14:creationId xmlns:p14="http://schemas.microsoft.com/office/powerpoint/2010/main" val="818767866"/>
+      </p:ext>
+    </p:extLst>
+  </p:cSld>
+  <p:clrMapOvr>
+    <a:masterClrMapping/>
+  </p:clrMapOvr>
+</p:sld>
+</file>
+
+<file path=ppt/slides/slide15.xml><?xml version="1.0" encoding="utf-8"?>
+<p:sld xmlns:a="http://schemas.openxmlformats.org/drawingml/2006/main" xmlns:r="http://schemas.openxmlformats.org/officeDocument/2006/relationships" xmlns:p="http://schemas.openxmlformats.org/presentationml/2006/main">
+  <p:cSld>
+    <p:spTree>
+      <p:nvGrpSpPr>
+        <p:cNvPr id="1" name=""/>
+        <p:cNvGrpSpPr/>
+        <p:nvPr/>
+      </p:nvGrpSpPr>
+      <p:grpSpPr>
+        <a:xfrm>
+          <a:off x="0" y="0"/>
+          <a:ext cx="0" cy="0"/>
+          <a:chOff x="0" y="0"/>
+          <a:chExt cx="0" cy="0"/>
+        </a:xfrm>
+      </p:grpSpPr>
+      <p:sp>
+        <p:nvSpPr>
+          <p:cNvPr id="2" name="제목 1">
+            <a:extLst>
+              <a:ext uri="{FF2B5EF4-FFF2-40B4-BE49-F238E27FC236}">
+                <a16:creationId xmlns:a16="http://schemas.microsoft.com/office/drawing/2014/main" id="{7CBC3679-A3DF-4930-A237-94BE532DA3BD}"/>
+              </a:ext>
+            </a:extLst>
+          </p:cNvPr>
+          <p:cNvSpPr>
+            <a:spLocks noGrp="1"/>
+          </p:cNvSpPr>
+          <p:nvPr>
+            <p:ph type="title"/>
+          </p:nvPr>
+        </p:nvSpPr>
+        <p:spPr>
+          <a:xfrm>
+            <a:off x="190019" y="1"/>
+            <a:ext cx="7761790" cy="1325563"/>
+          </a:xfrm>
+        </p:spPr>
+        <p:txBody>
+          <a:bodyPr>
+            <a:normAutofit/>
+          </a:bodyPr>
+          <a:lstStyle/>
+          <a:p>
+            <a:r>
+              <a:rPr lang="en-US" altLang="ko-KR" dirty="0">
+                <a:latin typeface="Microsoft GothicNeo" panose="020B0500000101010101" pitchFamily="50" charset="-127"/>
+                <a:ea typeface="Microsoft GothicNeo" panose="020B0500000101010101" pitchFamily="50" charset="-127"/>
+                <a:cs typeface="Microsoft GothicNeo" panose="020B0500000101010101" pitchFamily="50" charset="-127"/>
+              </a:rPr>
+              <a:t>4. MobileNet-v2 - </a:t>
+            </a:r>
+            <a:r>
+              <a:rPr lang="ko-KR" altLang="en-US" dirty="0">
+                <a:latin typeface="Microsoft GothicNeo" panose="020B0500000101010101" pitchFamily="50" charset="-127"/>
+                <a:ea typeface="Microsoft GothicNeo" panose="020B0500000101010101" pitchFamily="50" charset="-127"/>
+                <a:cs typeface="Microsoft GothicNeo" panose="020B0500000101010101" pitchFamily="50" charset="-127"/>
+              </a:rPr>
+              <a:t>성능</a:t>
+            </a:r>
+          </a:p>
+        </p:txBody>
+      </p:sp>
+      <p:cxnSp>
+        <p:nvCxnSpPr>
+          <p:cNvPr id="5" name="직선 연결선 4">
+            <a:extLst>
+              <a:ext uri="{FF2B5EF4-FFF2-40B4-BE49-F238E27FC236}">
+                <a16:creationId xmlns:a16="http://schemas.microsoft.com/office/drawing/2014/main" id="{DCC21655-3CEC-4FBA-9415-44F5DE40445B}"/>
+              </a:ext>
+            </a:extLst>
+          </p:cNvPr>
+          <p:cNvCxnSpPr>
+            <a:cxnSpLocks/>
+          </p:cNvCxnSpPr>
+          <p:nvPr/>
+        </p:nvCxnSpPr>
+        <p:spPr>
+          <a:xfrm>
+            <a:off x="2" y="1157469"/>
+            <a:ext cx="7951807" cy="0"/>
+          </a:xfrm>
+          <a:prstGeom prst="line">
+            <a:avLst/>
+          </a:prstGeom>
+        </p:spPr>
+        <p:style>
+          <a:lnRef idx="3">
+            <a:schemeClr val="dk1"/>
+          </a:lnRef>
+          <a:fillRef idx="0">
+            <a:schemeClr val="dk1"/>
+          </a:fillRef>
+          <a:effectRef idx="2">
+            <a:schemeClr val="dk1"/>
+          </a:effectRef>
+          <a:fontRef idx="minor">
+            <a:schemeClr val="tx1"/>
+          </a:fontRef>
+        </p:style>
+      </p:cxnSp>
+      <p:sp>
+        <p:nvSpPr>
+          <p:cNvPr id="7" name="내용 개체 틀 2">
+            <a:extLst>
+              <a:ext uri="{FF2B5EF4-FFF2-40B4-BE49-F238E27FC236}">
+                <a16:creationId xmlns:a16="http://schemas.microsoft.com/office/drawing/2014/main" id="{B77FB857-A93A-4C66-309E-DF6D21E7B960}"/>
+              </a:ext>
+            </a:extLst>
+          </p:cNvPr>
+          <p:cNvSpPr txBox="1">
+            <a:spLocks/>
+          </p:cNvSpPr>
+          <p:nvPr/>
+        </p:nvSpPr>
+        <p:spPr>
+          <a:xfrm>
+            <a:off x="1895869" y="5724603"/>
+            <a:ext cx="8067529" cy="842773"/>
+          </a:xfrm>
+          <a:prstGeom prst="rect">
+            <a:avLst/>
+          </a:prstGeom>
+        </p:spPr>
+        <p:txBody>
+          <a:bodyPr vert="horz" lIns="91440" tIns="45720" rIns="91440" bIns="45720" rtlCol="0">
+            <a:normAutofit/>
+          </a:bodyPr>
+          <a:lstStyle>
+            <a:lvl1pPr marL="228594" indent="-228594" algn="l" defTabSz="914377" rtl="0" eaLnBrk="1" latinLnBrk="1" hangingPunct="1">
+              <a:lnSpc>
+                <a:spcPct val="90000"/>
+              </a:lnSpc>
+              <a:spcBef>
+                <a:spcPts val="1000"/>
+              </a:spcBef>
+              <a:buFont typeface="Arial" panose="020B0604020202020204" pitchFamily="34" charset="0"/>
+              <a:buChar char="•"/>
+              <a:defRPr sz="2800" kern="1200">
+                <a:solidFill>
+                  <a:schemeClr val="tx1"/>
+                </a:solidFill>
+                <a:latin typeface="+mn-lt"/>
+                <a:ea typeface="+mn-ea"/>
+                <a:cs typeface="+mn-cs"/>
+              </a:defRPr>
+            </a:lvl1pPr>
+            <a:lvl2pPr marL="685783" indent="-228594" algn="l" defTabSz="914377" rtl="0" eaLnBrk="1" latinLnBrk="1" hangingPunct="1">
+              <a:lnSpc>
+                <a:spcPct val="90000"/>
+              </a:lnSpc>
+              <a:spcBef>
+                <a:spcPts val="500"/>
+              </a:spcBef>
+              <a:buFont typeface="Arial" panose="020B0604020202020204" pitchFamily="34" charset="0"/>
+              <a:buChar char="•"/>
+              <a:defRPr sz="2400" kern="1200">
+                <a:solidFill>
+                  <a:schemeClr val="tx1"/>
+                </a:solidFill>
+                <a:latin typeface="+mn-lt"/>
+                <a:ea typeface="+mn-ea"/>
+                <a:cs typeface="+mn-cs"/>
+              </a:defRPr>
+            </a:lvl2pPr>
+            <a:lvl3pPr marL="1142971" indent="-228594" algn="l" defTabSz="914377" rtl="0" eaLnBrk="1" latinLnBrk="1" hangingPunct="1">
+              <a:lnSpc>
+                <a:spcPct val="90000"/>
+              </a:lnSpc>
+              <a:spcBef>
+                <a:spcPts val="500"/>
+              </a:spcBef>
+              <a:buFont typeface="Arial" panose="020B0604020202020204" pitchFamily="34" charset="0"/>
+              <a:buChar char="•"/>
+              <a:defRPr sz="2000" kern="1200">
+                <a:solidFill>
+                  <a:schemeClr val="tx1"/>
+                </a:solidFill>
+                <a:latin typeface="+mn-lt"/>
+                <a:ea typeface="+mn-ea"/>
+                <a:cs typeface="+mn-cs"/>
+              </a:defRPr>
+            </a:lvl3pPr>
+            <a:lvl4pPr marL="1600160" indent="-228594" algn="l" defTabSz="914377" rtl="0" eaLnBrk="1" latinLnBrk="1" hangingPunct="1">
+              <a:lnSpc>
+                <a:spcPct val="90000"/>
+              </a:lnSpc>
+              <a:spcBef>
+                <a:spcPts val="500"/>
+              </a:spcBef>
+              <a:buFont typeface="Arial" panose="020B0604020202020204" pitchFamily="34" charset="0"/>
+              <a:buChar char="•"/>
+              <a:defRPr sz="1800" kern="1200">
+                <a:solidFill>
+                  <a:schemeClr val="tx1"/>
+                </a:solidFill>
+                <a:latin typeface="+mn-lt"/>
+                <a:ea typeface="+mn-ea"/>
+                <a:cs typeface="+mn-cs"/>
+              </a:defRPr>
+            </a:lvl4pPr>
+            <a:lvl5pPr marL="2057349" indent="-228594" algn="l" defTabSz="914377" rtl="0" eaLnBrk="1" latinLnBrk="1" hangingPunct="1">
+              <a:lnSpc>
+                <a:spcPct val="90000"/>
+              </a:lnSpc>
+              <a:spcBef>
+                <a:spcPts val="500"/>
+              </a:spcBef>
+              <a:buFont typeface="Arial" panose="020B0604020202020204" pitchFamily="34" charset="0"/>
+              <a:buChar char="•"/>
+              <a:defRPr sz="1800" kern="1200">
+                <a:solidFill>
+                  <a:schemeClr val="tx1"/>
+                </a:solidFill>
+                <a:latin typeface="+mn-lt"/>
+                <a:ea typeface="+mn-ea"/>
+                <a:cs typeface="+mn-cs"/>
+              </a:defRPr>
+            </a:lvl5pPr>
+            <a:lvl6pPr marL="2514537" indent="-228594" algn="l" defTabSz="914377" rtl="0" eaLnBrk="1" latinLnBrk="1" hangingPunct="1">
+              <a:lnSpc>
+                <a:spcPct val="90000"/>
+              </a:lnSpc>
+              <a:spcBef>
+                <a:spcPts val="500"/>
+              </a:spcBef>
+              <a:buFont typeface="Arial" panose="020B0604020202020204" pitchFamily="34" charset="0"/>
+              <a:buChar char="•"/>
+              <a:defRPr sz="1800" kern="1200">
+                <a:solidFill>
+                  <a:schemeClr val="tx1"/>
+                </a:solidFill>
+                <a:latin typeface="+mn-lt"/>
+                <a:ea typeface="+mn-ea"/>
+                <a:cs typeface="+mn-cs"/>
+              </a:defRPr>
+            </a:lvl6pPr>
+            <a:lvl7pPr marL="2971726" indent="-228594" algn="l" defTabSz="914377" rtl="0" eaLnBrk="1" latinLnBrk="1" hangingPunct="1">
+              <a:lnSpc>
+                <a:spcPct val="90000"/>
+              </a:lnSpc>
+              <a:spcBef>
+                <a:spcPts val="500"/>
+              </a:spcBef>
+              <a:buFont typeface="Arial" panose="020B0604020202020204" pitchFamily="34" charset="0"/>
+              <a:buChar char="•"/>
+              <a:defRPr sz="1800" kern="1200">
+                <a:solidFill>
+                  <a:schemeClr val="tx1"/>
+                </a:solidFill>
+                <a:latin typeface="+mn-lt"/>
+                <a:ea typeface="+mn-ea"/>
+                <a:cs typeface="+mn-cs"/>
+              </a:defRPr>
+            </a:lvl7pPr>
+            <a:lvl8pPr marL="3428914" indent="-228594" algn="l" defTabSz="914377" rtl="0" eaLnBrk="1" latinLnBrk="1" hangingPunct="1">
+              <a:lnSpc>
+                <a:spcPct val="90000"/>
+              </a:lnSpc>
+              <a:spcBef>
+                <a:spcPts val="500"/>
+              </a:spcBef>
+              <a:buFont typeface="Arial" panose="020B0604020202020204" pitchFamily="34" charset="0"/>
+              <a:buChar char="•"/>
+              <a:defRPr sz="1800" kern="1200">
+                <a:solidFill>
+                  <a:schemeClr val="tx1"/>
+                </a:solidFill>
+                <a:latin typeface="+mn-lt"/>
+                <a:ea typeface="+mn-ea"/>
+                <a:cs typeface="+mn-cs"/>
+              </a:defRPr>
+            </a:lvl8pPr>
+            <a:lvl9pPr marL="3886103" indent="-228594" algn="l" defTabSz="914377" rtl="0" eaLnBrk="1" latinLnBrk="1" hangingPunct="1">
+              <a:lnSpc>
+                <a:spcPct val="90000"/>
+              </a:lnSpc>
+              <a:spcBef>
+                <a:spcPts val="500"/>
+              </a:spcBef>
+              <a:buFont typeface="Arial" panose="020B0604020202020204" pitchFamily="34" charset="0"/>
+              <a:buChar char="•"/>
+              <a:defRPr sz="1800" kern="1200">
+                <a:solidFill>
+                  <a:schemeClr val="tx1"/>
+                </a:solidFill>
+                <a:latin typeface="+mn-lt"/>
+                <a:ea typeface="+mn-ea"/>
+                <a:cs typeface="+mn-cs"/>
+              </a:defRPr>
+            </a:lvl9pPr>
+          </a:lstStyle>
+          <a:p>
+            <a:r>
+              <a:rPr lang="ko-KR" altLang="en-US" sz="3600" dirty="0">
+                <a:latin typeface="Microsoft GothicNeo" panose="020B0500000101010101" pitchFamily="50" charset="-127"/>
+                <a:ea typeface="Microsoft GothicNeo" panose="020B0500000101010101" pitchFamily="50" charset="-127"/>
+                <a:cs typeface="Microsoft GothicNeo" panose="020B0500000101010101" pitchFamily="50" charset="-127"/>
+              </a:rPr>
+              <a:t>적은 </a:t>
+            </a:r>
+            <a:r>
+              <a:rPr lang="ko-KR" altLang="en-US" sz="3600" dirty="0" err="1">
+                <a:latin typeface="Microsoft GothicNeo" panose="020B0500000101010101" pitchFamily="50" charset="-127"/>
+                <a:ea typeface="Microsoft GothicNeo" panose="020B0500000101010101" pitchFamily="50" charset="-127"/>
+                <a:cs typeface="Microsoft GothicNeo" panose="020B0500000101010101" pitchFamily="50" charset="-127"/>
+              </a:rPr>
+              <a:t>연산량</a:t>
+            </a:r>
+            <a:r>
+              <a:rPr lang="ko-KR" altLang="en-US" sz="3600" dirty="0">
+                <a:latin typeface="Microsoft GothicNeo" panose="020B0500000101010101" pitchFamily="50" charset="-127"/>
+                <a:ea typeface="Microsoft GothicNeo" panose="020B0500000101010101" pitchFamily="50" charset="-127"/>
+                <a:cs typeface="Microsoft GothicNeo" panose="020B0500000101010101" pitchFamily="50" charset="-127"/>
+              </a:rPr>
+              <a:t> </a:t>
+            </a:r>
+            <a:r>
+              <a:rPr lang="en-US" altLang="ko-KR" sz="3600" dirty="0">
+                <a:latin typeface="Microsoft GothicNeo" panose="020B0500000101010101" pitchFamily="50" charset="-127"/>
+                <a:ea typeface="Microsoft GothicNeo" panose="020B0500000101010101" pitchFamily="50" charset="-127"/>
+                <a:cs typeface="Microsoft GothicNeo" panose="020B0500000101010101" pitchFamily="50" charset="-127"/>
+              </a:rPr>
+              <a:t>-&gt; </a:t>
+            </a:r>
+            <a:r>
+              <a:rPr lang="ko-KR" altLang="en-US" sz="3600" dirty="0">
+                <a:solidFill>
+                  <a:srgbClr val="C00000"/>
+                </a:solidFill>
+                <a:latin typeface="Microsoft GothicNeo" panose="020B0500000101010101" pitchFamily="50" charset="-127"/>
+                <a:ea typeface="Microsoft GothicNeo" panose="020B0500000101010101" pitchFamily="50" charset="-127"/>
+                <a:cs typeface="Microsoft GothicNeo" panose="020B0500000101010101" pitchFamily="50" charset="-127"/>
+              </a:rPr>
+              <a:t>빠른 속도</a:t>
+            </a:r>
+            <a:r>
+              <a:rPr lang="en-US" altLang="ko-KR" sz="3600" dirty="0">
+                <a:solidFill>
+                  <a:srgbClr val="C00000"/>
+                </a:solidFill>
+                <a:latin typeface="Microsoft GothicNeo" panose="020B0500000101010101" pitchFamily="50" charset="-127"/>
+                <a:ea typeface="Microsoft GothicNeo" panose="020B0500000101010101" pitchFamily="50" charset="-127"/>
+                <a:cs typeface="Microsoft GothicNeo" panose="020B0500000101010101" pitchFamily="50" charset="-127"/>
+              </a:rPr>
+              <a:t>, </a:t>
+            </a:r>
+            <a:r>
+              <a:rPr lang="ko-KR" altLang="en-US" sz="3600" dirty="0">
+                <a:solidFill>
+                  <a:srgbClr val="C00000"/>
+                </a:solidFill>
+                <a:latin typeface="Microsoft GothicNeo" panose="020B0500000101010101" pitchFamily="50" charset="-127"/>
+                <a:ea typeface="Microsoft GothicNeo" panose="020B0500000101010101" pitchFamily="50" charset="-127"/>
+                <a:cs typeface="Microsoft GothicNeo" panose="020B0500000101010101" pitchFamily="50" charset="-127"/>
+              </a:rPr>
+              <a:t>높은 정확도</a:t>
+            </a:r>
+          </a:p>
+        </p:txBody>
+      </p:sp>
+      <p:pic>
+        <p:nvPicPr>
+          <p:cNvPr id="9" name="그림 8">
+            <a:extLst>
+              <a:ext uri="{FF2B5EF4-FFF2-40B4-BE49-F238E27FC236}">
+                <a16:creationId xmlns:a16="http://schemas.microsoft.com/office/drawing/2014/main" id="{C195882C-7294-DC0A-8135-A837F4CEA475}"/>
+              </a:ext>
+            </a:extLst>
+          </p:cNvPr>
+          <p:cNvPicPr>
+            <a:picLocks noChangeAspect="1"/>
+          </p:cNvPicPr>
+          <p:nvPr/>
+        </p:nvPicPr>
+        <p:blipFill>
+          <a:blip r:embed="rId2"/>
+          <a:stretch>
+            <a:fillRect/>
+          </a:stretch>
+        </p:blipFill>
+        <p:spPr>
+          <a:xfrm>
+            <a:off x="190019" y="1914886"/>
+            <a:ext cx="5583295" cy="3028228"/>
+          </a:xfrm>
+          <a:prstGeom prst="rect">
+            <a:avLst/>
+          </a:prstGeom>
+        </p:spPr>
+      </p:pic>
+      <p:pic>
+        <p:nvPicPr>
+          <p:cNvPr id="11" name="그림 10">
+            <a:extLst>
+              <a:ext uri="{FF2B5EF4-FFF2-40B4-BE49-F238E27FC236}">
+                <a16:creationId xmlns:a16="http://schemas.microsoft.com/office/drawing/2014/main" id="{49903E14-C053-1C84-8415-410D50D549EF}"/>
+              </a:ext>
+            </a:extLst>
+          </p:cNvPr>
+          <p:cNvPicPr>
+            <a:picLocks noChangeAspect="1"/>
+          </p:cNvPicPr>
+          <p:nvPr/>
+        </p:nvPicPr>
+        <p:blipFill>
+          <a:blip r:embed="rId3"/>
+          <a:stretch>
+            <a:fillRect/>
+          </a:stretch>
+        </p:blipFill>
+        <p:spPr>
+          <a:xfrm>
+            <a:off x="5574224" y="1938959"/>
+            <a:ext cx="6427757" cy="2886477"/>
+          </a:xfrm>
+          <a:prstGeom prst="rect">
+            <a:avLst/>
+          </a:prstGeom>
+        </p:spPr>
+      </p:pic>
+    </p:spTree>
+    <p:extLst>
+      <p:ext uri="{BB962C8B-B14F-4D97-AF65-F5344CB8AC3E}">
+        <p14:creationId xmlns:p14="http://schemas.microsoft.com/office/powerpoint/2010/main" val="176680502"/>
+      </p:ext>
+    </p:extLst>
+  </p:cSld>
+  <p:clrMapOvr>
+    <a:masterClrMapping/>
+  </p:clrMapOvr>
+</p:sld>
+</file>
+
+<file path=ppt/slides/slide16.xml><?xml version="1.0" encoding="utf-8"?>
+<p:sld xmlns:a="http://schemas.openxmlformats.org/drawingml/2006/main" xmlns:r="http://schemas.openxmlformats.org/officeDocument/2006/relationships" xmlns:p="http://schemas.openxmlformats.org/presentationml/2006/main">
+  <p:cSld>
+    <p:spTree>
+      <p:nvGrpSpPr>
+        <p:cNvPr id="1" name=""/>
+        <p:cNvGrpSpPr/>
+        <p:nvPr/>
+      </p:nvGrpSpPr>
+      <p:grpSpPr>
+        <a:xfrm>
+          <a:off x="0" y="0"/>
+          <a:ext cx="0" cy="0"/>
+          <a:chOff x="0" y="0"/>
+          <a:chExt cx="0" cy="0"/>
+        </a:xfrm>
+      </p:grpSpPr>
+      <p:sp>
+        <p:nvSpPr>
+          <p:cNvPr id="2" name="제목 1">
+            <a:extLst>
+              <a:ext uri="{FF2B5EF4-FFF2-40B4-BE49-F238E27FC236}">
+                <a16:creationId xmlns:a16="http://schemas.microsoft.com/office/drawing/2014/main" id="{7CBC3679-A3DF-4930-A237-94BE532DA3BD}"/>
+              </a:ext>
+            </a:extLst>
+          </p:cNvPr>
+          <p:cNvSpPr>
+            <a:spLocks noGrp="1"/>
+          </p:cNvSpPr>
+          <p:nvPr>
+            <p:ph type="title"/>
+          </p:nvPr>
+        </p:nvSpPr>
+        <p:spPr>
+          <a:xfrm>
+            <a:off x="190019" y="1"/>
+            <a:ext cx="7761790" cy="1325563"/>
+          </a:xfrm>
+        </p:spPr>
+        <p:txBody>
+          <a:bodyPr>
+            <a:normAutofit/>
+          </a:bodyPr>
+          <a:lstStyle/>
+          <a:p>
+            <a:r>
+              <a:rPr lang="en-US" altLang="ko-KR" dirty="0">
+                <a:latin typeface="Microsoft GothicNeo" panose="020B0500000101010101" pitchFamily="50" charset="-127"/>
+                <a:ea typeface="Microsoft GothicNeo" panose="020B0500000101010101" pitchFamily="50" charset="-127"/>
+                <a:cs typeface="Microsoft GothicNeo" panose="020B0500000101010101" pitchFamily="50" charset="-127"/>
+              </a:rPr>
+              <a:t>4. MobileNet-v2 - </a:t>
+            </a:r>
+            <a:r>
+              <a:rPr lang="ko-KR" altLang="en-US" dirty="0">
+                <a:latin typeface="Microsoft GothicNeo" panose="020B0500000101010101" pitchFamily="50" charset="-127"/>
+                <a:ea typeface="Microsoft GothicNeo" panose="020B0500000101010101" pitchFamily="50" charset="-127"/>
+                <a:cs typeface="Microsoft GothicNeo" panose="020B0500000101010101" pitchFamily="50" charset="-127"/>
+              </a:rPr>
+              <a:t>장단점</a:t>
+            </a:r>
+          </a:p>
+        </p:txBody>
+      </p:sp>
+      <p:cxnSp>
+        <p:nvCxnSpPr>
+          <p:cNvPr id="5" name="직선 연결선 4">
+            <a:extLst>
+              <a:ext uri="{FF2B5EF4-FFF2-40B4-BE49-F238E27FC236}">
+                <a16:creationId xmlns:a16="http://schemas.microsoft.com/office/drawing/2014/main" id="{DCC21655-3CEC-4FBA-9415-44F5DE40445B}"/>
+              </a:ext>
+            </a:extLst>
+          </p:cNvPr>
+          <p:cNvCxnSpPr>
+            <a:cxnSpLocks/>
+          </p:cNvCxnSpPr>
+          <p:nvPr/>
+        </p:nvCxnSpPr>
+        <p:spPr>
+          <a:xfrm>
+            <a:off x="2" y="1157469"/>
+            <a:ext cx="7951807" cy="0"/>
+          </a:xfrm>
+          <a:prstGeom prst="line">
+            <a:avLst/>
+          </a:prstGeom>
+        </p:spPr>
+        <p:style>
+          <a:lnRef idx="3">
+            <a:schemeClr val="dk1"/>
+          </a:lnRef>
+          <a:fillRef idx="0">
+            <a:schemeClr val="dk1"/>
+          </a:fillRef>
+          <a:effectRef idx="2">
+            <a:schemeClr val="dk1"/>
+          </a:effectRef>
+          <a:fontRef idx="minor">
+            <a:schemeClr val="tx1"/>
+          </a:fontRef>
+        </p:style>
+      </p:cxnSp>
+      <p:sp>
+        <p:nvSpPr>
+          <p:cNvPr id="12" name="내용 개체 틀 2">
+            <a:extLst>
+              <a:ext uri="{FF2B5EF4-FFF2-40B4-BE49-F238E27FC236}">
+                <a16:creationId xmlns:a16="http://schemas.microsoft.com/office/drawing/2014/main" id="{22E885CE-248F-1D27-492E-0E08FFFFCE99}"/>
+              </a:ext>
+            </a:extLst>
+          </p:cNvPr>
+          <p:cNvSpPr>
+            <a:spLocks noGrp="1"/>
+          </p:cNvSpPr>
+          <p:nvPr>
+            <p:ph idx="1"/>
+          </p:nvPr>
+        </p:nvSpPr>
+        <p:spPr>
+          <a:xfrm>
+            <a:off x="6930530" y="1821411"/>
+            <a:ext cx="4872747" cy="4656135"/>
+          </a:xfrm>
+        </p:spPr>
+        <p:txBody>
+          <a:bodyPr>
+            <a:normAutofit/>
+          </a:bodyPr>
+          <a:lstStyle/>
+          <a:p>
+            <a:r>
+              <a:rPr lang="ko-KR" altLang="en-US" sz="3200" dirty="0">
+                <a:solidFill>
+                  <a:schemeClr val="accent1"/>
+                </a:solidFill>
+                <a:latin typeface="Microsoft GothicNeo" panose="020B0500000101010101" pitchFamily="50" charset="-127"/>
+                <a:ea typeface="Microsoft GothicNeo" panose="020B0500000101010101" pitchFamily="50" charset="-127"/>
+                <a:cs typeface="Microsoft GothicNeo" panose="020B0500000101010101" pitchFamily="50" charset="-127"/>
+              </a:rPr>
+              <a:t>메모리 효율</a:t>
+            </a:r>
+            <a:r>
+              <a:rPr lang="en-US" altLang="ko-KR" sz="3200" dirty="0">
+                <a:solidFill>
+                  <a:schemeClr val="accent1"/>
+                </a:solidFill>
+                <a:latin typeface="Microsoft GothicNeo" panose="020B0500000101010101" pitchFamily="50" charset="-127"/>
+                <a:ea typeface="Microsoft GothicNeo" panose="020B0500000101010101" pitchFamily="50" charset="-127"/>
+                <a:cs typeface="Microsoft GothicNeo" panose="020B0500000101010101" pitchFamily="50" charset="-127"/>
+              </a:rPr>
+              <a:t>, </a:t>
+            </a:r>
+            <a:r>
+              <a:rPr lang="ko-KR" altLang="en-US" sz="3200" dirty="0">
+                <a:solidFill>
+                  <a:schemeClr val="accent1"/>
+                </a:solidFill>
+                <a:latin typeface="Microsoft GothicNeo" panose="020B0500000101010101" pitchFamily="50" charset="-127"/>
+                <a:ea typeface="Microsoft GothicNeo" panose="020B0500000101010101" pitchFamily="50" charset="-127"/>
+                <a:cs typeface="Microsoft GothicNeo" panose="020B0500000101010101" pitchFamily="50" charset="-127"/>
+              </a:rPr>
+              <a:t>적은 계산</a:t>
+            </a:r>
+            <a:endParaRPr lang="en-US" altLang="ko-KR" sz="3200" dirty="0">
+              <a:solidFill>
+                <a:schemeClr val="accent1"/>
+              </a:solidFill>
+              <a:latin typeface="Microsoft GothicNeo" panose="020B0500000101010101" pitchFamily="50" charset="-127"/>
+              <a:ea typeface="Microsoft GothicNeo" panose="020B0500000101010101" pitchFamily="50" charset="-127"/>
+              <a:cs typeface="Microsoft GothicNeo" panose="020B0500000101010101" pitchFamily="50" charset="-127"/>
+            </a:endParaRPr>
+          </a:p>
+          <a:p>
+            <a:r>
+              <a:rPr lang="ko-KR" altLang="en-US" sz="3200" dirty="0">
+                <a:solidFill>
+                  <a:schemeClr val="accent1"/>
+                </a:solidFill>
+                <a:latin typeface="Microsoft GothicNeo" panose="020B0500000101010101" pitchFamily="50" charset="-127"/>
+                <a:ea typeface="Microsoft GothicNeo" panose="020B0500000101010101" pitchFamily="50" charset="-127"/>
+                <a:cs typeface="Microsoft GothicNeo" panose="020B0500000101010101" pitchFamily="50" charset="-127"/>
+              </a:rPr>
+              <a:t>그럼에도 정확도 보장</a:t>
+            </a:r>
+            <a:endParaRPr lang="en-US" altLang="ko-KR" sz="3200" dirty="0">
+              <a:solidFill>
+                <a:schemeClr val="accent1"/>
+              </a:solidFill>
+              <a:latin typeface="Microsoft GothicNeo" panose="020B0500000101010101" pitchFamily="50" charset="-127"/>
+              <a:ea typeface="Microsoft GothicNeo" panose="020B0500000101010101" pitchFamily="50" charset="-127"/>
+              <a:cs typeface="Microsoft GothicNeo" panose="020B0500000101010101" pitchFamily="50" charset="-127"/>
+            </a:endParaRPr>
+          </a:p>
+          <a:p>
+            <a:r>
+              <a:rPr lang="ko-KR" altLang="en-US" sz="3200" dirty="0">
+                <a:solidFill>
+                  <a:schemeClr val="accent1"/>
+                </a:solidFill>
+                <a:latin typeface="Microsoft GothicNeo" panose="020B0500000101010101" pitchFamily="50" charset="-127"/>
+                <a:ea typeface="Microsoft GothicNeo" panose="020B0500000101010101" pitchFamily="50" charset="-127"/>
+                <a:cs typeface="Microsoft GothicNeo" panose="020B0500000101010101" pitchFamily="50" charset="-127"/>
+              </a:rPr>
+              <a:t>모바일 환경 타겟 유용</a:t>
+            </a:r>
+            <a:endParaRPr lang="en-US" altLang="ko-KR" sz="3200" dirty="0">
+              <a:solidFill>
+                <a:schemeClr val="accent1"/>
+              </a:solidFill>
+              <a:latin typeface="Microsoft GothicNeo" panose="020B0500000101010101" pitchFamily="50" charset="-127"/>
+              <a:ea typeface="Microsoft GothicNeo" panose="020B0500000101010101" pitchFamily="50" charset="-127"/>
+              <a:cs typeface="Microsoft GothicNeo" panose="020B0500000101010101" pitchFamily="50" charset="-127"/>
+            </a:endParaRPr>
+          </a:p>
+          <a:p>
+            <a:endParaRPr lang="en-US" altLang="ko-KR" sz="3200" dirty="0">
+              <a:latin typeface="Microsoft GothicNeo" panose="020B0500000101010101" pitchFamily="50" charset="-127"/>
+              <a:ea typeface="Microsoft GothicNeo" panose="020B0500000101010101" pitchFamily="50" charset="-127"/>
+              <a:cs typeface="Microsoft GothicNeo" panose="020B0500000101010101" pitchFamily="50" charset="-127"/>
+            </a:endParaRPr>
+          </a:p>
+          <a:p>
+            <a:r>
+              <a:rPr lang="ko-KR" altLang="en-US" sz="3200" dirty="0">
+                <a:solidFill>
+                  <a:srgbClr val="C00000"/>
+                </a:solidFill>
+                <a:latin typeface="Microsoft GothicNeo" panose="020B0500000101010101" pitchFamily="50" charset="-127"/>
+                <a:ea typeface="Microsoft GothicNeo" panose="020B0500000101010101" pitchFamily="50" charset="-127"/>
+                <a:cs typeface="Microsoft GothicNeo" panose="020B0500000101010101" pitchFamily="50" charset="-127"/>
+              </a:rPr>
+              <a:t>정확도 측면에서는 크게 </a:t>
+            </a:r>
+            <a:endParaRPr lang="en-US" altLang="ko-KR" sz="3200" dirty="0">
+              <a:solidFill>
+                <a:srgbClr val="C00000"/>
+              </a:solidFill>
+              <a:latin typeface="Microsoft GothicNeo" panose="020B0500000101010101" pitchFamily="50" charset="-127"/>
+              <a:ea typeface="Microsoft GothicNeo" panose="020B0500000101010101" pitchFamily="50" charset="-127"/>
+              <a:cs typeface="Microsoft GothicNeo" panose="020B0500000101010101" pitchFamily="50" charset="-127"/>
+            </a:endParaRPr>
+          </a:p>
+          <a:p>
+            <a:pPr marL="0" indent="0">
+              <a:buNone/>
+            </a:pPr>
+            <a:r>
+              <a:rPr lang="en-US" altLang="ko-KR" sz="3200" dirty="0">
+                <a:solidFill>
+                  <a:srgbClr val="C00000"/>
+                </a:solidFill>
+                <a:latin typeface="Microsoft GothicNeo" panose="020B0500000101010101" pitchFamily="50" charset="-127"/>
+                <a:ea typeface="Microsoft GothicNeo" panose="020B0500000101010101" pitchFamily="50" charset="-127"/>
+                <a:cs typeface="Microsoft GothicNeo" panose="020B0500000101010101" pitchFamily="50" charset="-127"/>
+              </a:rPr>
+              <a:t>  </a:t>
+            </a:r>
+            <a:r>
+              <a:rPr lang="ko-KR" altLang="en-US" sz="3200" dirty="0">
+                <a:solidFill>
+                  <a:srgbClr val="C00000"/>
+                </a:solidFill>
+                <a:latin typeface="Microsoft GothicNeo" panose="020B0500000101010101" pitchFamily="50" charset="-127"/>
+                <a:ea typeface="Microsoft GothicNeo" panose="020B0500000101010101" pitchFamily="50" charset="-127"/>
+                <a:cs typeface="Microsoft GothicNeo" panose="020B0500000101010101" pitchFamily="50" charset="-127"/>
+              </a:rPr>
+              <a:t>개선되지 않음</a:t>
+            </a:r>
+            <a:endParaRPr lang="en-US" altLang="ko-KR" sz="3200" dirty="0">
+              <a:latin typeface="Microsoft GothicNeo" panose="020B0500000101010101" pitchFamily="50" charset="-127"/>
+              <a:ea typeface="Microsoft GothicNeo" panose="020B0500000101010101" pitchFamily="50" charset="-127"/>
+              <a:cs typeface="Microsoft GothicNeo" panose="020B0500000101010101" pitchFamily="50" charset="-127"/>
+            </a:endParaRPr>
+          </a:p>
+        </p:txBody>
+      </p:sp>
+      <p:pic>
+        <p:nvPicPr>
+          <p:cNvPr id="7170" name="Picture 2" descr="Neural Network Architectures. Deep neural networks and Deep Learning… | by  Eugenio Culurciello | Towards Data Science">
+            <a:extLst>
+              <a:ext uri="{FF2B5EF4-FFF2-40B4-BE49-F238E27FC236}">
+                <a16:creationId xmlns:a16="http://schemas.microsoft.com/office/drawing/2014/main" id="{733156ED-A5C0-A972-BE8E-C14048B606B9}"/>
+              </a:ext>
+            </a:extLst>
+          </p:cNvPr>
+          <p:cNvPicPr>
+            <a:picLocks noChangeAspect="1" noChangeArrowheads="1"/>
+          </p:cNvPicPr>
+          <p:nvPr/>
+        </p:nvPicPr>
+        <p:blipFill>
+          <a:blip r:embed="rId2">
+            <a:extLst>
+              <a:ext uri="{28A0092B-C50C-407E-A947-70E740481C1C}">
+                <a14:useLocalDpi xmlns:a14="http://schemas.microsoft.com/office/drawing/2010/main" val="0"/>
+              </a:ext>
+            </a:extLst>
+          </a:blip>
+          <a:srcRect/>
+          <a:stretch>
+            <a:fillRect/>
+          </a:stretch>
+        </p:blipFill>
+        <p:spPr bwMode="auto">
+          <a:xfrm>
+            <a:off x="190019" y="1652913"/>
+            <a:ext cx="6348412" cy="4244064"/>
+          </a:xfrm>
+          <a:prstGeom prst="rect">
+            <a:avLst/>
+          </a:prstGeom>
+          <a:noFill/>
+          <a:extLst>
+            <a:ext uri="{909E8E84-426E-40DD-AFC4-6F175D3DCCD1}">
+              <a14:hiddenFill xmlns:a14="http://schemas.microsoft.com/office/drawing/2010/main">
+                <a:solidFill>
+                  <a:srgbClr val="FFFFFF"/>
+                </a:solidFill>
+              </a14:hiddenFill>
+            </a:ext>
+          </a:extLst>
+        </p:spPr>
+      </p:pic>
+    </p:spTree>
+    <p:extLst>
+      <p:ext uri="{BB962C8B-B14F-4D97-AF65-F5344CB8AC3E}">
+        <p14:creationId xmlns:p14="http://schemas.microsoft.com/office/powerpoint/2010/main" val="14561120"/>
+      </p:ext>
+    </p:extLst>
+  </p:cSld>
+  <p:clrMapOvr>
+    <a:masterClrMapping/>
+  </p:clrMapOvr>
+</p:sld>
+</file>
+
+<file path=ppt/slides/slide17.xml><?xml version="1.0" encoding="utf-8"?>
+<p:sld xmlns:a="http://schemas.openxmlformats.org/drawingml/2006/main" xmlns:r="http://schemas.openxmlformats.org/officeDocument/2006/relationships" xmlns:p="http://schemas.openxmlformats.org/presentationml/2006/main">
+  <p:cSld>
+    <p:spTree>
+      <p:nvGrpSpPr>
+        <p:cNvPr id="1" name=""/>
+        <p:cNvGrpSpPr/>
+        <p:nvPr/>
+      </p:nvGrpSpPr>
+      <p:grpSpPr>
+        <a:xfrm>
+          <a:off x="0" y="0"/>
+          <a:ext cx="0" cy="0"/>
+          <a:chOff x="0" y="0"/>
+          <a:chExt cx="0" cy="0"/>
+        </a:xfrm>
+      </p:grpSpPr>
+      <p:sp>
+        <p:nvSpPr>
+          <p:cNvPr id="2" name="제목 1">
+            <a:extLst>
+              <a:ext uri="{FF2B5EF4-FFF2-40B4-BE49-F238E27FC236}">
+                <a16:creationId xmlns:a16="http://schemas.microsoft.com/office/drawing/2014/main" id="{7CBC3679-A3DF-4930-A237-94BE532DA3BD}"/>
+              </a:ext>
+            </a:extLst>
+          </p:cNvPr>
+          <p:cNvSpPr>
+            <a:spLocks noGrp="1"/>
+          </p:cNvSpPr>
+          <p:nvPr>
+            <p:ph type="title"/>
+          </p:nvPr>
+        </p:nvSpPr>
+        <p:spPr>
+          <a:xfrm>
+            <a:off x="190019" y="1"/>
+            <a:ext cx="6673768" cy="1325563"/>
+          </a:xfrm>
+        </p:spPr>
+        <p:txBody>
+          <a:bodyPr>
+            <a:normAutofit/>
+          </a:bodyPr>
+          <a:lstStyle/>
+          <a:p>
+            <a:r>
+              <a:rPr lang="en-US" altLang="ko-KR" dirty="0">
+                <a:latin typeface="Microsoft GothicNeo" panose="020B0500000101010101" pitchFamily="50" charset="-127"/>
+                <a:ea typeface="Microsoft GothicNeo" panose="020B0500000101010101" pitchFamily="50" charset="-127"/>
+                <a:cs typeface="Microsoft GothicNeo" panose="020B0500000101010101" pitchFamily="50" charset="-127"/>
+              </a:rPr>
+              <a:t>5. </a:t>
+            </a:r>
+            <a:r>
+              <a:rPr lang="en-US" altLang="ko-KR" dirty="0" err="1">
+                <a:latin typeface="Microsoft GothicNeo" panose="020B0500000101010101" pitchFamily="50" charset="-127"/>
+                <a:ea typeface="Microsoft GothicNeo" panose="020B0500000101010101" pitchFamily="50" charset="-127"/>
+                <a:cs typeface="Microsoft GothicNeo" panose="020B0500000101010101" pitchFamily="50" charset="-127"/>
+              </a:rPr>
+              <a:t>pytorch</a:t>
+            </a:r>
+            <a:r>
+              <a:rPr lang="en-US" altLang="ko-KR" dirty="0">
+                <a:latin typeface="Microsoft GothicNeo" panose="020B0500000101010101" pitchFamily="50" charset="-127"/>
+                <a:ea typeface="Microsoft GothicNeo" panose="020B0500000101010101" pitchFamily="50" charset="-127"/>
+                <a:cs typeface="Microsoft GothicNeo" panose="020B0500000101010101" pitchFamily="50" charset="-127"/>
+              </a:rPr>
+              <a:t> </a:t>
+            </a:r>
+            <a:r>
+              <a:rPr lang="ko-KR" altLang="en-US" dirty="0">
+                <a:latin typeface="Microsoft GothicNeo" panose="020B0500000101010101" pitchFamily="50" charset="-127"/>
+                <a:ea typeface="Microsoft GothicNeo" panose="020B0500000101010101" pitchFamily="50" charset="-127"/>
+                <a:cs typeface="Microsoft GothicNeo" panose="020B0500000101010101" pitchFamily="50" charset="-127"/>
+              </a:rPr>
+              <a:t>구현</a:t>
+            </a:r>
+          </a:p>
+        </p:txBody>
+      </p:sp>
+      <p:cxnSp>
+        <p:nvCxnSpPr>
+          <p:cNvPr id="5" name="직선 연결선 4">
+            <a:extLst>
+              <a:ext uri="{FF2B5EF4-FFF2-40B4-BE49-F238E27FC236}">
+                <a16:creationId xmlns:a16="http://schemas.microsoft.com/office/drawing/2014/main" id="{DCC21655-3CEC-4FBA-9415-44F5DE40445B}"/>
+              </a:ext>
+            </a:extLst>
+          </p:cNvPr>
+          <p:cNvCxnSpPr>
+            <a:cxnSpLocks/>
+          </p:cNvCxnSpPr>
+          <p:nvPr/>
+        </p:nvCxnSpPr>
+        <p:spPr>
+          <a:xfrm>
+            <a:off x="2" y="1157469"/>
+            <a:ext cx="7951807" cy="0"/>
+          </a:xfrm>
+          <a:prstGeom prst="line">
+            <a:avLst/>
+          </a:prstGeom>
+        </p:spPr>
+        <p:style>
+          <a:lnRef idx="3">
+            <a:schemeClr val="dk1"/>
+          </a:lnRef>
+          <a:fillRef idx="0">
+            <a:schemeClr val="dk1"/>
+          </a:fillRef>
+          <a:effectRef idx="2">
+            <a:schemeClr val="dk1"/>
+          </a:effectRef>
+          <a:fontRef idx="minor">
+            <a:schemeClr val="tx1"/>
+          </a:fontRef>
+        </p:style>
+      </p:cxnSp>
+      <p:sp>
+        <p:nvSpPr>
+          <p:cNvPr id="7" name="내용 개체 틀 2">
+            <a:extLst>
+              <a:ext uri="{FF2B5EF4-FFF2-40B4-BE49-F238E27FC236}">
+                <a16:creationId xmlns:a16="http://schemas.microsoft.com/office/drawing/2014/main" id="{162CF637-5471-494C-99C5-AE9C5E39D828}"/>
+              </a:ext>
+            </a:extLst>
+          </p:cNvPr>
+          <p:cNvSpPr>
+            <a:spLocks noGrp="1"/>
+          </p:cNvSpPr>
+          <p:nvPr>
+            <p:ph idx="1"/>
+          </p:nvPr>
+        </p:nvSpPr>
+        <p:spPr>
+          <a:xfrm>
+            <a:off x="463826" y="6041240"/>
+            <a:ext cx="7889174" cy="731240"/>
+          </a:xfrm>
+        </p:spPr>
+        <p:txBody>
+          <a:bodyPr>
+            <a:normAutofit/>
+          </a:bodyPr>
+          <a:lstStyle/>
+          <a:p>
+            <a:r>
+              <a:rPr lang="ko-KR" altLang="en-US" sz="3200" dirty="0">
+                <a:solidFill>
+                  <a:schemeClr val="accent1"/>
+                </a:solidFill>
+                <a:latin typeface="Microsoft GothicNeo" panose="020B0500000101010101" pitchFamily="50" charset="-127"/>
+                <a:ea typeface="Microsoft GothicNeo" panose="020B0500000101010101" pitchFamily="50" charset="-127"/>
+                <a:cs typeface="Microsoft GothicNeo" panose="020B0500000101010101" pitchFamily="50" charset="-127"/>
+              </a:rPr>
+              <a:t>다양한 레퍼런스 참고하여 구현 및 테스트</a:t>
+            </a:r>
+            <a:endParaRPr lang="en-US" altLang="ko-KR" sz="3200" dirty="0">
+              <a:latin typeface="Microsoft GothicNeo" panose="020B0500000101010101" pitchFamily="50" charset="-127"/>
+              <a:ea typeface="Microsoft GothicNeo" panose="020B0500000101010101" pitchFamily="50" charset="-127"/>
+              <a:cs typeface="Microsoft GothicNeo" panose="020B0500000101010101" pitchFamily="50" charset="-127"/>
+            </a:endParaRPr>
+          </a:p>
+        </p:txBody>
+      </p:sp>
+      <p:pic>
+        <p:nvPicPr>
+          <p:cNvPr id="11" name="그림 10">
+            <a:extLst>
+              <a:ext uri="{FF2B5EF4-FFF2-40B4-BE49-F238E27FC236}">
+                <a16:creationId xmlns:a16="http://schemas.microsoft.com/office/drawing/2014/main" id="{60A39766-184C-971D-83EA-55EB65779E62}"/>
+              </a:ext>
+            </a:extLst>
+          </p:cNvPr>
+          <p:cNvPicPr>
+            <a:picLocks noChangeAspect="1"/>
+          </p:cNvPicPr>
+          <p:nvPr/>
+        </p:nvPicPr>
+        <p:blipFill>
+          <a:blip r:embed="rId2"/>
+          <a:stretch>
+            <a:fillRect/>
+          </a:stretch>
+        </p:blipFill>
+        <p:spPr>
+          <a:xfrm>
+            <a:off x="2971349" y="1325564"/>
+            <a:ext cx="6249301" cy="4490648"/>
+          </a:xfrm>
+          <a:prstGeom prst="rect">
+            <a:avLst/>
+          </a:prstGeom>
+        </p:spPr>
+      </p:pic>
+    </p:spTree>
+    <p:extLst>
+      <p:ext uri="{BB962C8B-B14F-4D97-AF65-F5344CB8AC3E}">
+        <p14:creationId xmlns:p14="http://schemas.microsoft.com/office/powerpoint/2010/main" val="3202475042"/>
+      </p:ext>
+    </p:extLst>
+  </p:cSld>
+  <p:clrMapOvr>
+    <a:masterClrMapping/>
+  </p:clrMapOvr>
+</p:sld>
+</file>
+
+<file path=ppt/slides/slide18.xml><?xml version="1.0" encoding="utf-8"?>
+<p:sld xmlns:a="http://schemas.openxmlformats.org/drawingml/2006/main" xmlns:r="http://schemas.openxmlformats.org/officeDocument/2006/relationships" xmlns:p="http://schemas.openxmlformats.org/presentationml/2006/main">
+  <p:cSld>
+    <p:spTree>
+      <p:nvGrpSpPr>
+        <p:cNvPr id="1" name=""/>
+        <p:cNvGrpSpPr/>
+        <p:nvPr/>
+      </p:nvGrpSpPr>
+      <p:grpSpPr>
+        <a:xfrm>
+          <a:off x="0" y="0"/>
+          <a:ext cx="0" cy="0"/>
+          <a:chOff x="0" y="0"/>
+          <a:chExt cx="0" cy="0"/>
+        </a:xfrm>
+      </p:grpSpPr>
+      <p:sp>
+        <p:nvSpPr>
+          <p:cNvPr id="2" name="제목 1">
+            <a:extLst>
+              <a:ext uri="{FF2B5EF4-FFF2-40B4-BE49-F238E27FC236}">
+                <a16:creationId xmlns:a16="http://schemas.microsoft.com/office/drawing/2014/main" id="{7CBC3679-A3DF-4930-A237-94BE532DA3BD}"/>
+              </a:ext>
+            </a:extLst>
+          </p:cNvPr>
+          <p:cNvSpPr>
+            <a:spLocks noGrp="1"/>
+          </p:cNvSpPr>
+          <p:nvPr>
+            <p:ph type="title"/>
+          </p:nvPr>
+        </p:nvSpPr>
+        <p:spPr>
+          <a:xfrm>
+            <a:off x="190019" y="1"/>
+            <a:ext cx="6673768" cy="1325563"/>
+          </a:xfrm>
+        </p:spPr>
+        <p:txBody>
+          <a:bodyPr>
+            <a:normAutofit/>
+          </a:bodyPr>
+          <a:lstStyle/>
+          <a:p>
+            <a:r>
+              <a:rPr lang="en-US" altLang="ko-KR" dirty="0">
+                <a:latin typeface="Microsoft GothicNeo" panose="020B0500000101010101" pitchFamily="50" charset="-127"/>
+                <a:ea typeface="Microsoft GothicNeo" panose="020B0500000101010101" pitchFamily="50" charset="-127"/>
+                <a:cs typeface="Microsoft GothicNeo" panose="020B0500000101010101" pitchFamily="50" charset="-127"/>
+              </a:rPr>
+              <a:t>5. </a:t>
+            </a:r>
+            <a:r>
+              <a:rPr lang="en-US" altLang="ko-KR" dirty="0" err="1">
+                <a:latin typeface="Microsoft GothicNeo" panose="020B0500000101010101" pitchFamily="50" charset="-127"/>
+                <a:ea typeface="Microsoft GothicNeo" panose="020B0500000101010101" pitchFamily="50" charset="-127"/>
+                <a:cs typeface="Microsoft GothicNeo" panose="020B0500000101010101" pitchFamily="50" charset="-127"/>
+              </a:rPr>
+              <a:t>pytorch</a:t>
+            </a:r>
+            <a:r>
+              <a:rPr lang="en-US" altLang="ko-KR" dirty="0">
+                <a:latin typeface="Microsoft GothicNeo" panose="020B0500000101010101" pitchFamily="50" charset="-127"/>
+                <a:ea typeface="Microsoft GothicNeo" panose="020B0500000101010101" pitchFamily="50" charset="-127"/>
+                <a:cs typeface="Microsoft GothicNeo" panose="020B0500000101010101" pitchFamily="50" charset="-127"/>
+              </a:rPr>
+              <a:t> </a:t>
+            </a:r>
+            <a:r>
+              <a:rPr lang="ko-KR" altLang="en-US" dirty="0">
+                <a:latin typeface="Microsoft GothicNeo" panose="020B0500000101010101" pitchFamily="50" charset="-127"/>
+                <a:ea typeface="Microsoft GothicNeo" panose="020B0500000101010101" pitchFamily="50" charset="-127"/>
+                <a:cs typeface="Microsoft GothicNeo" panose="020B0500000101010101" pitchFamily="50" charset="-127"/>
+              </a:rPr>
+              <a:t>구현 </a:t>
+            </a:r>
+            <a:r>
+              <a:rPr lang="en-US" altLang="ko-KR" dirty="0">
+                <a:latin typeface="Microsoft GothicNeo" panose="020B0500000101010101" pitchFamily="50" charset="-127"/>
+                <a:ea typeface="Microsoft GothicNeo" panose="020B0500000101010101" pitchFamily="50" charset="-127"/>
+                <a:cs typeface="Microsoft GothicNeo" panose="020B0500000101010101" pitchFamily="50" charset="-127"/>
+              </a:rPr>
+              <a:t>(cond.)</a:t>
+            </a:r>
+            <a:endParaRPr lang="ko-KR" altLang="en-US" dirty="0">
+              <a:latin typeface="Microsoft GothicNeo" panose="020B0500000101010101" pitchFamily="50" charset="-127"/>
+              <a:ea typeface="Microsoft GothicNeo" panose="020B0500000101010101" pitchFamily="50" charset="-127"/>
+              <a:cs typeface="Microsoft GothicNeo" panose="020B0500000101010101" pitchFamily="50" charset="-127"/>
+            </a:endParaRPr>
+          </a:p>
+        </p:txBody>
+      </p:sp>
+      <p:cxnSp>
+        <p:nvCxnSpPr>
+          <p:cNvPr id="5" name="직선 연결선 4">
+            <a:extLst>
+              <a:ext uri="{FF2B5EF4-FFF2-40B4-BE49-F238E27FC236}">
+                <a16:creationId xmlns:a16="http://schemas.microsoft.com/office/drawing/2014/main" id="{DCC21655-3CEC-4FBA-9415-44F5DE40445B}"/>
+              </a:ext>
+            </a:extLst>
+          </p:cNvPr>
+          <p:cNvCxnSpPr>
+            <a:cxnSpLocks/>
+          </p:cNvCxnSpPr>
+          <p:nvPr/>
+        </p:nvCxnSpPr>
+        <p:spPr>
+          <a:xfrm>
+            <a:off x="2" y="1157469"/>
+            <a:ext cx="7951807" cy="0"/>
+          </a:xfrm>
+          <a:prstGeom prst="line">
+            <a:avLst/>
+          </a:prstGeom>
+        </p:spPr>
+        <p:style>
+          <a:lnRef idx="3">
+            <a:schemeClr val="dk1"/>
+          </a:lnRef>
+          <a:fillRef idx="0">
+            <a:schemeClr val="dk1"/>
+          </a:fillRef>
+          <a:effectRef idx="2">
+            <a:schemeClr val="dk1"/>
+          </a:effectRef>
+          <a:fontRef idx="minor">
+            <a:schemeClr val="tx1"/>
+          </a:fontRef>
+        </p:style>
+      </p:cxnSp>
+      <p:pic>
+        <p:nvPicPr>
+          <p:cNvPr id="4" name="그림 3">
+            <a:extLst>
+              <a:ext uri="{FF2B5EF4-FFF2-40B4-BE49-F238E27FC236}">
+                <a16:creationId xmlns:a16="http://schemas.microsoft.com/office/drawing/2014/main" id="{4FBFD5D0-A95E-8DB0-E291-7095376A59C4}"/>
+              </a:ext>
+            </a:extLst>
+          </p:cNvPr>
+          <p:cNvPicPr>
+            <a:picLocks noChangeAspect="1"/>
+          </p:cNvPicPr>
+          <p:nvPr/>
+        </p:nvPicPr>
+        <p:blipFill>
+          <a:blip r:embed="rId2"/>
+          <a:stretch>
+            <a:fillRect/>
+          </a:stretch>
+        </p:blipFill>
+        <p:spPr>
+          <a:xfrm>
+            <a:off x="463826" y="1296406"/>
+            <a:ext cx="6781642" cy="4533223"/>
+          </a:xfrm>
+          <a:prstGeom prst="rect">
+            <a:avLst/>
+          </a:prstGeom>
+        </p:spPr>
+      </p:pic>
+      <p:sp>
+        <p:nvSpPr>
+          <p:cNvPr id="7" name="내용 개체 틀 2">
+            <a:extLst>
+              <a:ext uri="{FF2B5EF4-FFF2-40B4-BE49-F238E27FC236}">
+                <a16:creationId xmlns:a16="http://schemas.microsoft.com/office/drawing/2014/main" id="{162CF637-5471-494C-99C5-AE9C5E39D828}"/>
+              </a:ext>
+            </a:extLst>
+          </p:cNvPr>
+          <p:cNvSpPr>
+            <a:spLocks noGrp="1"/>
+          </p:cNvSpPr>
+          <p:nvPr>
+            <p:ph idx="1"/>
+          </p:nvPr>
+        </p:nvSpPr>
+        <p:spPr>
+          <a:xfrm>
+            <a:off x="463826" y="6041240"/>
+            <a:ext cx="7889174" cy="731240"/>
+          </a:xfrm>
+        </p:spPr>
+        <p:txBody>
+          <a:bodyPr>
+            <a:normAutofit/>
+          </a:bodyPr>
+          <a:lstStyle/>
+          <a:p>
+            <a:r>
+              <a:rPr lang="ko-KR" altLang="en-US" sz="3200" dirty="0">
+                <a:solidFill>
+                  <a:schemeClr val="accent1"/>
+                </a:solidFill>
+                <a:latin typeface="Microsoft GothicNeo" panose="020B0500000101010101" pitchFamily="50" charset="-127"/>
+                <a:ea typeface="Microsoft GothicNeo" panose="020B0500000101010101" pitchFamily="50" charset="-127"/>
+                <a:cs typeface="Microsoft GothicNeo" panose="020B0500000101010101" pitchFamily="50" charset="-127"/>
+              </a:rPr>
+              <a:t>다양한 레퍼런스 참고하여 구현 및 테스트</a:t>
+            </a:r>
+            <a:endParaRPr lang="en-US" altLang="ko-KR" sz="3200" dirty="0">
+              <a:latin typeface="Microsoft GothicNeo" panose="020B0500000101010101" pitchFamily="50" charset="-127"/>
+              <a:ea typeface="Microsoft GothicNeo" panose="020B0500000101010101" pitchFamily="50" charset="-127"/>
+              <a:cs typeface="Microsoft GothicNeo" panose="020B0500000101010101" pitchFamily="50" charset="-127"/>
+            </a:endParaRPr>
+          </a:p>
+        </p:txBody>
+      </p:sp>
+      <p:pic>
+        <p:nvPicPr>
+          <p:cNvPr id="9" name="그림 8">
+            <a:extLst>
+              <a:ext uri="{FF2B5EF4-FFF2-40B4-BE49-F238E27FC236}">
+                <a16:creationId xmlns:a16="http://schemas.microsoft.com/office/drawing/2014/main" id="{2E33E0AC-BCDB-5A88-F5B8-98B02B04E9E9}"/>
+              </a:ext>
+            </a:extLst>
+          </p:cNvPr>
+          <p:cNvPicPr>
+            <a:picLocks noChangeAspect="1"/>
+          </p:cNvPicPr>
+          <p:nvPr/>
+        </p:nvPicPr>
+        <p:blipFill>
+          <a:blip r:embed="rId3"/>
+          <a:stretch>
+            <a:fillRect/>
+          </a:stretch>
+        </p:blipFill>
+        <p:spPr>
+          <a:xfrm>
+            <a:off x="7613651" y="197031"/>
+            <a:ext cx="4246354" cy="5844209"/>
+          </a:xfrm>
+          <a:prstGeom prst="rect">
+            <a:avLst/>
+          </a:prstGeom>
+        </p:spPr>
+      </p:pic>
+    </p:spTree>
+    <p:extLst>
+      <p:ext uri="{BB962C8B-B14F-4D97-AF65-F5344CB8AC3E}">
+        <p14:creationId xmlns:p14="http://schemas.microsoft.com/office/powerpoint/2010/main" val="3248672416"/>
+      </p:ext>
+    </p:extLst>
+  </p:cSld>
+  <p:clrMapOvr>
+    <a:masterClrMapping/>
+  </p:clrMapOvr>
+</p:sld>
+</file>
+
+<file path=ppt/slides/slide19.xml><?xml version="1.0" encoding="utf-8"?>
+<p:sld xmlns:a="http://schemas.openxmlformats.org/drawingml/2006/main" xmlns:r="http://schemas.openxmlformats.org/officeDocument/2006/relationships" xmlns:p="http://schemas.openxmlformats.org/presentationml/2006/main">
+  <p:cSld>
+    <p:spTree>
+      <p:nvGrpSpPr>
+        <p:cNvPr id="1" name=""/>
+        <p:cNvGrpSpPr/>
+        <p:nvPr/>
+      </p:nvGrpSpPr>
+      <p:grpSpPr>
+        <a:xfrm>
+          <a:off x="0" y="0"/>
+          <a:ext cx="0" cy="0"/>
+          <a:chOff x="0" y="0"/>
+          <a:chExt cx="0" cy="0"/>
+        </a:xfrm>
+      </p:grpSpPr>
+      <p:grpSp>
+        <p:nvGrpSpPr>
+          <p:cNvPr id="26" name="그룹 25">
+            <a:extLst>
+              <a:ext uri="{FF2B5EF4-FFF2-40B4-BE49-F238E27FC236}">
+                <a16:creationId xmlns:a16="http://schemas.microsoft.com/office/drawing/2014/main" id="{B4BA99CB-AD42-DE73-D206-01F05AC4AE10}"/>
+              </a:ext>
+            </a:extLst>
+          </p:cNvPr>
+          <p:cNvGrpSpPr/>
+          <p:nvPr/>
+        </p:nvGrpSpPr>
+        <p:grpSpPr>
+          <a:xfrm>
+            <a:off x="2220700" y="5041253"/>
+            <a:ext cx="8300838" cy="1816746"/>
+            <a:chOff x="-4961013" y="2717801"/>
+            <a:chExt cx="9152013" cy="3509662"/>
+          </a:xfrm>
+        </p:grpSpPr>
+        <p:sp>
+          <p:nvSpPr>
+            <p:cNvPr id="27" name="사각형: 둥근 모서리 26">
+              <a:extLst>
+                <a:ext uri="{FF2B5EF4-FFF2-40B4-BE49-F238E27FC236}">
+                  <a16:creationId xmlns:a16="http://schemas.microsoft.com/office/drawing/2014/main" id="{DE44C98F-230E-BA43-1EE4-DA70B17A1DDF}"/>
+                </a:ext>
+              </a:extLst>
+            </p:cNvPr>
+            <p:cNvSpPr/>
+            <p:nvPr/>
+          </p:nvSpPr>
+          <p:spPr>
+            <a:xfrm>
+              <a:off x="-4961013" y="2717801"/>
+              <a:ext cx="9152013" cy="3509662"/>
+            </a:xfrm>
+            <a:prstGeom prst="roundRect">
+              <a:avLst/>
+            </a:prstGeom>
+            <a:gradFill>
+              <a:gsLst>
+                <a:gs pos="0">
+                  <a:srgbClr val="4E94DA"/>
+                </a:gs>
+                <a:gs pos="65000">
+                  <a:srgbClr val="8BABDA"/>
+                </a:gs>
+                <a:gs pos="100000">
+                  <a:schemeClr val="accent1">
+                    <a:lumMod val="45000"/>
+                    <a:lumOff val="55000"/>
+                  </a:schemeClr>
+                </a:gs>
+              </a:gsLst>
+              <a:lin ang="5400000" scaled="1"/>
+            </a:gradFill>
+            <a:ln>
+              <a:noFill/>
+            </a:ln>
+          </p:spPr>
+          <p:style>
+            <a:lnRef idx="2">
+              <a:schemeClr val="accent1">
+                <a:shade val="50000"/>
+              </a:schemeClr>
+            </a:lnRef>
+            <a:fillRef idx="1">
+              <a:schemeClr val="accent1"/>
+            </a:fillRef>
+            <a:effectRef idx="0">
+              <a:schemeClr val="accent1"/>
+            </a:effectRef>
+            <a:fontRef idx="minor">
+              <a:schemeClr val="lt1"/>
+            </a:fontRef>
+          </p:style>
+          <p:txBody>
+            <a:bodyPr rtlCol="0" anchor="ctr"/>
+            <a:lstStyle/>
+            <a:p>
+              <a:pPr algn="ctr"/>
+              <a:endParaRPr lang="ko-KR" altLang="en-US" dirty="0"/>
+            </a:p>
+          </p:txBody>
+        </p:sp>
+        <p:sp>
+          <p:nvSpPr>
+            <p:cNvPr id="28" name="사각형: 둥근 모서리 27">
+              <a:extLst>
+                <a:ext uri="{FF2B5EF4-FFF2-40B4-BE49-F238E27FC236}">
+                  <a16:creationId xmlns:a16="http://schemas.microsoft.com/office/drawing/2014/main" id="{9203EE95-2185-5031-CAF5-924385EB09BA}"/>
+                </a:ext>
+              </a:extLst>
+            </p:cNvPr>
+            <p:cNvSpPr/>
+            <p:nvPr/>
+          </p:nvSpPr>
+          <p:spPr>
+            <a:xfrm>
+              <a:off x="-4830098" y="2836824"/>
+              <a:ext cx="8898843" cy="3279064"/>
+            </a:xfrm>
+            <a:prstGeom prst="roundRect">
+              <a:avLst/>
+            </a:prstGeom>
+            <a:solidFill>
+              <a:schemeClr val="bg1"/>
+            </a:solidFill>
+            <a:ln>
+              <a:noFill/>
+            </a:ln>
+          </p:spPr>
+          <p:style>
+            <a:lnRef idx="2">
+              <a:schemeClr val="accent1">
+                <a:shade val="50000"/>
+              </a:schemeClr>
+            </a:lnRef>
+            <a:fillRef idx="1">
+              <a:schemeClr val="accent1"/>
+            </a:fillRef>
+            <a:effectRef idx="0">
+              <a:schemeClr val="accent1"/>
+            </a:effectRef>
+            <a:fontRef idx="minor">
+              <a:schemeClr val="lt1"/>
+            </a:fontRef>
+          </p:style>
+          <p:txBody>
+            <a:bodyPr rtlCol="0" anchor="ctr"/>
+            <a:lstStyle/>
+            <a:p>
+              <a:pPr algn="ctr"/>
+              <a:endParaRPr lang="ko-KR" altLang="en-US" dirty="0"/>
+            </a:p>
+          </p:txBody>
+        </p:sp>
+      </p:grpSp>
+      <p:grpSp>
+        <p:nvGrpSpPr>
+          <p:cNvPr id="21" name="그룹 20">
+            <a:extLst>
+              <a:ext uri="{FF2B5EF4-FFF2-40B4-BE49-F238E27FC236}">
+                <a16:creationId xmlns:a16="http://schemas.microsoft.com/office/drawing/2014/main" id="{36FE1128-2525-F6BA-379B-AB9B85854344}"/>
+              </a:ext>
+            </a:extLst>
+          </p:cNvPr>
+          <p:cNvGrpSpPr/>
+          <p:nvPr/>
+        </p:nvGrpSpPr>
+        <p:grpSpPr>
+          <a:xfrm>
+            <a:off x="2220700" y="3151257"/>
+            <a:ext cx="8300838" cy="1816746"/>
+            <a:chOff x="-4961013" y="2717801"/>
+            <a:chExt cx="9152013" cy="3509662"/>
+          </a:xfrm>
+        </p:grpSpPr>
+        <p:sp>
+          <p:nvSpPr>
+            <p:cNvPr id="22" name="사각형: 둥근 모서리 21">
+              <a:extLst>
+                <a:ext uri="{FF2B5EF4-FFF2-40B4-BE49-F238E27FC236}">
+                  <a16:creationId xmlns:a16="http://schemas.microsoft.com/office/drawing/2014/main" id="{203A3C65-5E3E-D9EF-1906-1D033C96DBAE}"/>
+                </a:ext>
+              </a:extLst>
+            </p:cNvPr>
+            <p:cNvSpPr/>
+            <p:nvPr/>
+          </p:nvSpPr>
+          <p:spPr>
+            <a:xfrm>
+              <a:off x="-4961013" y="2717801"/>
+              <a:ext cx="9152013" cy="3509662"/>
+            </a:xfrm>
+            <a:prstGeom prst="roundRect">
+              <a:avLst/>
+            </a:prstGeom>
+            <a:gradFill>
+              <a:gsLst>
+                <a:gs pos="0">
+                  <a:srgbClr val="4E94DA"/>
+                </a:gs>
+                <a:gs pos="65000">
+                  <a:srgbClr val="8BABDA"/>
+                </a:gs>
+                <a:gs pos="100000">
+                  <a:schemeClr val="accent1">
+                    <a:lumMod val="45000"/>
+                    <a:lumOff val="55000"/>
+                  </a:schemeClr>
+                </a:gs>
+              </a:gsLst>
+              <a:lin ang="5400000" scaled="1"/>
+            </a:gradFill>
+            <a:ln>
+              <a:noFill/>
+            </a:ln>
+          </p:spPr>
+          <p:style>
+            <a:lnRef idx="2">
+              <a:schemeClr val="accent1">
+                <a:shade val="50000"/>
+              </a:schemeClr>
+            </a:lnRef>
+            <a:fillRef idx="1">
+              <a:schemeClr val="accent1"/>
+            </a:fillRef>
+            <a:effectRef idx="0">
+              <a:schemeClr val="accent1"/>
+            </a:effectRef>
+            <a:fontRef idx="minor">
+              <a:schemeClr val="lt1"/>
+            </a:fontRef>
+          </p:style>
+          <p:txBody>
+            <a:bodyPr rtlCol="0" anchor="ctr"/>
+            <a:lstStyle/>
+            <a:p>
+              <a:pPr algn="ctr"/>
+              <a:endParaRPr lang="ko-KR" altLang="en-US" dirty="0"/>
+            </a:p>
+          </p:txBody>
+        </p:sp>
+        <p:sp>
+          <p:nvSpPr>
+            <p:cNvPr id="23" name="사각형: 둥근 모서리 22">
+              <a:extLst>
+                <a:ext uri="{FF2B5EF4-FFF2-40B4-BE49-F238E27FC236}">
+                  <a16:creationId xmlns:a16="http://schemas.microsoft.com/office/drawing/2014/main" id="{4BD66A16-A709-1942-639C-24BE3509E242}"/>
+                </a:ext>
+              </a:extLst>
+            </p:cNvPr>
+            <p:cNvSpPr/>
+            <p:nvPr/>
+          </p:nvSpPr>
+          <p:spPr>
+            <a:xfrm>
+              <a:off x="-4830098" y="2836824"/>
+              <a:ext cx="8898843" cy="3279064"/>
+            </a:xfrm>
+            <a:prstGeom prst="roundRect">
+              <a:avLst/>
+            </a:prstGeom>
+            <a:solidFill>
+              <a:schemeClr val="bg1"/>
+            </a:solidFill>
+            <a:ln>
+              <a:noFill/>
+            </a:ln>
+          </p:spPr>
+          <p:style>
+            <a:lnRef idx="2">
+              <a:schemeClr val="accent1">
+                <a:shade val="50000"/>
+              </a:schemeClr>
+            </a:lnRef>
+            <a:fillRef idx="1">
+              <a:schemeClr val="accent1"/>
+            </a:fillRef>
+            <a:effectRef idx="0">
+              <a:schemeClr val="accent1"/>
+            </a:effectRef>
+            <a:fontRef idx="minor">
+              <a:schemeClr val="lt1"/>
+            </a:fontRef>
+          </p:style>
+          <p:txBody>
+            <a:bodyPr rtlCol="0" anchor="ctr"/>
+            <a:lstStyle/>
+            <a:p>
+              <a:pPr algn="ctr"/>
+              <a:endParaRPr lang="ko-KR" altLang="en-US" dirty="0"/>
+            </a:p>
+          </p:txBody>
+        </p:sp>
+      </p:grpSp>
+      <p:sp>
+        <p:nvSpPr>
+          <p:cNvPr id="2" name="제목 1">
+            <a:extLst>
+              <a:ext uri="{FF2B5EF4-FFF2-40B4-BE49-F238E27FC236}">
+                <a16:creationId xmlns:a16="http://schemas.microsoft.com/office/drawing/2014/main" id="{7CBC3679-A3DF-4930-A237-94BE532DA3BD}"/>
+              </a:ext>
+            </a:extLst>
+          </p:cNvPr>
+          <p:cNvSpPr>
+            <a:spLocks noGrp="1"/>
+          </p:cNvSpPr>
+          <p:nvPr>
+            <p:ph type="title"/>
+          </p:nvPr>
+        </p:nvSpPr>
+        <p:spPr>
+          <a:xfrm>
+            <a:off x="190019" y="1"/>
+            <a:ext cx="6673768" cy="1325563"/>
+          </a:xfrm>
+        </p:spPr>
+        <p:txBody>
+          <a:bodyPr>
+            <a:normAutofit/>
+          </a:bodyPr>
+          <a:lstStyle/>
+          <a:p>
+            <a:r>
+              <a:rPr lang="en-US" altLang="ko-KR" dirty="0">
+                <a:latin typeface="Microsoft GothicNeo" panose="020B0500000101010101" pitchFamily="50" charset="-127"/>
+                <a:ea typeface="Microsoft GothicNeo" panose="020B0500000101010101" pitchFamily="50" charset="-127"/>
+                <a:cs typeface="Microsoft GothicNeo" panose="020B0500000101010101" pitchFamily="50" charset="-127"/>
+              </a:rPr>
+              <a:t>6. </a:t>
+            </a:r>
+            <a:r>
+              <a:rPr lang="ko-KR" altLang="en-US" dirty="0">
+                <a:latin typeface="Microsoft GothicNeo" panose="020B0500000101010101" pitchFamily="50" charset="-127"/>
+                <a:ea typeface="Microsoft GothicNeo" panose="020B0500000101010101" pitchFamily="50" charset="-127"/>
+                <a:cs typeface="Microsoft GothicNeo" panose="020B0500000101010101" pitchFamily="50" charset="-127"/>
+              </a:rPr>
+              <a:t>결과 비교</a:t>
+            </a:r>
+          </a:p>
+        </p:txBody>
+      </p:sp>
+      <p:cxnSp>
+        <p:nvCxnSpPr>
+          <p:cNvPr id="5" name="직선 연결선 4">
+            <a:extLst>
+              <a:ext uri="{FF2B5EF4-FFF2-40B4-BE49-F238E27FC236}">
+                <a16:creationId xmlns:a16="http://schemas.microsoft.com/office/drawing/2014/main" id="{DCC21655-3CEC-4FBA-9415-44F5DE40445B}"/>
+              </a:ext>
+            </a:extLst>
+          </p:cNvPr>
+          <p:cNvCxnSpPr>
+            <a:cxnSpLocks/>
+          </p:cNvCxnSpPr>
+          <p:nvPr/>
+        </p:nvCxnSpPr>
+        <p:spPr>
+          <a:xfrm>
+            <a:off x="2" y="1157469"/>
+            <a:ext cx="7951807" cy="0"/>
+          </a:xfrm>
+          <a:prstGeom prst="line">
+            <a:avLst/>
+          </a:prstGeom>
+        </p:spPr>
+        <p:style>
+          <a:lnRef idx="3">
+            <a:schemeClr val="dk1"/>
+          </a:lnRef>
+          <a:fillRef idx="0">
+            <a:schemeClr val="dk1"/>
+          </a:fillRef>
+          <a:effectRef idx="2">
+            <a:schemeClr val="dk1"/>
+          </a:effectRef>
+          <a:fontRef idx="minor">
+            <a:schemeClr val="tx1"/>
+          </a:fontRef>
+        </p:style>
+      </p:cxnSp>
+      <p:grpSp>
+        <p:nvGrpSpPr>
+          <p:cNvPr id="14" name="그룹 13">
+            <a:extLst>
+              <a:ext uri="{FF2B5EF4-FFF2-40B4-BE49-F238E27FC236}">
+                <a16:creationId xmlns:a16="http://schemas.microsoft.com/office/drawing/2014/main" id="{9F23E78D-0984-3D59-5B75-4291F8211664}"/>
+              </a:ext>
+            </a:extLst>
+          </p:cNvPr>
+          <p:cNvGrpSpPr/>
+          <p:nvPr/>
+        </p:nvGrpSpPr>
+        <p:grpSpPr>
+          <a:xfrm>
+            <a:off x="2220700" y="1261261"/>
+            <a:ext cx="8300838" cy="1816746"/>
+            <a:chOff x="-4961013" y="2717801"/>
+            <a:chExt cx="9152013" cy="3509662"/>
+          </a:xfrm>
+        </p:grpSpPr>
+        <p:sp>
+          <p:nvSpPr>
+            <p:cNvPr id="15" name="사각형: 둥근 모서리 14">
+              <a:extLst>
+                <a:ext uri="{FF2B5EF4-FFF2-40B4-BE49-F238E27FC236}">
+                  <a16:creationId xmlns:a16="http://schemas.microsoft.com/office/drawing/2014/main" id="{D3245E84-AB9C-5A1D-73B1-19A59A3D5DB8}"/>
+                </a:ext>
+              </a:extLst>
+            </p:cNvPr>
+            <p:cNvSpPr/>
+            <p:nvPr/>
+          </p:nvSpPr>
+          <p:spPr>
+            <a:xfrm>
+              <a:off x="-4961013" y="2717801"/>
+              <a:ext cx="9152013" cy="3509662"/>
+            </a:xfrm>
+            <a:prstGeom prst="roundRect">
+              <a:avLst/>
+            </a:prstGeom>
+            <a:gradFill>
+              <a:gsLst>
+                <a:gs pos="0">
+                  <a:srgbClr val="4E94DA"/>
+                </a:gs>
+                <a:gs pos="65000">
+                  <a:srgbClr val="8BABDA"/>
+                </a:gs>
+                <a:gs pos="100000">
+                  <a:schemeClr val="accent1">
+                    <a:lumMod val="45000"/>
+                    <a:lumOff val="55000"/>
+                  </a:schemeClr>
+                </a:gs>
+              </a:gsLst>
+              <a:lin ang="5400000" scaled="1"/>
+            </a:gradFill>
+            <a:ln>
+              <a:noFill/>
+            </a:ln>
+          </p:spPr>
+          <p:style>
+            <a:lnRef idx="2">
+              <a:schemeClr val="accent1">
+                <a:shade val="50000"/>
+              </a:schemeClr>
+            </a:lnRef>
+            <a:fillRef idx="1">
+              <a:schemeClr val="accent1"/>
+            </a:fillRef>
+            <a:effectRef idx="0">
+              <a:schemeClr val="accent1"/>
+            </a:effectRef>
+            <a:fontRef idx="minor">
+              <a:schemeClr val="lt1"/>
+            </a:fontRef>
+          </p:style>
+          <p:txBody>
+            <a:bodyPr rtlCol="0" anchor="ctr"/>
+            <a:lstStyle/>
+            <a:p>
+              <a:pPr algn="ctr"/>
+              <a:endParaRPr lang="ko-KR" altLang="en-US" dirty="0"/>
+            </a:p>
+          </p:txBody>
+        </p:sp>
+        <p:sp>
+          <p:nvSpPr>
+            <p:cNvPr id="16" name="사각형: 둥근 모서리 15">
+              <a:extLst>
+                <a:ext uri="{FF2B5EF4-FFF2-40B4-BE49-F238E27FC236}">
+                  <a16:creationId xmlns:a16="http://schemas.microsoft.com/office/drawing/2014/main" id="{5B6C278B-EEB6-4923-5FB2-00A4415F06BF}"/>
+                </a:ext>
+              </a:extLst>
+            </p:cNvPr>
+            <p:cNvSpPr/>
+            <p:nvPr/>
+          </p:nvSpPr>
+          <p:spPr>
+            <a:xfrm>
+              <a:off x="-4830098" y="2836824"/>
+              <a:ext cx="8898843" cy="3279064"/>
+            </a:xfrm>
+            <a:prstGeom prst="roundRect">
+              <a:avLst/>
+            </a:prstGeom>
+            <a:solidFill>
+              <a:schemeClr val="bg1"/>
+            </a:solidFill>
+            <a:ln>
+              <a:noFill/>
+            </a:ln>
+          </p:spPr>
+          <p:style>
+            <a:lnRef idx="2">
+              <a:schemeClr val="accent1">
+                <a:shade val="50000"/>
+              </a:schemeClr>
+            </a:lnRef>
+            <a:fillRef idx="1">
+              <a:schemeClr val="accent1"/>
+            </a:fillRef>
+            <a:effectRef idx="0">
+              <a:schemeClr val="accent1"/>
+            </a:effectRef>
+            <a:fontRef idx="minor">
+              <a:schemeClr val="lt1"/>
+            </a:fontRef>
+          </p:style>
+          <p:txBody>
+            <a:bodyPr rtlCol="0" anchor="ctr"/>
+            <a:lstStyle/>
+            <a:p>
+              <a:pPr algn="ctr"/>
+              <a:endParaRPr lang="ko-KR" altLang="en-US" dirty="0"/>
+            </a:p>
+          </p:txBody>
+        </p:sp>
+      </p:grpSp>
+      <p:sp>
+        <p:nvSpPr>
+          <p:cNvPr id="17" name="TextBox 16">
+            <a:extLst>
+              <a:ext uri="{FF2B5EF4-FFF2-40B4-BE49-F238E27FC236}">
+                <a16:creationId xmlns:a16="http://schemas.microsoft.com/office/drawing/2014/main" id="{85FEFDF4-EA84-D472-A094-CCD8979A69E5}"/>
+              </a:ext>
+            </a:extLst>
+          </p:cNvPr>
+          <p:cNvSpPr txBox="1"/>
+          <p:nvPr/>
+        </p:nvSpPr>
+        <p:spPr>
+          <a:xfrm>
+            <a:off x="2796437" y="3681065"/>
+            <a:ext cx="2541081" cy="757130"/>
+          </a:xfrm>
+          <a:prstGeom prst="rect">
+            <a:avLst/>
+          </a:prstGeom>
+          <a:noFill/>
+        </p:spPr>
+        <p:txBody>
+          <a:bodyPr wrap="none" rtlCol="0">
+            <a:spAutoFit/>
+          </a:bodyPr>
+          <a:lstStyle/>
+          <a:p>
+            <a:pPr algn="ctr">
+              <a:lnSpc>
+                <a:spcPct val="120000"/>
+              </a:lnSpc>
+            </a:pPr>
+            <a:r>
+              <a:rPr lang="en-US" altLang="ko-KR" sz="3600" dirty="0">
+                <a:latin typeface="G마켓 산스 Medium" panose="02000000000000000000" pitchFamily="50" charset="-127"/>
+                <a:ea typeface="G마켓 산스 Medium" panose="02000000000000000000" pitchFamily="50" charset="-127"/>
+              </a:rPr>
+              <a:t>ResNet18</a:t>
+            </a:r>
+            <a:endParaRPr lang="ko-KR" altLang="en-US" sz="3600" dirty="0">
+              <a:latin typeface="G마켓 산스 Medium" panose="02000000000000000000" pitchFamily="50" charset="-127"/>
+              <a:ea typeface="G마켓 산스 Medium" panose="02000000000000000000" pitchFamily="50" charset="-127"/>
+            </a:endParaRPr>
+          </a:p>
+        </p:txBody>
+      </p:sp>
+      <p:sp>
+        <p:nvSpPr>
+          <p:cNvPr id="18" name="TextBox 17">
+            <a:extLst>
+              <a:ext uri="{FF2B5EF4-FFF2-40B4-BE49-F238E27FC236}">
+                <a16:creationId xmlns:a16="http://schemas.microsoft.com/office/drawing/2014/main" id="{BFE50968-852B-AD59-1CEA-0DF99386A34C}"/>
+              </a:ext>
+            </a:extLst>
+          </p:cNvPr>
+          <p:cNvSpPr txBox="1"/>
+          <p:nvPr/>
+        </p:nvSpPr>
+        <p:spPr>
+          <a:xfrm>
+            <a:off x="2460422" y="5571061"/>
+            <a:ext cx="3546164" cy="757130"/>
+          </a:xfrm>
+          <a:prstGeom prst="rect">
+            <a:avLst/>
+          </a:prstGeom>
+          <a:noFill/>
+        </p:spPr>
+        <p:txBody>
+          <a:bodyPr wrap="none" rtlCol="0">
+            <a:spAutoFit/>
+          </a:bodyPr>
+          <a:lstStyle/>
+          <a:p>
+            <a:pPr algn="ctr">
+              <a:lnSpc>
+                <a:spcPct val="120000"/>
+              </a:lnSpc>
+            </a:pPr>
+            <a:r>
+              <a:rPr lang="en-US" altLang="ko-KR" sz="3600" dirty="0">
+                <a:latin typeface="G마켓 산스 Medium" panose="02000000000000000000" pitchFamily="50" charset="-127"/>
+                <a:ea typeface="G마켓 산스 Medium" panose="02000000000000000000" pitchFamily="50" charset="-127"/>
+              </a:rPr>
+              <a:t>MobileNet-v2</a:t>
+            </a:r>
+            <a:endParaRPr lang="ko-KR" altLang="en-US" sz="3600" dirty="0">
+              <a:latin typeface="G마켓 산스 Medium" panose="02000000000000000000" pitchFamily="50" charset="-127"/>
+              <a:ea typeface="G마켓 산스 Medium" panose="02000000000000000000" pitchFamily="50" charset="-127"/>
+            </a:endParaRPr>
+          </a:p>
+        </p:txBody>
+      </p:sp>
+      <p:pic>
+        <p:nvPicPr>
+          <p:cNvPr id="4" name="그림 3" descr="텍스트이(가) 표시된 사진&#10;&#10;자동 생성된 설명">
+            <a:extLst>
+              <a:ext uri="{FF2B5EF4-FFF2-40B4-BE49-F238E27FC236}">
+                <a16:creationId xmlns:a16="http://schemas.microsoft.com/office/drawing/2014/main" id="{72120C2F-CA38-95E3-6A58-D329556B9182}"/>
+              </a:ext>
+            </a:extLst>
+          </p:cNvPr>
+          <p:cNvPicPr>
+            <a:picLocks noChangeAspect="1"/>
+          </p:cNvPicPr>
+          <p:nvPr/>
+        </p:nvPicPr>
+        <p:blipFill>
+          <a:blip r:embed="rId2">
+            <a:extLst>
+              <a:ext uri="{28A0092B-C50C-407E-A947-70E740481C1C}">
+                <a14:useLocalDpi xmlns:a14="http://schemas.microsoft.com/office/drawing/2010/main" val="0"/>
+              </a:ext>
+            </a:extLst>
+          </a:blip>
+          <a:stretch>
+            <a:fillRect/>
+          </a:stretch>
+        </p:blipFill>
+        <p:spPr>
+          <a:xfrm>
+            <a:off x="5557584" y="1349993"/>
+            <a:ext cx="4638197" cy="1603864"/>
+          </a:xfrm>
+          <a:prstGeom prst="rect">
+            <a:avLst/>
+          </a:prstGeom>
+        </p:spPr>
+      </p:pic>
+      <p:sp>
+        <p:nvSpPr>
+          <p:cNvPr id="19" name="TextBox 18">
+            <a:extLst>
+              <a:ext uri="{FF2B5EF4-FFF2-40B4-BE49-F238E27FC236}">
+                <a16:creationId xmlns:a16="http://schemas.microsoft.com/office/drawing/2014/main" id="{9A946CAE-9AC4-0B1F-1753-EEFF1ADA4DB5}"/>
+              </a:ext>
+            </a:extLst>
+          </p:cNvPr>
+          <p:cNvSpPr txBox="1"/>
+          <p:nvPr/>
+        </p:nvSpPr>
+        <p:spPr>
+          <a:xfrm>
+            <a:off x="2550377" y="1774832"/>
+            <a:ext cx="3033203" cy="1200329"/>
+          </a:xfrm>
+          <a:prstGeom prst="rect">
+            <a:avLst/>
+          </a:prstGeom>
+          <a:noFill/>
+        </p:spPr>
+        <p:txBody>
+          <a:bodyPr wrap="none" rtlCol="0">
+            <a:spAutoFit/>
+          </a:bodyPr>
+          <a:lstStyle/>
+          <a:p>
+            <a:pPr algn="ctr">
+              <a:lnSpc>
+                <a:spcPct val="120000"/>
+              </a:lnSpc>
+            </a:pPr>
+            <a:r>
+              <a:rPr lang="en-US" altLang="ko-KR" sz="3600" dirty="0">
+                <a:latin typeface="G마켓 산스 Medium" panose="02000000000000000000" pitchFamily="50" charset="-127"/>
+                <a:ea typeface="G마켓 산스 Medium" panose="02000000000000000000" pitchFamily="50" charset="-127"/>
+              </a:rPr>
+              <a:t>VggNet19</a:t>
+            </a:r>
+          </a:p>
+          <a:p>
+            <a:pPr algn="ctr">
+              <a:lnSpc>
+                <a:spcPct val="120000"/>
+              </a:lnSpc>
+            </a:pPr>
+            <a:r>
+              <a:rPr lang="en-US" altLang="ko-KR" sz="2400" dirty="0">
+                <a:latin typeface="G마켓 산스 Medium" panose="02000000000000000000" pitchFamily="50" charset="-127"/>
+                <a:ea typeface="G마켓 산스 Medium" panose="02000000000000000000" pitchFamily="50" charset="-127"/>
+              </a:rPr>
+              <a:t>(batch norm </a:t>
+            </a:r>
+            <a:r>
+              <a:rPr lang="ko-KR" altLang="en-US" sz="2400" dirty="0">
+                <a:latin typeface="G마켓 산스 Medium" panose="02000000000000000000" pitchFamily="50" charset="-127"/>
+                <a:ea typeface="G마켓 산스 Medium" panose="02000000000000000000" pitchFamily="50" charset="-127"/>
+              </a:rPr>
+              <a:t>적용</a:t>
+            </a:r>
+            <a:r>
+              <a:rPr lang="en-US" altLang="ko-KR" sz="2400" dirty="0">
+                <a:latin typeface="G마켓 산스 Medium" panose="02000000000000000000" pitchFamily="50" charset="-127"/>
+                <a:ea typeface="G마켓 산스 Medium" panose="02000000000000000000" pitchFamily="50" charset="-127"/>
+              </a:rPr>
+              <a:t>)</a:t>
+            </a:r>
+            <a:endParaRPr lang="ko-KR" altLang="en-US" sz="2400" dirty="0">
+              <a:latin typeface="G마켓 산스 Medium" panose="02000000000000000000" pitchFamily="50" charset="-127"/>
+              <a:ea typeface="G마켓 산스 Medium" panose="02000000000000000000" pitchFamily="50" charset="-127"/>
+            </a:endParaRPr>
+          </a:p>
+        </p:txBody>
+      </p:sp>
+      <p:pic>
+        <p:nvPicPr>
+          <p:cNvPr id="25" name="그림 24" descr="텍스트이(가) 표시된 사진&#10;&#10;자동 생성된 설명">
+            <a:extLst>
+              <a:ext uri="{FF2B5EF4-FFF2-40B4-BE49-F238E27FC236}">
+                <a16:creationId xmlns:a16="http://schemas.microsoft.com/office/drawing/2014/main" id="{67564EE5-9C49-BC86-FB60-10C60F24BCD8}"/>
+              </a:ext>
+            </a:extLst>
+          </p:cNvPr>
+          <p:cNvPicPr>
+            <a:picLocks noChangeAspect="1"/>
+          </p:cNvPicPr>
+          <p:nvPr/>
+        </p:nvPicPr>
+        <p:blipFill>
+          <a:blip r:embed="rId3">
+            <a:extLst>
+              <a:ext uri="{28A0092B-C50C-407E-A947-70E740481C1C}">
+                <a14:useLocalDpi xmlns:a14="http://schemas.microsoft.com/office/drawing/2010/main" val="0"/>
+              </a:ext>
+            </a:extLst>
+          </a:blip>
+          <a:stretch>
+            <a:fillRect/>
+          </a:stretch>
+        </p:blipFill>
+        <p:spPr>
+          <a:xfrm>
+            <a:off x="5821853" y="3370914"/>
+            <a:ext cx="4133408" cy="1515583"/>
+          </a:xfrm>
+          <a:prstGeom prst="rect">
+            <a:avLst/>
+          </a:prstGeom>
+        </p:spPr>
+      </p:pic>
+      <p:pic>
+        <p:nvPicPr>
+          <p:cNvPr id="30" name="그림 29" descr="텍스트이(가) 표시된 사진&#10;&#10;자동 생성된 설명">
+            <a:extLst>
+              <a:ext uri="{FF2B5EF4-FFF2-40B4-BE49-F238E27FC236}">
+                <a16:creationId xmlns:a16="http://schemas.microsoft.com/office/drawing/2014/main" id="{AB09336A-36C3-65F9-7FDE-C7D5C9CE0F81}"/>
+              </a:ext>
+            </a:extLst>
+          </p:cNvPr>
+          <p:cNvPicPr>
+            <a:picLocks noChangeAspect="1"/>
+          </p:cNvPicPr>
+          <p:nvPr/>
+        </p:nvPicPr>
+        <p:blipFill>
+          <a:blip r:embed="rId4">
+            <a:extLst>
+              <a:ext uri="{28A0092B-C50C-407E-A947-70E740481C1C}">
+                <a14:useLocalDpi xmlns:a14="http://schemas.microsoft.com/office/drawing/2010/main" val="0"/>
+              </a:ext>
+            </a:extLst>
+          </a:blip>
+          <a:stretch>
+            <a:fillRect/>
+          </a:stretch>
+        </p:blipFill>
+        <p:spPr>
+          <a:xfrm>
+            <a:off x="6013172" y="5285784"/>
+            <a:ext cx="4227018" cy="1491084"/>
+          </a:xfrm>
+          <a:prstGeom prst="rect">
+            <a:avLst/>
+          </a:prstGeom>
+        </p:spPr>
+      </p:pic>
+    </p:spTree>
+    <p:extLst>
+      <p:ext uri="{BB962C8B-B14F-4D97-AF65-F5344CB8AC3E}">
+        <p14:creationId xmlns:p14="http://schemas.microsoft.com/office/powerpoint/2010/main" val="2563638663"/>
       </p:ext>
     </p:extLst>
   </p:cSld>
@@ -5575,6 +8272,81 @@
           </p:pic>
         </mc:Fallback>
       </mc:AlternateContent>
+      <p:sp>
+        <p:nvSpPr>
+          <p:cNvPr id="24" name="내용 개체 틀 2">
+            <a:extLst>
+              <a:ext uri="{FF2B5EF4-FFF2-40B4-BE49-F238E27FC236}">
+                <a16:creationId xmlns:a16="http://schemas.microsoft.com/office/drawing/2014/main" id="{A3FA0854-5724-61AA-A60D-2E6EB878DD48}"/>
+              </a:ext>
+            </a:extLst>
+          </p:cNvPr>
+          <p:cNvSpPr>
+            <a:spLocks noGrp="1"/>
+          </p:cNvSpPr>
+          <p:nvPr>
+            <p:ph idx="1"/>
+          </p:nvPr>
+        </p:nvSpPr>
+        <p:spPr>
+          <a:xfrm>
+            <a:off x="366371" y="5837180"/>
+            <a:ext cx="8231363" cy="801126"/>
+          </a:xfrm>
+        </p:spPr>
+        <p:txBody>
+          <a:bodyPr>
+            <a:normAutofit/>
+          </a:bodyPr>
+          <a:lstStyle/>
+          <a:p>
+            <a:r>
+              <a:rPr lang="ko-KR" altLang="en-US" sz="3200" dirty="0">
+                <a:latin typeface="Microsoft GothicNeo" panose="020B0500000101010101" pitchFamily="50" charset="-127"/>
+                <a:ea typeface="Microsoft GothicNeo" panose="020B0500000101010101" pitchFamily="50" charset="-127"/>
+                <a:cs typeface="Microsoft GothicNeo" panose="020B0500000101010101" pitchFamily="50" charset="-127"/>
+              </a:rPr>
+              <a:t>논문 학습 및 </a:t>
+            </a:r>
+            <a:r>
+              <a:rPr lang="en-US" altLang="ko-KR" sz="3200" dirty="0" err="1">
+                <a:latin typeface="Microsoft GothicNeo" panose="020B0500000101010101" pitchFamily="50" charset="-127"/>
+                <a:ea typeface="Microsoft GothicNeo" panose="020B0500000101010101" pitchFamily="50" charset="-127"/>
+                <a:cs typeface="Microsoft GothicNeo" panose="020B0500000101010101" pitchFamily="50" charset="-127"/>
+              </a:rPr>
+              <a:t>pytorch</a:t>
+            </a:r>
+            <a:r>
+              <a:rPr lang="en-US" altLang="ko-KR" sz="3200" dirty="0">
+                <a:latin typeface="Microsoft GothicNeo" panose="020B0500000101010101" pitchFamily="50" charset="-127"/>
+                <a:ea typeface="Microsoft GothicNeo" panose="020B0500000101010101" pitchFamily="50" charset="-127"/>
+                <a:cs typeface="Microsoft GothicNeo" panose="020B0500000101010101" pitchFamily="50" charset="-127"/>
+              </a:rPr>
+              <a:t> </a:t>
+            </a:r>
+            <a:r>
+              <a:rPr lang="ko-KR" altLang="en-US" sz="3200" dirty="0">
+                <a:latin typeface="Microsoft GothicNeo" panose="020B0500000101010101" pitchFamily="50" charset="-127"/>
+                <a:ea typeface="Microsoft GothicNeo" panose="020B0500000101010101" pitchFamily="50" charset="-127"/>
+                <a:cs typeface="Microsoft GothicNeo" panose="020B0500000101010101" pitchFamily="50" charset="-127"/>
+              </a:rPr>
+              <a:t>구현 코드 테스트</a:t>
+            </a:r>
+            <a:endParaRPr lang="en-US" altLang="ko-KR" sz="3200" dirty="0">
+              <a:latin typeface="Microsoft GothicNeo" panose="020B0500000101010101" pitchFamily="50" charset="-127"/>
+              <a:ea typeface="Microsoft GothicNeo" panose="020B0500000101010101" pitchFamily="50" charset="-127"/>
+              <a:cs typeface="Microsoft GothicNeo" panose="020B0500000101010101" pitchFamily="50" charset="-127"/>
+            </a:endParaRPr>
+          </a:p>
+          <a:p>
+            <a:endParaRPr lang="en-US" altLang="ko-KR" sz="3200" dirty="0">
+              <a:latin typeface="Microsoft GothicNeo" panose="020B0500000101010101" pitchFamily="50" charset="-127"/>
+              <a:ea typeface="Microsoft GothicNeo" panose="020B0500000101010101" pitchFamily="50" charset="-127"/>
+              <a:cs typeface="Microsoft GothicNeo" panose="020B0500000101010101" pitchFamily="50" charset="-127"/>
+            </a:endParaRPr>
+          </a:p>
+        </p:txBody>
+      </p:sp>
     </p:spTree>
     <p:extLst>
       <p:ext uri="{BB962C8B-B14F-4D97-AF65-F5344CB8AC3E}">
@@ -5588,7 +8360,7 @@
 </p:sld>
 </file>
 
-<file path=ppt/slides/slide3.xml><?xml version="1.0" encoding="utf-8"?>
+<file path=ppt/slides/slide20.xml><?xml version="1.0" encoding="utf-8"?>
 <p:sld xmlns:a="http://schemas.openxmlformats.org/drawingml/2006/main" xmlns:r="http://schemas.openxmlformats.org/officeDocument/2006/relationships" xmlns:p="http://schemas.openxmlformats.org/presentationml/2006/main">
   <p:cSld>
     <p:spTree>
@@ -5639,7 +8411,7 @@
                 <a:ea typeface="Microsoft GothicNeo" panose="020B0500000101010101" pitchFamily="50" charset="-127"/>
                 <a:cs typeface="Microsoft GothicNeo" panose="020B0500000101010101" pitchFamily="50" charset="-127"/>
               </a:rPr>
-              <a:t>2. </a:t>
+              <a:t>7. </a:t>
             </a:r>
             <a:r>
               <a:rPr lang="ko-KR" altLang="en-US" dirty="0">
@@ -5647,23 +8419,267 @@
                 <a:ea typeface="Microsoft GothicNeo" panose="020B0500000101010101" pitchFamily="50" charset="-127"/>
                 <a:cs typeface="Microsoft GothicNeo" panose="020B0500000101010101" pitchFamily="50" charset="-127"/>
               </a:rPr>
-              <a:t>문제 제기</a:t>
-            </a:r>
-            <a:r>
-              <a:rPr lang="en-US" altLang="ko-KR" dirty="0">
-                <a:latin typeface="Microsoft GothicNeo" panose="020B0500000101010101" pitchFamily="50" charset="-127"/>
-                <a:ea typeface="Microsoft GothicNeo" panose="020B0500000101010101" pitchFamily="50" charset="-127"/>
-                <a:cs typeface="Microsoft GothicNeo" panose="020B0500000101010101" pitchFamily="50" charset="-127"/>
-              </a:rPr>
-              <a:t>/</a:t>
-            </a:r>
-            <a:r>
-              <a:rPr lang="ko-KR" altLang="en-US" dirty="0">
-                <a:latin typeface="Microsoft GothicNeo" panose="020B0500000101010101" pitchFamily="50" charset="-127"/>
-                <a:ea typeface="Microsoft GothicNeo" panose="020B0500000101010101" pitchFamily="50" charset="-127"/>
-                <a:cs typeface="Microsoft GothicNeo" panose="020B0500000101010101" pitchFamily="50" charset="-127"/>
-              </a:rPr>
-              <a:t>필요성</a:t>
+              <a:t>결론</a:t>
+            </a:r>
+          </a:p>
+        </p:txBody>
+      </p:sp>
+      <p:sp>
+        <p:nvSpPr>
+          <p:cNvPr id="3" name="내용 개체 틀 2">
+            <a:extLst>
+              <a:ext uri="{FF2B5EF4-FFF2-40B4-BE49-F238E27FC236}">
+                <a16:creationId xmlns:a16="http://schemas.microsoft.com/office/drawing/2014/main" id="{62E8C59D-5D95-4DD3-BD63-D960FE500BA8}"/>
+              </a:ext>
+            </a:extLst>
+          </p:cNvPr>
+          <p:cNvSpPr>
+            <a:spLocks noGrp="1"/>
+          </p:cNvSpPr>
+          <p:nvPr>
+            <p:ph idx="1"/>
+          </p:nvPr>
+        </p:nvSpPr>
+        <p:spPr>
+          <a:xfrm>
+            <a:off x="480505" y="1530207"/>
+            <a:ext cx="10812780" cy="5032375"/>
+          </a:xfrm>
+        </p:spPr>
+        <p:txBody>
+          <a:bodyPr>
+            <a:normAutofit fontScale="92500"/>
+          </a:bodyPr>
+          <a:lstStyle/>
+          <a:p>
+            <a:pPr>
+              <a:lnSpc>
+                <a:spcPct val="150000"/>
+              </a:lnSpc>
+            </a:pPr>
+            <a:r>
+              <a:rPr lang="en-US" altLang="ko-KR" sz="3200" dirty="0" err="1">
+                <a:solidFill>
+                  <a:schemeClr val="accent2"/>
+                </a:solidFill>
+                <a:latin typeface="Microsoft GothicNeo" panose="020B0500000101010101" pitchFamily="50" charset="-127"/>
+                <a:ea typeface="Microsoft GothicNeo" panose="020B0500000101010101" pitchFamily="50" charset="-127"/>
+                <a:cs typeface="Microsoft GothicNeo" panose="020B0500000101010101" pitchFamily="50" charset="-127"/>
+              </a:rPr>
+              <a:t>VggNet</a:t>
+            </a:r>
+            <a:r>
+              <a:rPr lang="ko-KR" altLang="en-US" sz="3200" dirty="0">
+                <a:solidFill>
+                  <a:schemeClr val="accent2"/>
+                </a:solidFill>
+                <a:latin typeface="Microsoft GothicNeo" panose="020B0500000101010101" pitchFamily="50" charset="-127"/>
+                <a:ea typeface="Microsoft GothicNeo" panose="020B0500000101010101" pitchFamily="50" charset="-127"/>
+                <a:cs typeface="Microsoft GothicNeo" panose="020B0500000101010101" pitchFamily="50" charset="-127"/>
+              </a:rPr>
+              <a:t>을 직접 구현하여 </a:t>
+            </a:r>
+            <a:r>
+              <a:rPr lang="en-US" altLang="ko-KR" sz="3200" dirty="0">
+                <a:solidFill>
+                  <a:schemeClr val="accent2"/>
+                </a:solidFill>
+                <a:latin typeface="Microsoft GothicNeo" panose="020B0500000101010101" pitchFamily="50" charset="-127"/>
+                <a:ea typeface="Microsoft GothicNeo" panose="020B0500000101010101" pitchFamily="50" charset="-127"/>
+                <a:cs typeface="Microsoft GothicNeo" panose="020B0500000101010101" pitchFamily="50" charset="-127"/>
+              </a:rPr>
+              <a:t>train</a:t>
+            </a:r>
+            <a:r>
+              <a:rPr lang="ko-KR" altLang="en-US" sz="3200" dirty="0">
+                <a:latin typeface="Microsoft GothicNeo" panose="020B0500000101010101" pitchFamily="50" charset="-127"/>
+                <a:ea typeface="Microsoft GothicNeo" panose="020B0500000101010101" pitchFamily="50" charset="-127"/>
+                <a:cs typeface="Microsoft GothicNeo" panose="020B0500000101010101" pitchFamily="50" charset="-127"/>
+              </a:rPr>
+              <a:t>해보고</a:t>
+            </a:r>
+            <a:r>
+              <a:rPr lang="en-US" altLang="ko-KR" sz="3200" dirty="0">
+                <a:latin typeface="Microsoft GothicNeo" panose="020B0500000101010101" pitchFamily="50" charset="-127"/>
+                <a:ea typeface="Microsoft GothicNeo" panose="020B0500000101010101" pitchFamily="50" charset="-127"/>
+                <a:cs typeface="Microsoft GothicNeo" panose="020B0500000101010101" pitchFamily="50" charset="-127"/>
+              </a:rPr>
+              <a:t>, </a:t>
+            </a:r>
+            <a:r>
+              <a:rPr lang="ko-KR" altLang="en-US" sz="3200" dirty="0">
+                <a:latin typeface="Microsoft GothicNeo" panose="020B0500000101010101" pitchFamily="50" charset="-127"/>
+                <a:ea typeface="Microsoft GothicNeo" panose="020B0500000101010101" pitchFamily="50" charset="-127"/>
+                <a:cs typeface="Microsoft GothicNeo" panose="020B0500000101010101" pitchFamily="50" charset="-127"/>
+              </a:rPr>
+              <a:t>또한 </a:t>
+            </a:r>
+            <a:r>
+              <a:rPr lang="en-US" altLang="ko-KR" sz="3200" dirty="0" err="1">
+                <a:latin typeface="Microsoft GothicNeo" panose="020B0500000101010101" pitchFamily="50" charset="-127"/>
+                <a:ea typeface="Microsoft GothicNeo" panose="020B0500000101010101" pitchFamily="50" charset="-127"/>
+                <a:cs typeface="Microsoft GothicNeo" panose="020B0500000101010101" pitchFamily="50" charset="-127"/>
+              </a:rPr>
+              <a:t>VggNet</a:t>
+            </a:r>
+            <a:r>
+              <a:rPr lang="ko-KR" altLang="en-US" sz="3200" dirty="0">
+                <a:latin typeface="Microsoft GothicNeo" panose="020B0500000101010101" pitchFamily="50" charset="-127"/>
+                <a:ea typeface="Microsoft GothicNeo" panose="020B0500000101010101" pitchFamily="50" charset="-127"/>
+                <a:cs typeface="Microsoft GothicNeo" panose="020B0500000101010101" pitchFamily="50" charset="-127"/>
+              </a:rPr>
+              <a:t>을 베이스로 하며 발전시킨 모델인 </a:t>
+            </a:r>
+            <a:r>
+              <a:rPr lang="en-US" altLang="ko-KR" sz="3200" dirty="0" err="1">
+                <a:latin typeface="Microsoft GothicNeo" panose="020B0500000101010101" pitchFamily="50" charset="-127"/>
+                <a:ea typeface="Microsoft GothicNeo" panose="020B0500000101010101" pitchFamily="50" charset="-127"/>
+                <a:cs typeface="Microsoft GothicNeo" panose="020B0500000101010101" pitchFamily="50" charset="-127"/>
+              </a:rPr>
+              <a:t>ResNet</a:t>
+            </a:r>
+            <a:r>
+              <a:rPr lang="ko-KR" altLang="en-US" sz="3200" dirty="0">
+                <a:latin typeface="Microsoft GothicNeo" panose="020B0500000101010101" pitchFamily="50" charset="-127"/>
+                <a:ea typeface="Microsoft GothicNeo" panose="020B0500000101010101" pitchFamily="50" charset="-127"/>
+                <a:cs typeface="Microsoft GothicNeo" panose="020B0500000101010101" pitchFamily="50" charset="-127"/>
+              </a:rPr>
+              <a:t>과 </a:t>
+            </a:r>
+            <a:r>
+              <a:rPr lang="en-US" altLang="ko-KR" sz="3200" dirty="0" err="1">
+                <a:latin typeface="Microsoft GothicNeo" panose="020B0500000101010101" pitchFamily="50" charset="-127"/>
+                <a:ea typeface="Microsoft GothicNeo" panose="020B0500000101010101" pitchFamily="50" charset="-127"/>
+                <a:cs typeface="Microsoft GothicNeo" panose="020B0500000101010101" pitchFamily="50" charset="-127"/>
+              </a:rPr>
+              <a:t>MobileNet</a:t>
+            </a:r>
+            <a:r>
+              <a:rPr lang="ko-KR" altLang="en-US" sz="3200" dirty="0">
+                <a:latin typeface="Microsoft GothicNeo" panose="020B0500000101010101" pitchFamily="50" charset="-127"/>
+                <a:ea typeface="Microsoft GothicNeo" panose="020B0500000101010101" pitchFamily="50" charset="-127"/>
+                <a:cs typeface="Microsoft GothicNeo" panose="020B0500000101010101" pitchFamily="50" charset="-127"/>
+              </a:rPr>
+              <a:t>의 구조도 학습하고 비교하며 직접 </a:t>
+            </a:r>
+            <a:r>
+              <a:rPr lang="en-US" altLang="ko-KR" sz="3200" dirty="0">
+                <a:latin typeface="Microsoft GothicNeo" panose="020B0500000101010101" pitchFamily="50" charset="-127"/>
+                <a:ea typeface="Microsoft GothicNeo" panose="020B0500000101010101" pitchFamily="50" charset="-127"/>
+                <a:cs typeface="Microsoft GothicNeo" panose="020B0500000101010101" pitchFamily="50" charset="-127"/>
+              </a:rPr>
+              <a:t>train</a:t>
+            </a:r>
+            <a:r>
+              <a:rPr lang="ko-KR" altLang="en-US" sz="3200" dirty="0">
+                <a:latin typeface="Microsoft GothicNeo" panose="020B0500000101010101" pitchFamily="50" charset="-127"/>
+                <a:ea typeface="Microsoft GothicNeo" panose="020B0500000101010101" pitchFamily="50" charset="-127"/>
+                <a:cs typeface="Microsoft GothicNeo" panose="020B0500000101010101" pitchFamily="50" charset="-127"/>
+              </a:rPr>
+              <a:t>해보며 </a:t>
+            </a:r>
+            <a:r>
+              <a:rPr lang="en-US" altLang="ko-KR" sz="3200" dirty="0" err="1">
+                <a:latin typeface="Microsoft GothicNeo" panose="020B0500000101010101" pitchFamily="50" charset="-127"/>
+                <a:ea typeface="Microsoft GothicNeo" panose="020B0500000101010101" pitchFamily="50" charset="-127"/>
+                <a:cs typeface="Microsoft GothicNeo" panose="020B0500000101010101" pitchFamily="50" charset="-127"/>
+              </a:rPr>
+              <a:t>pytorch</a:t>
+            </a:r>
+            <a:r>
+              <a:rPr lang="ko-KR" altLang="en-US" sz="3200" dirty="0">
+                <a:latin typeface="Microsoft GothicNeo" panose="020B0500000101010101" pitchFamily="50" charset="-127"/>
+                <a:ea typeface="Microsoft GothicNeo" panose="020B0500000101010101" pitchFamily="50" charset="-127"/>
+                <a:cs typeface="Microsoft GothicNeo" panose="020B0500000101010101" pitchFamily="50" charset="-127"/>
+              </a:rPr>
+              <a:t>로 네트워크를 구현하는 방법과 다양한 아이디어를 조합하여 새로운 네트워크를 만들어내는 시도들에 대해 공부할 수 있었음</a:t>
+            </a:r>
+            <a:r>
+              <a:rPr lang="en-US" altLang="ko-KR" sz="3200" dirty="0">
+                <a:latin typeface="Microsoft GothicNeo" panose="020B0500000101010101" pitchFamily="50" charset="-127"/>
+                <a:ea typeface="Microsoft GothicNeo" panose="020B0500000101010101" pitchFamily="50" charset="-127"/>
+                <a:cs typeface="Microsoft GothicNeo" panose="020B0500000101010101" pitchFamily="50" charset="-127"/>
+              </a:rPr>
+              <a:t>.</a:t>
+            </a:r>
+          </a:p>
+          <a:p>
+            <a:pPr>
+              <a:lnSpc>
+                <a:spcPct val="150000"/>
+              </a:lnSpc>
+            </a:pPr>
+            <a:r>
+              <a:rPr lang="en-US" altLang="ko-KR" sz="3200" dirty="0">
+                <a:latin typeface="Microsoft GothicNeo" panose="020B0500000101010101" pitchFamily="50" charset="-127"/>
+                <a:ea typeface="Microsoft GothicNeo" panose="020B0500000101010101" pitchFamily="50" charset="-127"/>
+                <a:cs typeface="Microsoft GothicNeo" panose="020B0500000101010101" pitchFamily="50" charset="-127"/>
+              </a:rPr>
+              <a:t>Object</a:t>
+            </a:r>
+            <a:r>
+              <a:rPr lang="ko-KR" altLang="en-US" sz="3200" dirty="0">
+                <a:latin typeface="Microsoft GothicNeo" panose="020B0500000101010101" pitchFamily="50" charset="-127"/>
+                <a:ea typeface="Microsoft GothicNeo" panose="020B0500000101010101" pitchFamily="50" charset="-127"/>
+                <a:cs typeface="Microsoft GothicNeo" panose="020B0500000101010101" pitchFamily="50" charset="-127"/>
+              </a:rPr>
+              <a:t> </a:t>
+            </a:r>
+            <a:r>
+              <a:rPr lang="en-US" altLang="ko-KR" sz="3200" dirty="0">
+                <a:latin typeface="Microsoft GothicNeo" panose="020B0500000101010101" pitchFamily="50" charset="-127"/>
+                <a:ea typeface="Microsoft GothicNeo" panose="020B0500000101010101" pitchFamily="50" charset="-127"/>
+                <a:cs typeface="Microsoft GothicNeo" panose="020B0500000101010101" pitchFamily="50" charset="-127"/>
+              </a:rPr>
+              <a:t>Detection,</a:t>
+            </a:r>
+            <a:r>
+              <a:rPr lang="ko-KR" altLang="en-US" sz="3200" dirty="0">
+                <a:latin typeface="Microsoft GothicNeo" panose="020B0500000101010101" pitchFamily="50" charset="-127"/>
+                <a:ea typeface="Microsoft GothicNeo" panose="020B0500000101010101" pitchFamily="50" charset="-127"/>
+                <a:cs typeface="Microsoft GothicNeo" panose="020B0500000101010101" pitchFamily="50" charset="-127"/>
+              </a:rPr>
+              <a:t> </a:t>
+            </a:r>
+            <a:r>
+              <a:rPr lang="en-US" altLang="ko-KR" sz="3200" dirty="0">
+                <a:latin typeface="Microsoft GothicNeo" panose="020B0500000101010101" pitchFamily="50" charset="-127"/>
+                <a:ea typeface="Microsoft GothicNeo" panose="020B0500000101010101" pitchFamily="50" charset="-127"/>
+                <a:cs typeface="Microsoft GothicNeo" panose="020B0500000101010101" pitchFamily="50" charset="-127"/>
+              </a:rPr>
+              <a:t>Segmentation </a:t>
+            </a:r>
+            <a:r>
+              <a:rPr lang="ko-KR" altLang="en-US" sz="3200" dirty="0">
+                <a:latin typeface="Microsoft GothicNeo" panose="020B0500000101010101" pitchFamily="50" charset="-127"/>
+                <a:ea typeface="Microsoft GothicNeo" panose="020B0500000101010101" pitchFamily="50" charset="-127"/>
+                <a:cs typeface="Microsoft GothicNeo" panose="020B0500000101010101" pitchFamily="50" charset="-127"/>
+              </a:rPr>
+              <a:t>등에 범용적으로 쓰이는 주요한 </a:t>
+            </a:r>
+            <a:r>
+              <a:rPr lang="en-US" altLang="ko-KR" sz="3200" dirty="0">
+                <a:latin typeface="Microsoft GothicNeo" panose="020B0500000101010101" pitchFamily="50" charset="-127"/>
+                <a:ea typeface="Microsoft GothicNeo" panose="020B0500000101010101" pitchFamily="50" charset="-127"/>
+                <a:cs typeface="Microsoft GothicNeo" panose="020B0500000101010101" pitchFamily="50" charset="-127"/>
+              </a:rPr>
+              <a:t>Classification </a:t>
+            </a:r>
+            <a:r>
+              <a:rPr lang="ko-KR" altLang="en-US" sz="3200" dirty="0">
+                <a:latin typeface="Microsoft GothicNeo" panose="020B0500000101010101" pitchFamily="50" charset="-127"/>
+                <a:ea typeface="Microsoft GothicNeo" panose="020B0500000101010101" pitchFamily="50" charset="-127"/>
+                <a:cs typeface="Microsoft GothicNeo" panose="020B0500000101010101" pitchFamily="50" charset="-127"/>
+              </a:rPr>
+              <a:t>네트워크에 대한 기반지식을 학습하였음</a:t>
+            </a:r>
+            <a:r>
+              <a:rPr lang="en-US" altLang="ko-KR" sz="3200" dirty="0">
+                <a:latin typeface="Microsoft GothicNeo" panose="020B0500000101010101" pitchFamily="50" charset="-127"/>
+                <a:ea typeface="Microsoft GothicNeo" panose="020B0500000101010101" pitchFamily="50" charset="-127"/>
+                <a:cs typeface="Microsoft GothicNeo" panose="020B0500000101010101" pitchFamily="50" charset="-127"/>
+              </a:rPr>
+              <a:t>.</a:t>
             </a:r>
           </a:p>
         </p:txBody>
@@ -5709,7 +8725,7 @@
     </p:spTree>
     <p:extLst>
       <p:ext uri="{BB962C8B-B14F-4D97-AF65-F5344CB8AC3E}">
-        <p14:creationId xmlns:p14="http://schemas.microsoft.com/office/powerpoint/2010/main" val="3364853202"/>
+        <p14:creationId xmlns:p14="http://schemas.microsoft.com/office/powerpoint/2010/main" val="3602889430"/>
       </p:ext>
     </p:extLst>
   </p:cSld>
@@ -5719,7 +8735,7 @@
 </p:sld>
 </file>
 
-<file path=ppt/slides/slide4.xml><?xml version="1.0" encoding="utf-8"?>
+<file path=ppt/slides/slide21.xml><?xml version="1.0" encoding="utf-8"?>
 <p:sld xmlns:a="http://schemas.openxmlformats.org/drawingml/2006/main" xmlns:r="http://schemas.openxmlformats.org/officeDocument/2006/relationships" xmlns:p="http://schemas.openxmlformats.org/presentationml/2006/main">
   <p:cSld>
     <p:spTree>
@@ -5755,6 +8771,849 @@
         <p:spPr>
           <a:xfrm>
             <a:off x="190019" y="1"/>
+            <a:ext cx="6673768" cy="1325563"/>
+          </a:xfrm>
+        </p:spPr>
+        <p:txBody>
+          <a:bodyPr>
+            <a:normAutofit/>
+          </a:bodyPr>
+          <a:lstStyle/>
+          <a:p>
+            <a:r>
+              <a:rPr lang="en-US" altLang="ko-KR" dirty="0">
+                <a:latin typeface="Microsoft GothicNeo" panose="020B0500000101010101" pitchFamily="50" charset="-127"/>
+                <a:ea typeface="Microsoft GothicNeo" panose="020B0500000101010101" pitchFamily="50" charset="-127"/>
+                <a:cs typeface="Microsoft GothicNeo" panose="020B0500000101010101" pitchFamily="50" charset="-127"/>
+              </a:rPr>
+              <a:t>8. </a:t>
+            </a:r>
+            <a:r>
+              <a:rPr lang="ko-KR" altLang="en-US" dirty="0">
+                <a:latin typeface="Microsoft GothicNeo" panose="020B0500000101010101" pitchFamily="50" charset="-127"/>
+                <a:ea typeface="Microsoft GothicNeo" panose="020B0500000101010101" pitchFamily="50" charset="-127"/>
+                <a:cs typeface="Microsoft GothicNeo" panose="020B0500000101010101" pitchFamily="50" charset="-127"/>
+              </a:rPr>
+              <a:t>참고문헌</a:t>
+            </a:r>
+          </a:p>
+        </p:txBody>
+      </p:sp>
+      <p:sp>
+        <p:nvSpPr>
+          <p:cNvPr id="3" name="내용 개체 틀 2">
+            <a:extLst>
+              <a:ext uri="{FF2B5EF4-FFF2-40B4-BE49-F238E27FC236}">
+                <a16:creationId xmlns:a16="http://schemas.microsoft.com/office/drawing/2014/main" id="{62E8C59D-5D95-4DD3-BD63-D960FE500BA8}"/>
+              </a:ext>
+            </a:extLst>
+          </p:cNvPr>
+          <p:cNvSpPr>
+            <a:spLocks noGrp="1"/>
+          </p:cNvSpPr>
+          <p:nvPr>
+            <p:ph idx="1"/>
+          </p:nvPr>
+        </p:nvSpPr>
+        <p:spPr>
+          <a:xfrm>
+            <a:off x="468629" y="1325564"/>
+            <a:ext cx="11192939" cy="5253362"/>
+          </a:xfrm>
+        </p:spPr>
+        <p:txBody>
+          <a:bodyPr>
+            <a:normAutofit fontScale="55000" lnSpcReduction="20000"/>
+          </a:bodyPr>
+          <a:lstStyle/>
+          <a:p>
+            <a:pPr>
+              <a:lnSpc>
+                <a:spcPct val="150000"/>
+              </a:lnSpc>
+            </a:pPr>
+            <a:r>
+              <a:rPr lang="en-US" altLang="ko-KR" sz="2000" b="0" i="0" dirty="0">
+                <a:solidFill>
+                  <a:srgbClr val="24292E"/>
+                </a:solidFill>
+                <a:effectLst/>
+                <a:latin typeface="Microsoft GothicNeo" panose="020B0500000101010101" pitchFamily="50" charset="-127"/>
+                <a:ea typeface="Microsoft GothicNeo" panose="020B0500000101010101" pitchFamily="50" charset="-127"/>
+                <a:cs typeface="Microsoft GothicNeo" panose="020B0500000101010101" pitchFamily="50" charset="-127"/>
+                <a:hlinkClick r:id="rId2"/>
+              </a:rPr>
+              <a:t>Karen </a:t>
+            </a:r>
+            <a:r>
+              <a:rPr lang="en-US" altLang="ko-KR" sz="2000" b="0" i="0" dirty="0" err="1">
+                <a:solidFill>
+                  <a:srgbClr val="24292E"/>
+                </a:solidFill>
+                <a:effectLst/>
+                <a:latin typeface="Microsoft GothicNeo" panose="020B0500000101010101" pitchFamily="50" charset="-127"/>
+                <a:ea typeface="Microsoft GothicNeo" panose="020B0500000101010101" pitchFamily="50" charset="-127"/>
+                <a:cs typeface="Microsoft GothicNeo" panose="020B0500000101010101" pitchFamily="50" charset="-127"/>
+                <a:hlinkClick r:id="rId2"/>
+              </a:rPr>
+              <a:t>Simonyan</a:t>
+            </a:r>
+            <a:r>
+              <a:rPr lang="en-US" altLang="ko-KR" sz="2000" b="0" i="0" dirty="0">
+                <a:solidFill>
+                  <a:srgbClr val="24292E"/>
+                </a:solidFill>
+                <a:effectLst/>
+                <a:latin typeface="Microsoft GothicNeo" panose="020B0500000101010101" pitchFamily="50" charset="-127"/>
+                <a:ea typeface="Microsoft GothicNeo" panose="020B0500000101010101" pitchFamily="50" charset="-127"/>
+                <a:cs typeface="Microsoft GothicNeo" panose="020B0500000101010101" pitchFamily="50" charset="-127"/>
+                <a:hlinkClick r:id="rId2"/>
+              </a:rPr>
+              <a:t> and Andrew Zisserman. Very deep convolutional networks for large-scale image recognition. </a:t>
+            </a:r>
+            <a:r>
+              <a:rPr lang="en-US" altLang="ko-KR" sz="2000" b="0" i="0" dirty="0" err="1">
+                <a:solidFill>
+                  <a:srgbClr val="24292E"/>
+                </a:solidFill>
+                <a:effectLst/>
+                <a:latin typeface="Microsoft GothicNeo" panose="020B0500000101010101" pitchFamily="50" charset="-127"/>
+                <a:ea typeface="Microsoft GothicNeo" panose="020B0500000101010101" pitchFamily="50" charset="-127"/>
+                <a:cs typeface="Microsoft GothicNeo" panose="020B0500000101010101" pitchFamily="50" charset="-127"/>
+                <a:hlinkClick r:id="rId2"/>
+              </a:rPr>
+              <a:t>arXiv</a:t>
+            </a:r>
+            <a:r>
+              <a:rPr lang="en-US" altLang="ko-KR" sz="2000" b="0" i="0" dirty="0">
+                <a:solidFill>
+                  <a:srgbClr val="24292E"/>
+                </a:solidFill>
+                <a:effectLst/>
+                <a:latin typeface="Microsoft GothicNeo" panose="020B0500000101010101" pitchFamily="50" charset="-127"/>
+                <a:ea typeface="Microsoft GothicNeo" panose="020B0500000101010101" pitchFamily="50" charset="-127"/>
+                <a:cs typeface="Microsoft GothicNeo" panose="020B0500000101010101" pitchFamily="50" charset="-127"/>
+                <a:hlinkClick r:id="rId2"/>
+              </a:rPr>
+              <a:t> preprint arXiv:1409.1556, 2014.</a:t>
+            </a:r>
+            <a:endParaRPr lang="en-US" altLang="ko-KR" sz="2000" b="0" i="0" dirty="0">
+              <a:solidFill>
+                <a:srgbClr val="24292E"/>
+              </a:solidFill>
+              <a:effectLst/>
+              <a:latin typeface="Microsoft GothicNeo" panose="020B0500000101010101" pitchFamily="50" charset="-127"/>
+              <a:ea typeface="Microsoft GothicNeo" panose="020B0500000101010101" pitchFamily="50" charset="-127"/>
+              <a:cs typeface="Microsoft GothicNeo" panose="020B0500000101010101" pitchFamily="50" charset="-127"/>
+            </a:endParaRPr>
+          </a:p>
+          <a:p>
+            <a:pPr>
+              <a:lnSpc>
+                <a:spcPct val="150000"/>
+              </a:lnSpc>
+            </a:pPr>
+            <a:r>
+              <a:rPr lang="en-US" altLang="ko-KR" sz="2000" b="0" i="0" dirty="0">
+                <a:solidFill>
+                  <a:srgbClr val="24292E"/>
+                </a:solidFill>
+                <a:effectLst/>
+                <a:latin typeface="Microsoft GothicNeo" panose="020B0500000101010101" pitchFamily="50" charset="-127"/>
+                <a:ea typeface="Microsoft GothicNeo" panose="020B0500000101010101" pitchFamily="50" charset="-127"/>
+                <a:cs typeface="Microsoft GothicNeo" panose="020B0500000101010101" pitchFamily="50" charset="-127"/>
+                <a:hlinkClick r:id="rId3"/>
+              </a:rPr>
+              <a:t>Kaiming He, </a:t>
+            </a:r>
+            <a:r>
+              <a:rPr lang="en-US" altLang="ko-KR" sz="2000" b="0" i="0" dirty="0" err="1">
+                <a:solidFill>
+                  <a:srgbClr val="24292E"/>
+                </a:solidFill>
+                <a:effectLst/>
+                <a:latin typeface="Microsoft GothicNeo" panose="020B0500000101010101" pitchFamily="50" charset="-127"/>
+                <a:ea typeface="Microsoft GothicNeo" panose="020B0500000101010101" pitchFamily="50" charset="-127"/>
+                <a:cs typeface="Microsoft GothicNeo" panose="020B0500000101010101" pitchFamily="50" charset="-127"/>
+                <a:hlinkClick r:id="rId3"/>
+              </a:rPr>
+              <a:t>Xiangyu</a:t>
+            </a:r>
+            <a:r>
+              <a:rPr lang="en-US" altLang="ko-KR" sz="2000" b="0" i="0" dirty="0">
+                <a:solidFill>
+                  <a:srgbClr val="24292E"/>
+                </a:solidFill>
+                <a:effectLst/>
+                <a:latin typeface="Microsoft GothicNeo" panose="020B0500000101010101" pitchFamily="50" charset="-127"/>
+                <a:ea typeface="Microsoft GothicNeo" panose="020B0500000101010101" pitchFamily="50" charset="-127"/>
+                <a:cs typeface="Microsoft GothicNeo" panose="020B0500000101010101" pitchFamily="50" charset="-127"/>
+                <a:hlinkClick r:id="rId3"/>
+              </a:rPr>
+              <a:t> Zhang, </a:t>
+            </a:r>
+            <a:r>
+              <a:rPr lang="en-US" altLang="ko-KR" sz="2000" b="0" i="0" dirty="0" err="1">
+                <a:solidFill>
+                  <a:srgbClr val="24292E"/>
+                </a:solidFill>
+                <a:effectLst/>
+                <a:latin typeface="Microsoft GothicNeo" panose="020B0500000101010101" pitchFamily="50" charset="-127"/>
+                <a:ea typeface="Microsoft GothicNeo" panose="020B0500000101010101" pitchFamily="50" charset="-127"/>
+                <a:cs typeface="Microsoft GothicNeo" panose="020B0500000101010101" pitchFamily="50" charset="-127"/>
+                <a:hlinkClick r:id="rId3"/>
+              </a:rPr>
+              <a:t>Shaoqing</a:t>
+            </a:r>
+            <a:r>
+              <a:rPr lang="en-US" altLang="ko-KR" sz="2000" b="0" i="0" dirty="0">
+                <a:solidFill>
+                  <a:srgbClr val="24292E"/>
+                </a:solidFill>
+                <a:effectLst/>
+                <a:latin typeface="Microsoft GothicNeo" panose="020B0500000101010101" pitchFamily="50" charset="-127"/>
+                <a:ea typeface="Microsoft GothicNeo" panose="020B0500000101010101" pitchFamily="50" charset="-127"/>
+                <a:cs typeface="Microsoft GothicNeo" panose="020B0500000101010101" pitchFamily="50" charset="-127"/>
+                <a:hlinkClick r:id="rId3"/>
+              </a:rPr>
+              <a:t> Ren and Jian Sun. Deep Residual Learning for Image Recognition. </a:t>
+            </a:r>
+            <a:r>
+              <a:rPr lang="en-US" altLang="ko-KR" sz="2000" b="0" i="0" dirty="0" err="1">
+                <a:solidFill>
+                  <a:srgbClr val="24292E"/>
+                </a:solidFill>
+                <a:effectLst/>
+                <a:latin typeface="Microsoft GothicNeo" panose="020B0500000101010101" pitchFamily="50" charset="-127"/>
+                <a:ea typeface="Microsoft GothicNeo" panose="020B0500000101010101" pitchFamily="50" charset="-127"/>
+                <a:cs typeface="Microsoft GothicNeo" panose="020B0500000101010101" pitchFamily="50" charset="-127"/>
+                <a:hlinkClick r:id="rId3"/>
+              </a:rPr>
+              <a:t>arXiv</a:t>
+            </a:r>
+            <a:r>
+              <a:rPr lang="en-US" altLang="ko-KR" sz="2000" b="0" i="0" dirty="0">
+                <a:solidFill>
+                  <a:srgbClr val="24292E"/>
+                </a:solidFill>
+                <a:effectLst/>
+                <a:latin typeface="Microsoft GothicNeo" panose="020B0500000101010101" pitchFamily="50" charset="-127"/>
+                <a:ea typeface="Microsoft GothicNeo" panose="020B0500000101010101" pitchFamily="50" charset="-127"/>
+                <a:cs typeface="Microsoft GothicNeo" panose="020B0500000101010101" pitchFamily="50" charset="-127"/>
+                <a:hlinkClick r:id="rId3"/>
+              </a:rPr>
+              <a:t> </a:t>
+            </a:r>
+            <a:r>
+              <a:rPr lang="en-US" altLang="ko-KR" sz="2000" b="0" i="0" dirty="0" err="1">
+                <a:solidFill>
+                  <a:srgbClr val="24292E"/>
+                </a:solidFill>
+                <a:effectLst/>
+                <a:latin typeface="Microsoft GothicNeo" panose="020B0500000101010101" pitchFamily="50" charset="-127"/>
+                <a:ea typeface="Microsoft GothicNeo" panose="020B0500000101010101" pitchFamily="50" charset="-127"/>
+                <a:cs typeface="Microsoft GothicNeo" panose="020B0500000101010101" pitchFamily="50" charset="-127"/>
+                <a:hlinkClick r:id="rId3"/>
+              </a:rPr>
+              <a:t>preprent</a:t>
+            </a:r>
+            <a:r>
+              <a:rPr lang="en-US" altLang="ko-KR" sz="2000" b="0" i="0" dirty="0">
+                <a:solidFill>
+                  <a:srgbClr val="24292E"/>
+                </a:solidFill>
+                <a:effectLst/>
+                <a:latin typeface="Microsoft GothicNeo" panose="020B0500000101010101" pitchFamily="50" charset="-127"/>
+                <a:ea typeface="Microsoft GothicNeo" panose="020B0500000101010101" pitchFamily="50" charset="-127"/>
+                <a:cs typeface="Microsoft GothicNeo" panose="020B0500000101010101" pitchFamily="50" charset="-127"/>
+                <a:hlinkClick r:id="rId3"/>
+              </a:rPr>
+              <a:t> arXiv:1512.03385, 2015.</a:t>
+            </a:r>
+            <a:endParaRPr lang="en-US" altLang="ko-KR" sz="2000" b="0" i="0" dirty="0">
+              <a:solidFill>
+                <a:srgbClr val="24292E"/>
+              </a:solidFill>
+              <a:effectLst/>
+              <a:latin typeface="Microsoft GothicNeo" panose="020B0500000101010101" pitchFamily="50" charset="-127"/>
+              <a:ea typeface="Microsoft GothicNeo" panose="020B0500000101010101" pitchFamily="50" charset="-127"/>
+              <a:cs typeface="Microsoft GothicNeo" panose="020B0500000101010101" pitchFamily="50" charset="-127"/>
+            </a:endParaRPr>
+          </a:p>
+          <a:p>
+            <a:pPr>
+              <a:lnSpc>
+                <a:spcPct val="150000"/>
+              </a:lnSpc>
+            </a:pPr>
+            <a:r>
+              <a:rPr lang="en-US" altLang="ko-KR" sz="2000" b="0" i="0" dirty="0">
+                <a:solidFill>
+                  <a:srgbClr val="24292E"/>
+                </a:solidFill>
+                <a:effectLst/>
+                <a:latin typeface="Microsoft GothicNeo" panose="020B0500000101010101" pitchFamily="50" charset="-127"/>
+                <a:ea typeface="Microsoft GothicNeo" panose="020B0500000101010101" pitchFamily="50" charset="-127"/>
+                <a:cs typeface="Microsoft GothicNeo" panose="020B0500000101010101" pitchFamily="50" charset="-127"/>
+                <a:hlinkClick r:id="rId4"/>
+              </a:rPr>
+              <a:t>Mark Sandler, Andrew Howard, </a:t>
+            </a:r>
+            <a:r>
+              <a:rPr lang="en-US" altLang="ko-KR" sz="2000" b="0" i="0" dirty="0" err="1">
+                <a:solidFill>
+                  <a:srgbClr val="24292E"/>
+                </a:solidFill>
+                <a:effectLst/>
+                <a:latin typeface="Microsoft GothicNeo" panose="020B0500000101010101" pitchFamily="50" charset="-127"/>
+                <a:ea typeface="Microsoft GothicNeo" panose="020B0500000101010101" pitchFamily="50" charset="-127"/>
+                <a:cs typeface="Microsoft GothicNeo" panose="020B0500000101010101" pitchFamily="50" charset="-127"/>
+                <a:hlinkClick r:id="rId4"/>
+              </a:rPr>
+              <a:t>Menglong</a:t>
+            </a:r>
+            <a:r>
+              <a:rPr lang="en-US" altLang="ko-KR" sz="2000" b="0" i="0" dirty="0">
+                <a:solidFill>
+                  <a:srgbClr val="24292E"/>
+                </a:solidFill>
+                <a:effectLst/>
+                <a:latin typeface="Microsoft GothicNeo" panose="020B0500000101010101" pitchFamily="50" charset="-127"/>
+                <a:ea typeface="Microsoft GothicNeo" panose="020B0500000101010101" pitchFamily="50" charset="-127"/>
+                <a:cs typeface="Microsoft GothicNeo" panose="020B0500000101010101" pitchFamily="50" charset="-127"/>
+                <a:hlinkClick r:id="rId4"/>
+              </a:rPr>
+              <a:t> Zhu, Andrey </a:t>
+            </a:r>
+            <a:r>
+              <a:rPr lang="en-US" altLang="ko-KR" sz="2000" b="0" i="0" dirty="0" err="1">
+                <a:solidFill>
+                  <a:srgbClr val="24292E"/>
+                </a:solidFill>
+                <a:effectLst/>
+                <a:latin typeface="Microsoft GothicNeo" panose="020B0500000101010101" pitchFamily="50" charset="-127"/>
+                <a:ea typeface="Microsoft GothicNeo" panose="020B0500000101010101" pitchFamily="50" charset="-127"/>
+                <a:cs typeface="Microsoft GothicNeo" panose="020B0500000101010101" pitchFamily="50" charset="-127"/>
+                <a:hlinkClick r:id="rId4"/>
+              </a:rPr>
+              <a:t>Zhmoginov</a:t>
+            </a:r>
+            <a:r>
+              <a:rPr lang="en-US" altLang="ko-KR" sz="2000" dirty="0">
+                <a:solidFill>
+                  <a:srgbClr val="24292E"/>
+                </a:solidFill>
+                <a:latin typeface="Microsoft GothicNeo" panose="020B0500000101010101" pitchFamily="50" charset="-127"/>
+                <a:ea typeface="Microsoft GothicNeo" panose="020B0500000101010101" pitchFamily="50" charset="-127"/>
+                <a:cs typeface="Microsoft GothicNeo" panose="020B0500000101010101" pitchFamily="50" charset="-127"/>
+                <a:hlinkClick r:id="rId4"/>
+              </a:rPr>
+              <a:t> and </a:t>
+            </a:r>
+            <a:r>
+              <a:rPr lang="en-US" altLang="ko-KR" sz="2000" b="0" i="0" dirty="0">
+                <a:solidFill>
+                  <a:srgbClr val="24292E"/>
+                </a:solidFill>
+                <a:effectLst/>
+                <a:latin typeface="Microsoft GothicNeo" panose="020B0500000101010101" pitchFamily="50" charset="-127"/>
+                <a:ea typeface="Microsoft GothicNeo" panose="020B0500000101010101" pitchFamily="50" charset="-127"/>
+                <a:cs typeface="Microsoft GothicNeo" panose="020B0500000101010101" pitchFamily="50" charset="-127"/>
+                <a:hlinkClick r:id="rId4"/>
+              </a:rPr>
+              <a:t>Liang-</a:t>
+            </a:r>
+            <a:r>
+              <a:rPr lang="en-US" altLang="ko-KR" sz="2000" b="0" i="0" dirty="0" err="1">
+                <a:solidFill>
+                  <a:srgbClr val="24292E"/>
+                </a:solidFill>
+                <a:effectLst/>
+                <a:latin typeface="Microsoft GothicNeo" panose="020B0500000101010101" pitchFamily="50" charset="-127"/>
+                <a:ea typeface="Microsoft GothicNeo" panose="020B0500000101010101" pitchFamily="50" charset="-127"/>
+                <a:cs typeface="Microsoft GothicNeo" panose="020B0500000101010101" pitchFamily="50" charset="-127"/>
+                <a:hlinkClick r:id="rId4"/>
+              </a:rPr>
+              <a:t>Chieh</a:t>
+            </a:r>
+            <a:r>
+              <a:rPr lang="en-US" altLang="ko-KR" sz="2000" b="0" i="0" dirty="0">
+                <a:solidFill>
+                  <a:srgbClr val="24292E"/>
+                </a:solidFill>
+                <a:effectLst/>
+                <a:latin typeface="Microsoft GothicNeo" panose="020B0500000101010101" pitchFamily="50" charset="-127"/>
+                <a:ea typeface="Microsoft GothicNeo" panose="020B0500000101010101" pitchFamily="50" charset="-127"/>
+                <a:cs typeface="Microsoft GothicNeo" panose="020B0500000101010101" pitchFamily="50" charset="-127"/>
+                <a:hlinkClick r:id="rId4"/>
+              </a:rPr>
+              <a:t> Chen. MobileNetV2: Inverted Residuals and Linear Bottlenecks. </a:t>
+            </a:r>
+            <a:r>
+              <a:rPr lang="en-US" altLang="ko-KR" sz="2000" b="0" i="0" dirty="0" err="1">
+                <a:solidFill>
+                  <a:srgbClr val="24292E"/>
+                </a:solidFill>
+                <a:effectLst/>
+                <a:latin typeface="Microsoft GothicNeo" panose="020B0500000101010101" pitchFamily="50" charset="-127"/>
+                <a:ea typeface="Microsoft GothicNeo" panose="020B0500000101010101" pitchFamily="50" charset="-127"/>
+                <a:cs typeface="Microsoft GothicNeo" panose="020B0500000101010101" pitchFamily="50" charset="-127"/>
+                <a:hlinkClick r:id="rId4"/>
+              </a:rPr>
+              <a:t>arXiv</a:t>
+            </a:r>
+            <a:r>
+              <a:rPr lang="en-US" altLang="ko-KR" sz="2000" b="0" i="0" dirty="0">
+                <a:solidFill>
+                  <a:srgbClr val="24292E"/>
+                </a:solidFill>
+                <a:effectLst/>
+                <a:latin typeface="Microsoft GothicNeo" panose="020B0500000101010101" pitchFamily="50" charset="-127"/>
+                <a:ea typeface="Microsoft GothicNeo" panose="020B0500000101010101" pitchFamily="50" charset="-127"/>
+                <a:cs typeface="Microsoft GothicNeo" panose="020B0500000101010101" pitchFamily="50" charset="-127"/>
+                <a:hlinkClick r:id="rId4"/>
+              </a:rPr>
+              <a:t> preprint arXiv:1801.04381. 2019.</a:t>
+            </a:r>
+            <a:endParaRPr lang="en-US" altLang="ko-KR" sz="2000" b="0" i="0" dirty="0">
+              <a:solidFill>
+                <a:srgbClr val="24292E"/>
+              </a:solidFill>
+              <a:effectLst/>
+              <a:latin typeface="Microsoft GothicNeo" panose="020B0500000101010101" pitchFamily="50" charset="-127"/>
+              <a:ea typeface="Microsoft GothicNeo" panose="020B0500000101010101" pitchFamily="50" charset="-127"/>
+              <a:cs typeface="Microsoft GothicNeo" panose="020B0500000101010101" pitchFamily="50" charset="-127"/>
+            </a:endParaRPr>
+          </a:p>
+          <a:p>
+            <a:pPr>
+              <a:lnSpc>
+                <a:spcPct val="150000"/>
+              </a:lnSpc>
+            </a:pPr>
+            <a:r>
+              <a:rPr lang="en-US" altLang="ko-KR" sz="2000" b="0" i="0" dirty="0">
+                <a:solidFill>
+                  <a:srgbClr val="24292E"/>
+                </a:solidFill>
+                <a:effectLst/>
+                <a:latin typeface="Microsoft GothicNeo" panose="020B0500000101010101" pitchFamily="50" charset="-127"/>
+                <a:ea typeface="Microsoft GothicNeo" panose="020B0500000101010101" pitchFamily="50" charset="-127"/>
+                <a:cs typeface="Microsoft GothicNeo" panose="020B0500000101010101" pitchFamily="50" charset="-127"/>
+                <a:hlinkClick r:id="rId5"/>
+              </a:rPr>
+              <a:t>Sergey</a:t>
+            </a:r>
+            <a:r>
+              <a:rPr lang="ko-KR" altLang="en-US" sz="2000" b="0" i="0" dirty="0">
+                <a:solidFill>
+                  <a:srgbClr val="24292E"/>
+                </a:solidFill>
+                <a:effectLst/>
+                <a:latin typeface="Microsoft GothicNeo" panose="020B0500000101010101" pitchFamily="50" charset="-127"/>
+                <a:ea typeface="Microsoft GothicNeo" panose="020B0500000101010101" pitchFamily="50" charset="-127"/>
+                <a:cs typeface="Microsoft GothicNeo" panose="020B0500000101010101" pitchFamily="50" charset="-127"/>
+                <a:hlinkClick r:id="rId5"/>
+              </a:rPr>
+              <a:t> </a:t>
+            </a:r>
+            <a:r>
+              <a:rPr lang="en-US" altLang="ko-KR" sz="2000" b="0" i="0" dirty="0" err="1">
+                <a:solidFill>
+                  <a:srgbClr val="24292E"/>
+                </a:solidFill>
+                <a:effectLst/>
+                <a:latin typeface="Microsoft GothicNeo" panose="020B0500000101010101" pitchFamily="50" charset="-127"/>
+                <a:ea typeface="Microsoft GothicNeo" panose="020B0500000101010101" pitchFamily="50" charset="-127"/>
+                <a:cs typeface="Microsoft GothicNeo" panose="020B0500000101010101" pitchFamily="50" charset="-127"/>
+                <a:hlinkClick r:id="rId5"/>
+              </a:rPr>
+              <a:t>I</a:t>
+            </a:r>
+            <a:r>
+              <a:rPr lang="en-US" altLang="ko-KR" sz="2000" dirty="0" err="1">
+                <a:solidFill>
+                  <a:srgbClr val="24292E"/>
+                </a:solidFill>
+                <a:latin typeface="Microsoft GothicNeo" panose="020B0500000101010101" pitchFamily="50" charset="-127"/>
+                <a:ea typeface="Microsoft GothicNeo" panose="020B0500000101010101" pitchFamily="50" charset="-127"/>
+                <a:cs typeface="Microsoft GothicNeo" panose="020B0500000101010101" pitchFamily="50" charset="-127"/>
+                <a:hlinkClick r:id="rId5"/>
+              </a:rPr>
+              <a:t>offe</a:t>
+            </a:r>
+            <a:r>
+              <a:rPr lang="en-US" altLang="ko-KR" sz="2000" dirty="0">
+                <a:solidFill>
+                  <a:srgbClr val="24292E"/>
+                </a:solidFill>
+                <a:latin typeface="Microsoft GothicNeo" panose="020B0500000101010101" pitchFamily="50" charset="-127"/>
+                <a:ea typeface="Microsoft GothicNeo" panose="020B0500000101010101" pitchFamily="50" charset="-127"/>
+                <a:cs typeface="Microsoft GothicNeo" panose="020B0500000101010101" pitchFamily="50" charset="-127"/>
+                <a:hlinkClick r:id="rId5"/>
+              </a:rPr>
+              <a:t> and Christian </a:t>
+            </a:r>
+            <a:r>
+              <a:rPr lang="en-US" altLang="ko-KR" sz="2000" dirty="0" err="1">
+                <a:solidFill>
+                  <a:srgbClr val="24292E"/>
+                </a:solidFill>
+                <a:latin typeface="Microsoft GothicNeo" panose="020B0500000101010101" pitchFamily="50" charset="-127"/>
+                <a:ea typeface="Microsoft GothicNeo" panose="020B0500000101010101" pitchFamily="50" charset="-127"/>
+                <a:cs typeface="Microsoft GothicNeo" panose="020B0500000101010101" pitchFamily="50" charset="-127"/>
+                <a:hlinkClick r:id="rId5"/>
+              </a:rPr>
+              <a:t>Szegedy</a:t>
+            </a:r>
+            <a:r>
+              <a:rPr lang="en-US" altLang="ko-KR" sz="2000" dirty="0">
+                <a:solidFill>
+                  <a:srgbClr val="24292E"/>
+                </a:solidFill>
+                <a:latin typeface="Microsoft GothicNeo" panose="020B0500000101010101" pitchFamily="50" charset="-127"/>
+                <a:ea typeface="Microsoft GothicNeo" panose="020B0500000101010101" pitchFamily="50" charset="-127"/>
+                <a:cs typeface="Microsoft GothicNeo" panose="020B0500000101010101" pitchFamily="50" charset="-127"/>
+                <a:hlinkClick r:id="rId5"/>
+              </a:rPr>
+              <a:t>. </a:t>
+            </a:r>
+            <a:r>
+              <a:rPr lang="en-US" altLang="ko-KR" sz="2000" dirty="0">
+                <a:latin typeface="Microsoft GothicNeo" panose="020B0500000101010101" pitchFamily="50" charset="-127"/>
+                <a:ea typeface="Microsoft GothicNeo" panose="020B0500000101010101" pitchFamily="50" charset="-127"/>
+                <a:cs typeface="Microsoft GothicNeo" panose="020B0500000101010101" pitchFamily="50" charset="-127"/>
+                <a:hlinkClick r:id="rId5"/>
+              </a:rPr>
+              <a:t>Batch Normalization: Accelerating Deep Network Training b y Reducing Internal Covariate Shift. </a:t>
+            </a:r>
+            <a:r>
+              <a:rPr lang="en-US" altLang="ko-KR" sz="2000" dirty="0" err="1">
+                <a:latin typeface="Microsoft GothicNeo" panose="020B0500000101010101" pitchFamily="50" charset="-127"/>
+                <a:ea typeface="Microsoft GothicNeo" panose="020B0500000101010101" pitchFamily="50" charset="-127"/>
+                <a:cs typeface="Microsoft GothicNeo" panose="020B0500000101010101" pitchFamily="50" charset="-127"/>
+                <a:hlinkClick r:id="rId5"/>
+              </a:rPr>
+              <a:t>arXiv</a:t>
+            </a:r>
+            <a:r>
+              <a:rPr lang="en-US" altLang="ko-KR" sz="2000" dirty="0">
+                <a:latin typeface="Microsoft GothicNeo" panose="020B0500000101010101" pitchFamily="50" charset="-127"/>
+                <a:ea typeface="Microsoft GothicNeo" panose="020B0500000101010101" pitchFamily="50" charset="-127"/>
+                <a:cs typeface="Microsoft GothicNeo" panose="020B0500000101010101" pitchFamily="50" charset="-127"/>
+                <a:hlinkClick r:id="rId5"/>
+              </a:rPr>
+              <a:t>: 1502.03167v3, 2015. </a:t>
+            </a:r>
+            <a:endParaRPr lang="en-US" altLang="ko-KR" sz="2000" b="0" i="0" dirty="0">
+              <a:solidFill>
+                <a:srgbClr val="24292E"/>
+              </a:solidFill>
+              <a:effectLst/>
+              <a:latin typeface="Microsoft GothicNeo" panose="020B0500000101010101" pitchFamily="50" charset="-127"/>
+              <a:ea typeface="Microsoft GothicNeo" panose="020B0500000101010101" pitchFamily="50" charset="-127"/>
+              <a:cs typeface="Microsoft GothicNeo" panose="020B0500000101010101" pitchFamily="50" charset="-127"/>
+            </a:endParaRPr>
+          </a:p>
+          <a:p>
+            <a:pPr>
+              <a:lnSpc>
+                <a:spcPct val="150000"/>
+              </a:lnSpc>
+            </a:pPr>
+            <a:r>
+              <a:rPr lang="en-US" altLang="ko-KR" sz="2000" dirty="0">
+                <a:latin typeface="Microsoft GothicNeo" panose="020B0500000101010101" pitchFamily="50" charset="-127"/>
+                <a:ea typeface="Microsoft GothicNeo" panose="020B0500000101010101" pitchFamily="50" charset="-127"/>
+                <a:cs typeface="Microsoft GothicNeo" panose="020B0500000101010101" pitchFamily="50" charset="-127"/>
+                <a:hlinkClick r:id="rId6"/>
+              </a:rPr>
+              <a:t>https://www.researchgate.net/figure/Ball-chart-reporting-the-Top-1-and-Top-5-accuracy-vs-computational-complexity-Top-1-and_fig1_328509150</a:t>
+            </a:r>
+            <a:endParaRPr lang="en-US" altLang="ko-KR" sz="2000" dirty="0">
+              <a:latin typeface="Microsoft GothicNeo" panose="020B0500000101010101" pitchFamily="50" charset="-127"/>
+              <a:ea typeface="Microsoft GothicNeo" panose="020B0500000101010101" pitchFamily="50" charset="-127"/>
+              <a:cs typeface="Microsoft GothicNeo" panose="020B0500000101010101" pitchFamily="50" charset="-127"/>
+            </a:endParaRPr>
+          </a:p>
+          <a:p>
+            <a:pPr>
+              <a:lnSpc>
+                <a:spcPct val="150000"/>
+              </a:lnSpc>
+            </a:pPr>
+            <a:r>
+              <a:rPr lang="en-US" altLang="ko-KR" sz="2000" dirty="0">
+                <a:latin typeface="Microsoft GothicNeo" panose="020B0500000101010101" pitchFamily="50" charset="-127"/>
+                <a:ea typeface="Microsoft GothicNeo" panose="020B0500000101010101" pitchFamily="50" charset="-127"/>
+                <a:cs typeface="Microsoft GothicNeo" panose="020B0500000101010101" pitchFamily="50" charset="-127"/>
+                <a:hlinkClick r:id="rId7"/>
+              </a:rPr>
+              <a:t>http://cs231n.stanford.edu/</a:t>
+            </a:r>
+            <a:endParaRPr lang="en-US" altLang="ko-KR" sz="2000" dirty="0">
+              <a:latin typeface="Microsoft GothicNeo" panose="020B0500000101010101" pitchFamily="50" charset="-127"/>
+              <a:ea typeface="Microsoft GothicNeo" panose="020B0500000101010101" pitchFamily="50" charset="-127"/>
+              <a:cs typeface="Microsoft GothicNeo" panose="020B0500000101010101" pitchFamily="50" charset="-127"/>
+            </a:endParaRPr>
+          </a:p>
+          <a:p>
+            <a:pPr>
+              <a:lnSpc>
+                <a:spcPct val="150000"/>
+              </a:lnSpc>
+            </a:pPr>
+            <a:r>
+              <a:rPr lang="en-US" altLang="ko-KR" sz="2000" dirty="0">
+                <a:latin typeface="Microsoft GothicNeo" panose="020B0500000101010101" pitchFamily="50" charset="-127"/>
+                <a:ea typeface="Microsoft GothicNeo" panose="020B0500000101010101" pitchFamily="50" charset="-127"/>
+                <a:cs typeface="Microsoft GothicNeo" panose="020B0500000101010101" pitchFamily="50" charset="-127"/>
+                <a:hlinkClick r:id="rId8"/>
+              </a:rPr>
+              <a:t>https://github.com/pytorch/vision/blob/6db1569c89094cf23f3bc41f79275c45e9fcb3f3/torchvision/models/vgg.py#L24</a:t>
+            </a:r>
+            <a:endParaRPr lang="en-US" altLang="ko-KR" sz="2000" dirty="0">
+              <a:latin typeface="Microsoft GothicNeo" panose="020B0500000101010101" pitchFamily="50" charset="-127"/>
+              <a:ea typeface="Microsoft GothicNeo" panose="020B0500000101010101" pitchFamily="50" charset="-127"/>
+              <a:cs typeface="Microsoft GothicNeo" panose="020B0500000101010101" pitchFamily="50" charset="-127"/>
+            </a:endParaRPr>
+          </a:p>
+          <a:p>
+            <a:pPr>
+              <a:lnSpc>
+                <a:spcPct val="150000"/>
+              </a:lnSpc>
+            </a:pPr>
+            <a:r>
+              <a:rPr lang="en-US" altLang="ko-KR" sz="2000" dirty="0">
+                <a:latin typeface="Microsoft GothicNeo" panose="020B0500000101010101" pitchFamily="50" charset="-127"/>
+                <a:ea typeface="Microsoft GothicNeo" panose="020B0500000101010101" pitchFamily="50" charset="-127"/>
+                <a:cs typeface="Microsoft GothicNeo" panose="020B0500000101010101" pitchFamily="50" charset="-127"/>
+                <a:hlinkClick r:id="rId9"/>
+              </a:rPr>
+              <a:t>https://github.com/kuangliu/pytorch-cifar</a:t>
+            </a:r>
+            <a:endParaRPr lang="en-US" altLang="ko-KR" sz="2000" dirty="0">
+              <a:latin typeface="Microsoft GothicNeo" panose="020B0500000101010101" pitchFamily="50" charset="-127"/>
+              <a:ea typeface="Microsoft GothicNeo" panose="020B0500000101010101" pitchFamily="50" charset="-127"/>
+              <a:cs typeface="Microsoft GothicNeo" panose="020B0500000101010101" pitchFamily="50" charset="-127"/>
+            </a:endParaRPr>
+          </a:p>
+          <a:p>
+            <a:pPr>
+              <a:lnSpc>
+                <a:spcPct val="150000"/>
+              </a:lnSpc>
+            </a:pPr>
+            <a:r>
+              <a:rPr lang="en-US" altLang="ko-KR" sz="2000" dirty="0">
+                <a:latin typeface="Microsoft GothicNeo" panose="020B0500000101010101" pitchFamily="50" charset="-127"/>
+                <a:ea typeface="Microsoft GothicNeo" panose="020B0500000101010101" pitchFamily="50" charset="-127"/>
+                <a:cs typeface="Microsoft GothicNeo" panose="020B0500000101010101" pitchFamily="50" charset="-127"/>
+                <a:hlinkClick r:id="rId10"/>
+              </a:rPr>
+              <a:t>https://junklee.tistory.com/111</a:t>
+            </a:r>
+            <a:endParaRPr lang="en-US" altLang="ko-KR" sz="2000" dirty="0">
+              <a:latin typeface="Microsoft GothicNeo" panose="020B0500000101010101" pitchFamily="50" charset="-127"/>
+              <a:ea typeface="Microsoft GothicNeo" panose="020B0500000101010101" pitchFamily="50" charset="-127"/>
+              <a:cs typeface="Microsoft GothicNeo" panose="020B0500000101010101" pitchFamily="50" charset="-127"/>
+            </a:endParaRPr>
+          </a:p>
+          <a:p>
+            <a:pPr>
+              <a:lnSpc>
+                <a:spcPct val="150000"/>
+              </a:lnSpc>
+            </a:pPr>
+            <a:r>
+              <a:rPr lang="en-US" altLang="ko-KR" sz="2000" dirty="0">
+                <a:latin typeface="Microsoft GothicNeo" panose="020B0500000101010101" pitchFamily="50" charset="-127"/>
+                <a:ea typeface="Microsoft GothicNeo" panose="020B0500000101010101" pitchFamily="50" charset="-127"/>
+                <a:cs typeface="Microsoft GothicNeo" panose="020B0500000101010101" pitchFamily="50" charset="-127"/>
+                <a:hlinkClick r:id="rId11"/>
+              </a:rPr>
+              <a:t>https://bskyvision.com/644</a:t>
+            </a:r>
+            <a:endParaRPr lang="en-US" altLang="ko-KR" sz="2000" dirty="0">
+              <a:latin typeface="Microsoft GothicNeo" panose="020B0500000101010101" pitchFamily="50" charset="-127"/>
+              <a:ea typeface="Microsoft GothicNeo" panose="020B0500000101010101" pitchFamily="50" charset="-127"/>
+              <a:cs typeface="Microsoft GothicNeo" panose="020B0500000101010101" pitchFamily="50" charset="-127"/>
+            </a:endParaRPr>
+          </a:p>
+          <a:p>
+            <a:pPr>
+              <a:lnSpc>
+                <a:spcPct val="150000"/>
+              </a:lnSpc>
+            </a:pPr>
+            <a:r>
+              <a:rPr lang="en-US" altLang="ko-KR" sz="2000" dirty="0">
+                <a:latin typeface="Microsoft GothicNeo" panose="020B0500000101010101" pitchFamily="50" charset="-127"/>
+                <a:ea typeface="Microsoft GothicNeo" panose="020B0500000101010101" pitchFamily="50" charset="-127"/>
+                <a:cs typeface="Microsoft GothicNeo" panose="020B0500000101010101" pitchFamily="50" charset="-127"/>
+                <a:hlinkClick r:id="rId12"/>
+              </a:rPr>
+              <a:t>https://aistudy9314.tistory.com/25</a:t>
+            </a:r>
+            <a:endParaRPr lang="en-US" altLang="ko-KR" sz="2000" dirty="0">
+              <a:latin typeface="Microsoft GothicNeo" panose="020B0500000101010101" pitchFamily="50" charset="-127"/>
+              <a:ea typeface="Microsoft GothicNeo" panose="020B0500000101010101" pitchFamily="50" charset="-127"/>
+              <a:cs typeface="Microsoft GothicNeo" panose="020B0500000101010101" pitchFamily="50" charset="-127"/>
+            </a:endParaRPr>
+          </a:p>
+          <a:p>
+            <a:pPr>
+              <a:lnSpc>
+                <a:spcPct val="150000"/>
+              </a:lnSpc>
+            </a:pPr>
+            <a:r>
+              <a:rPr lang="en-US" altLang="ko-KR" sz="2000" dirty="0">
+                <a:latin typeface="Microsoft GothicNeo" panose="020B0500000101010101" pitchFamily="50" charset="-127"/>
+                <a:ea typeface="Microsoft GothicNeo" panose="020B0500000101010101" pitchFamily="50" charset="-127"/>
+                <a:cs typeface="Microsoft GothicNeo" panose="020B0500000101010101" pitchFamily="50" charset="-127"/>
+                <a:hlinkClick r:id="rId13"/>
+              </a:rPr>
+              <a:t>https://dev-jm.tistory.com/7</a:t>
+            </a:r>
+            <a:endParaRPr lang="en-US" altLang="ko-KR" sz="2000" dirty="0">
+              <a:latin typeface="Microsoft GothicNeo" panose="020B0500000101010101" pitchFamily="50" charset="-127"/>
+              <a:ea typeface="Microsoft GothicNeo" panose="020B0500000101010101" pitchFamily="50" charset="-127"/>
+              <a:cs typeface="Microsoft GothicNeo" panose="020B0500000101010101" pitchFamily="50" charset="-127"/>
+            </a:endParaRPr>
+          </a:p>
+          <a:p>
+            <a:pPr>
+              <a:lnSpc>
+                <a:spcPct val="150000"/>
+              </a:lnSpc>
+            </a:pPr>
+            <a:r>
+              <a:rPr lang="en-US" altLang="ko-KR" sz="2000" dirty="0">
+                <a:latin typeface="Microsoft GothicNeo" panose="020B0500000101010101" pitchFamily="50" charset="-127"/>
+                <a:ea typeface="Microsoft GothicNeo" panose="020B0500000101010101" pitchFamily="50" charset="-127"/>
+                <a:cs typeface="Microsoft GothicNeo" panose="020B0500000101010101" pitchFamily="50" charset="-127"/>
+                <a:hlinkClick r:id="rId14"/>
+              </a:rPr>
+              <a:t>https://gaussian37.github.io/dl-concept-mobilenet_v2/</a:t>
+            </a:r>
+            <a:endParaRPr lang="en-US" altLang="ko-KR" sz="2000" dirty="0">
+              <a:latin typeface="Microsoft GothicNeo" panose="020B0500000101010101" pitchFamily="50" charset="-127"/>
+              <a:ea typeface="Microsoft GothicNeo" panose="020B0500000101010101" pitchFamily="50" charset="-127"/>
+              <a:cs typeface="Microsoft GothicNeo" panose="020B0500000101010101" pitchFamily="50" charset="-127"/>
+            </a:endParaRPr>
+          </a:p>
+          <a:p>
+            <a:pPr>
+              <a:lnSpc>
+                <a:spcPct val="150000"/>
+              </a:lnSpc>
+            </a:pPr>
+            <a:r>
+              <a:rPr lang="en-US" altLang="ko-KR" sz="2000" dirty="0">
+                <a:latin typeface="Microsoft GothicNeo" panose="020B0500000101010101" pitchFamily="50" charset="-127"/>
+                <a:ea typeface="Microsoft GothicNeo" panose="020B0500000101010101" pitchFamily="50" charset="-127"/>
+                <a:cs typeface="Microsoft GothicNeo" panose="020B0500000101010101" pitchFamily="50" charset="-127"/>
+                <a:hlinkClick r:id="rId15"/>
+              </a:rPr>
+              <a:t>https://velog.io/@woojinn8/LightWeight-Deep-Learning-7.-MobileNet-v2</a:t>
+            </a:r>
+            <a:endParaRPr lang="en-US" altLang="ko-KR" sz="2000" dirty="0">
+              <a:latin typeface="Microsoft GothicNeo" panose="020B0500000101010101" pitchFamily="50" charset="-127"/>
+              <a:ea typeface="Microsoft GothicNeo" panose="020B0500000101010101" pitchFamily="50" charset="-127"/>
+              <a:cs typeface="Microsoft GothicNeo" panose="020B0500000101010101" pitchFamily="50" charset="-127"/>
+            </a:endParaRPr>
+          </a:p>
+        </p:txBody>
+      </p:sp>
+      <p:cxnSp>
+        <p:nvCxnSpPr>
+          <p:cNvPr id="5" name="직선 연결선 4">
+            <a:extLst>
+              <a:ext uri="{FF2B5EF4-FFF2-40B4-BE49-F238E27FC236}">
+                <a16:creationId xmlns:a16="http://schemas.microsoft.com/office/drawing/2014/main" id="{DCC21655-3CEC-4FBA-9415-44F5DE40445B}"/>
+              </a:ext>
+            </a:extLst>
+          </p:cNvPr>
+          <p:cNvCxnSpPr>
+            <a:cxnSpLocks/>
+          </p:cNvCxnSpPr>
+          <p:nvPr/>
+        </p:nvCxnSpPr>
+        <p:spPr>
+          <a:xfrm>
+            <a:off x="2" y="1157469"/>
+            <a:ext cx="7951807" cy="0"/>
+          </a:xfrm>
+          <a:prstGeom prst="line">
+            <a:avLst/>
+          </a:prstGeom>
+        </p:spPr>
+        <p:style>
+          <a:lnRef idx="3">
+            <a:schemeClr val="dk1"/>
+          </a:lnRef>
+          <a:fillRef idx="0">
+            <a:schemeClr val="dk1"/>
+          </a:fillRef>
+          <a:effectRef idx="2">
+            <a:schemeClr val="dk1"/>
+          </a:effectRef>
+          <a:fontRef idx="minor">
+            <a:schemeClr val="tx1"/>
+          </a:fontRef>
+        </p:style>
+      </p:cxnSp>
+    </p:spTree>
+    <p:extLst>
+      <p:ext uri="{BB962C8B-B14F-4D97-AF65-F5344CB8AC3E}">
+        <p14:creationId xmlns:p14="http://schemas.microsoft.com/office/powerpoint/2010/main" val="1140055642"/>
+      </p:ext>
+    </p:extLst>
+  </p:cSld>
+  <p:clrMapOvr>
+    <a:masterClrMapping/>
+  </p:clrMapOvr>
+</p:sld>
+</file>
+
+<file path=ppt/slides/slide3.xml><?xml version="1.0" encoding="utf-8"?>
+<p:sld xmlns:a="http://schemas.openxmlformats.org/drawingml/2006/main" xmlns:r="http://schemas.openxmlformats.org/officeDocument/2006/relationships" xmlns:p="http://schemas.openxmlformats.org/presentationml/2006/main">
+  <p:cSld>
+    <p:spTree>
+      <p:nvGrpSpPr>
+        <p:cNvPr id="1" name=""/>
+        <p:cNvGrpSpPr/>
+        <p:nvPr/>
+      </p:nvGrpSpPr>
+      <p:grpSpPr>
+        <a:xfrm>
+          <a:off x="0" y="0"/>
+          <a:ext cx="0" cy="0"/>
+          <a:chOff x="0" y="0"/>
+          <a:chExt cx="0" cy="0"/>
+        </a:xfrm>
+      </p:grpSpPr>
+      <p:sp>
+        <p:nvSpPr>
+          <p:cNvPr id="2" name="제목 1">
+            <a:extLst>
+              <a:ext uri="{FF2B5EF4-FFF2-40B4-BE49-F238E27FC236}">
+                <a16:creationId xmlns:a16="http://schemas.microsoft.com/office/drawing/2014/main" id="{7CBC3679-A3DF-4930-A237-94BE532DA3BD}"/>
+              </a:ext>
+            </a:extLst>
+          </p:cNvPr>
+          <p:cNvSpPr>
+            <a:spLocks noGrp="1"/>
+          </p:cNvSpPr>
+          <p:nvPr>
+            <p:ph type="title"/>
+          </p:nvPr>
+        </p:nvSpPr>
+        <p:spPr>
+          <a:xfrm>
+            <a:off x="190019" y="1"/>
             <a:ext cx="7761790" cy="1325563"/>
           </a:xfrm>
         </p:spPr>
@@ -5773,34 +9632,29 @@
               <a:t>2. </a:t>
             </a:r>
             <a:r>
+              <a:rPr lang="en-US" altLang="ko-KR" dirty="0" err="1">
+                <a:latin typeface="Microsoft GothicNeo" panose="020B0500000101010101" pitchFamily="50" charset="-127"/>
+                <a:ea typeface="Microsoft GothicNeo" panose="020B0500000101010101" pitchFamily="50" charset="-127"/>
+                <a:cs typeface="Microsoft GothicNeo" panose="020B0500000101010101" pitchFamily="50" charset="-127"/>
+              </a:rPr>
+              <a:t>VggNet</a:t>
+            </a:r>
+            <a:r>
+              <a:rPr lang="en-US" altLang="ko-KR" dirty="0">
+                <a:latin typeface="Microsoft GothicNeo" panose="020B0500000101010101" pitchFamily="50" charset="-127"/>
+                <a:ea typeface="Microsoft GothicNeo" panose="020B0500000101010101" pitchFamily="50" charset="-127"/>
+                <a:cs typeface="Microsoft GothicNeo" panose="020B0500000101010101" pitchFamily="50" charset="-127"/>
+              </a:rPr>
+              <a:t> - </a:t>
+            </a:r>
+            <a:r>
               <a:rPr lang="ko-KR" altLang="en-US" dirty="0">
                 <a:latin typeface="Microsoft GothicNeo" panose="020B0500000101010101" pitchFamily="50" charset="-127"/>
                 <a:ea typeface="Microsoft GothicNeo" panose="020B0500000101010101" pitchFamily="50" charset="-127"/>
                 <a:cs typeface="Microsoft GothicNeo" panose="020B0500000101010101" pitchFamily="50" charset="-127"/>
               </a:rPr>
-              <a:t>내용 </a:t>
-            </a:r>
-            <a:r>
-              <a:rPr lang="en-US" altLang="ko-KR" dirty="0">
-                <a:latin typeface="Microsoft GothicNeo" panose="020B0500000101010101" pitchFamily="50" charset="-127"/>
-                <a:ea typeface="Microsoft GothicNeo" panose="020B0500000101010101" pitchFamily="50" charset="-127"/>
-                <a:cs typeface="Microsoft GothicNeo" panose="020B0500000101010101" pitchFamily="50" charset="-127"/>
-              </a:rPr>
-              <a:t>– </a:t>
-            </a:r>
-            <a:r>
-              <a:rPr lang="en-US" altLang="ko-KR" dirty="0" err="1">
-                <a:latin typeface="Microsoft GothicNeo" panose="020B0500000101010101" pitchFamily="50" charset="-127"/>
-                <a:ea typeface="Microsoft GothicNeo" panose="020B0500000101010101" pitchFamily="50" charset="-127"/>
-                <a:cs typeface="Microsoft GothicNeo" panose="020B0500000101010101" pitchFamily="50" charset="-127"/>
-              </a:rPr>
-              <a:t>VggNet</a:t>
-            </a:r>
-            <a:endParaRPr lang="ko-KR" altLang="en-US" dirty="0">
-              <a:latin typeface="Microsoft GothicNeo" panose="020B0500000101010101" pitchFamily="50" charset="-127"/>
-              <a:ea typeface="Microsoft GothicNeo" panose="020B0500000101010101" pitchFamily="50" charset="-127"/>
-              <a:cs typeface="Microsoft GothicNeo" panose="020B0500000101010101" pitchFamily="50" charset="-127"/>
-            </a:endParaRPr>
+              <a:t>내용</a:t>
+            </a:r>
           </a:p>
         </p:txBody>
       </p:sp>
@@ -6269,6 +10123,517 @@
 </p:sld>
 </file>
 
+<file path=ppt/slides/slide4.xml><?xml version="1.0" encoding="utf-8"?>
+<p:sld xmlns:a="http://schemas.openxmlformats.org/drawingml/2006/main" xmlns:r="http://schemas.openxmlformats.org/officeDocument/2006/relationships" xmlns:p="http://schemas.openxmlformats.org/presentationml/2006/main">
+  <p:cSld>
+    <p:spTree>
+      <p:nvGrpSpPr>
+        <p:cNvPr id="1" name=""/>
+        <p:cNvGrpSpPr/>
+        <p:nvPr/>
+      </p:nvGrpSpPr>
+      <p:grpSpPr>
+        <a:xfrm>
+          <a:off x="0" y="0"/>
+          <a:ext cx="0" cy="0"/>
+          <a:chOff x="0" y="0"/>
+          <a:chExt cx="0" cy="0"/>
+        </a:xfrm>
+      </p:grpSpPr>
+      <p:sp>
+        <p:nvSpPr>
+          <p:cNvPr id="2" name="제목 1">
+            <a:extLst>
+              <a:ext uri="{FF2B5EF4-FFF2-40B4-BE49-F238E27FC236}">
+                <a16:creationId xmlns:a16="http://schemas.microsoft.com/office/drawing/2014/main" id="{7CBC3679-A3DF-4930-A237-94BE532DA3BD}"/>
+              </a:ext>
+            </a:extLst>
+          </p:cNvPr>
+          <p:cNvSpPr>
+            <a:spLocks noGrp="1"/>
+          </p:cNvSpPr>
+          <p:nvPr>
+            <p:ph type="title"/>
+          </p:nvPr>
+        </p:nvSpPr>
+        <p:spPr>
+          <a:xfrm>
+            <a:off x="190019" y="1"/>
+            <a:ext cx="7761790" cy="1325563"/>
+          </a:xfrm>
+        </p:spPr>
+        <p:txBody>
+          <a:bodyPr>
+            <a:normAutofit/>
+          </a:bodyPr>
+          <a:lstStyle/>
+          <a:p>
+            <a:r>
+              <a:rPr lang="en-US" altLang="ko-KR" dirty="0">
+                <a:latin typeface="Microsoft GothicNeo" panose="020B0500000101010101" pitchFamily="50" charset="-127"/>
+                <a:ea typeface="Microsoft GothicNeo" panose="020B0500000101010101" pitchFamily="50" charset="-127"/>
+                <a:cs typeface="Microsoft GothicNeo" panose="020B0500000101010101" pitchFamily="50" charset="-127"/>
+              </a:rPr>
+              <a:t>2. </a:t>
+            </a:r>
+            <a:r>
+              <a:rPr lang="en-US" altLang="ko-KR" dirty="0" err="1">
+                <a:latin typeface="Microsoft GothicNeo" panose="020B0500000101010101" pitchFamily="50" charset="-127"/>
+                <a:ea typeface="Microsoft GothicNeo" panose="020B0500000101010101" pitchFamily="50" charset="-127"/>
+                <a:cs typeface="Microsoft GothicNeo" panose="020B0500000101010101" pitchFamily="50" charset="-127"/>
+              </a:rPr>
+              <a:t>VggNet</a:t>
+            </a:r>
+            <a:r>
+              <a:rPr lang="en-US" altLang="ko-KR" dirty="0">
+                <a:latin typeface="Microsoft GothicNeo" panose="020B0500000101010101" pitchFamily="50" charset="-127"/>
+                <a:ea typeface="Microsoft GothicNeo" panose="020B0500000101010101" pitchFamily="50" charset="-127"/>
+                <a:cs typeface="Microsoft GothicNeo" panose="020B0500000101010101" pitchFamily="50" charset="-127"/>
+              </a:rPr>
+              <a:t> - </a:t>
+            </a:r>
+            <a:r>
+              <a:rPr lang="ko-KR" altLang="en-US" dirty="0">
+                <a:latin typeface="Microsoft GothicNeo" panose="020B0500000101010101" pitchFamily="50" charset="-127"/>
+                <a:ea typeface="Microsoft GothicNeo" panose="020B0500000101010101" pitchFamily="50" charset="-127"/>
+                <a:cs typeface="Microsoft GothicNeo" panose="020B0500000101010101" pitchFamily="50" charset="-127"/>
+              </a:rPr>
+              <a:t>결과</a:t>
+            </a:r>
+          </a:p>
+        </p:txBody>
+      </p:sp>
+      <p:cxnSp>
+        <p:nvCxnSpPr>
+          <p:cNvPr id="5" name="직선 연결선 4">
+            <a:extLst>
+              <a:ext uri="{FF2B5EF4-FFF2-40B4-BE49-F238E27FC236}">
+                <a16:creationId xmlns:a16="http://schemas.microsoft.com/office/drawing/2014/main" id="{DCC21655-3CEC-4FBA-9415-44F5DE40445B}"/>
+              </a:ext>
+            </a:extLst>
+          </p:cNvPr>
+          <p:cNvCxnSpPr>
+            <a:cxnSpLocks/>
+          </p:cNvCxnSpPr>
+          <p:nvPr/>
+        </p:nvCxnSpPr>
+        <p:spPr>
+          <a:xfrm>
+            <a:off x="2" y="1157469"/>
+            <a:ext cx="7951807" cy="0"/>
+          </a:xfrm>
+          <a:prstGeom prst="line">
+            <a:avLst/>
+          </a:prstGeom>
+        </p:spPr>
+        <p:style>
+          <a:lnRef idx="3">
+            <a:schemeClr val="dk1"/>
+          </a:lnRef>
+          <a:fillRef idx="0">
+            <a:schemeClr val="dk1"/>
+          </a:fillRef>
+          <a:effectRef idx="2">
+            <a:schemeClr val="dk1"/>
+          </a:effectRef>
+          <a:fontRef idx="minor">
+            <a:schemeClr val="tx1"/>
+          </a:fontRef>
+        </p:style>
+      </p:cxnSp>
+      <p:sp>
+        <p:nvSpPr>
+          <p:cNvPr id="7" name="내용 개체 틀 2">
+            <a:extLst>
+              <a:ext uri="{FF2B5EF4-FFF2-40B4-BE49-F238E27FC236}">
+                <a16:creationId xmlns:a16="http://schemas.microsoft.com/office/drawing/2014/main" id="{E8E2CE57-5B86-5EEA-767A-B1E3BC3EA039}"/>
+              </a:ext>
+            </a:extLst>
+          </p:cNvPr>
+          <p:cNvSpPr>
+            <a:spLocks noGrp="1"/>
+          </p:cNvSpPr>
+          <p:nvPr>
+            <p:ph idx="1"/>
+          </p:nvPr>
+        </p:nvSpPr>
+        <p:spPr>
+          <a:xfrm>
+            <a:off x="223868" y="1800731"/>
+            <a:ext cx="5869860" cy="1917232"/>
+          </a:xfrm>
+        </p:spPr>
+        <p:txBody>
+          <a:bodyPr>
+            <a:normAutofit/>
+          </a:bodyPr>
+          <a:lstStyle/>
+          <a:p>
+            <a:r>
+              <a:rPr lang="ko-KR" altLang="en-US" sz="3200" dirty="0">
+                <a:latin typeface="Microsoft GothicNeo" panose="020B0500000101010101" pitchFamily="50" charset="-127"/>
+                <a:ea typeface="Microsoft GothicNeo" panose="020B0500000101010101" pitchFamily="50" charset="-127"/>
+                <a:cs typeface="Microsoft GothicNeo" panose="020B0500000101010101" pitchFamily="50" charset="-127"/>
+              </a:rPr>
+              <a:t>주로 </a:t>
+            </a:r>
+            <a:r>
+              <a:rPr lang="en-US" altLang="ko-KR" sz="3200" dirty="0">
+                <a:latin typeface="Microsoft GothicNeo" panose="020B0500000101010101" pitchFamily="50" charset="-127"/>
+                <a:ea typeface="Microsoft GothicNeo" panose="020B0500000101010101" pitchFamily="50" charset="-127"/>
+                <a:cs typeface="Microsoft GothicNeo" panose="020B0500000101010101" pitchFamily="50" charset="-127"/>
+              </a:rPr>
+              <a:t>VGG16 </a:t>
+            </a:r>
+            <a:r>
+              <a:rPr lang="ko-KR" altLang="en-US" sz="3200" dirty="0">
+                <a:latin typeface="Microsoft GothicNeo" panose="020B0500000101010101" pitchFamily="50" charset="-127"/>
+                <a:ea typeface="Microsoft GothicNeo" panose="020B0500000101010101" pitchFamily="50" charset="-127"/>
+                <a:cs typeface="Microsoft GothicNeo" panose="020B0500000101010101" pitchFamily="50" charset="-127"/>
+              </a:rPr>
+              <a:t>혹은 </a:t>
+            </a:r>
+            <a:r>
+              <a:rPr lang="en-US" altLang="ko-KR" sz="3200" dirty="0">
+                <a:latin typeface="Microsoft GothicNeo" panose="020B0500000101010101" pitchFamily="50" charset="-127"/>
+                <a:ea typeface="Microsoft GothicNeo" panose="020B0500000101010101" pitchFamily="50" charset="-127"/>
+                <a:cs typeface="Microsoft GothicNeo" panose="020B0500000101010101" pitchFamily="50" charset="-127"/>
+              </a:rPr>
+              <a:t>VGG19 </a:t>
+            </a:r>
+            <a:r>
+              <a:rPr lang="ko-KR" altLang="en-US" sz="3200" dirty="0">
+                <a:latin typeface="Microsoft GothicNeo" panose="020B0500000101010101" pitchFamily="50" charset="-127"/>
+                <a:ea typeface="Microsoft GothicNeo" panose="020B0500000101010101" pitchFamily="50" charset="-127"/>
+                <a:cs typeface="Microsoft GothicNeo" panose="020B0500000101010101" pitchFamily="50" charset="-127"/>
+              </a:rPr>
+              <a:t>사용</a:t>
+            </a:r>
+            <a:r>
+              <a:rPr lang="en-US" altLang="ko-KR" sz="3200" dirty="0">
+                <a:latin typeface="Microsoft GothicNeo" panose="020B0500000101010101" pitchFamily="50" charset="-127"/>
+                <a:ea typeface="Microsoft GothicNeo" panose="020B0500000101010101" pitchFamily="50" charset="-127"/>
+                <a:cs typeface="Microsoft GothicNeo" panose="020B0500000101010101" pitchFamily="50" charset="-127"/>
+              </a:rPr>
+              <a:t>.</a:t>
+            </a:r>
+          </a:p>
+          <a:p>
+            <a:endParaRPr lang="en-US" altLang="ko-KR" sz="3200" dirty="0">
+              <a:latin typeface="Microsoft GothicNeo" panose="020B0500000101010101" pitchFamily="50" charset="-127"/>
+              <a:ea typeface="Microsoft GothicNeo" panose="020B0500000101010101" pitchFamily="50" charset="-127"/>
+              <a:cs typeface="Microsoft GothicNeo" panose="020B0500000101010101" pitchFamily="50" charset="-127"/>
+            </a:endParaRPr>
+          </a:p>
+        </p:txBody>
+      </p:sp>
+      <p:pic>
+        <p:nvPicPr>
+          <p:cNvPr id="8" name="그림 7" descr="테이블이(가) 표시된 사진&#10;&#10;자동 생성된 설명">
+            <a:extLst>
+              <a:ext uri="{FF2B5EF4-FFF2-40B4-BE49-F238E27FC236}">
+                <a16:creationId xmlns:a16="http://schemas.microsoft.com/office/drawing/2014/main" id="{162C2996-1701-0325-ECC7-17F3B66E983E}"/>
+              </a:ext>
+            </a:extLst>
+          </p:cNvPr>
+          <p:cNvPicPr>
+            <a:picLocks noChangeAspect="1"/>
+          </p:cNvPicPr>
+          <p:nvPr/>
+        </p:nvPicPr>
+        <p:blipFill>
+          <a:blip r:embed="rId2"/>
+          <a:stretch>
+            <a:fillRect/>
+          </a:stretch>
+        </p:blipFill>
+        <p:spPr>
+          <a:xfrm>
+            <a:off x="6183206" y="86810"/>
+            <a:ext cx="5869859" cy="6684380"/>
+          </a:xfrm>
+          <a:prstGeom prst="rect">
+            <a:avLst/>
+          </a:prstGeom>
+        </p:spPr>
+      </p:pic>
+      <p:pic>
+        <p:nvPicPr>
+          <p:cNvPr id="9" name="그림 8">
+            <a:extLst>
+              <a:ext uri="{FF2B5EF4-FFF2-40B4-BE49-F238E27FC236}">
+                <a16:creationId xmlns:a16="http://schemas.microsoft.com/office/drawing/2014/main" id="{E175648E-8916-2F11-67B8-EC15C7ABD726}"/>
+              </a:ext>
+            </a:extLst>
+          </p:cNvPr>
+          <p:cNvPicPr>
+            <a:picLocks noChangeAspect="1"/>
+          </p:cNvPicPr>
+          <p:nvPr/>
+        </p:nvPicPr>
+        <p:blipFill>
+          <a:blip r:embed="rId3"/>
+          <a:stretch>
+            <a:fillRect/>
+          </a:stretch>
+        </p:blipFill>
+        <p:spPr>
+          <a:xfrm>
+            <a:off x="308802" y="3179668"/>
+            <a:ext cx="5699993" cy="2520863"/>
+          </a:xfrm>
+          <a:prstGeom prst="rect">
+            <a:avLst/>
+          </a:prstGeom>
+        </p:spPr>
+      </p:pic>
+      <p:sp>
+        <p:nvSpPr>
+          <p:cNvPr id="10" name="내용 개체 틀 2">
+            <a:extLst>
+              <a:ext uri="{FF2B5EF4-FFF2-40B4-BE49-F238E27FC236}">
+                <a16:creationId xmlns:a16="http://schemas.microsoft.com/office/drawing/2014/main" id="{8331B27D-4575-A23A-DCDB-98EEC25F0AD0}"/>
+              </a:ext>
+            </a:extLst>
+          </p:cNvPr>
+          <p:cNvSpPr txBox="1">
+            <a:spLocks/>
+          </p:cNvSpPr>
+          <p:nvPr/>
+        </p:nvSpPr>
+        <p:spPr>
+          <a:xfrm>
+            <a:off x="209220" y="5942269"/>
+            <a:ext cx="6673768" cy="958616"/>
+          </a:xfrm>
+          <a:prstGeom prst="rect">
+            <a:avLst/>
+          </a:prstGeom>
+        </p:spPr>
+        <p:txBody>
+          <a:bodyPr vert="horz" lIns="91440" tIns="45720" rIns="91440" bIns="45720" rtlCol="0">
+            <a:normAutofit/>
+          </a:bodyPr>
+          <a:lstStyle>
+            <a:lvl1pPr marL="228594" indent="-228594" algn="l" defTabSz="914377" rtl="0" eaLnBrk="1" latinLnBrk="1" hangingPunct="1">
+              <a:lnSpc>
+                <a:spcPct val="90000"/>
+              </a:lnSpc>
+              <a:spcBef>
+                <a:spcPts val="1000"/>
+              </a:spcBef>
+              <a:buFont typeface="Arial" panose="020B0604020202020204" pitchFamily="34" charset="0"/>
+              <a:buChar char="•"/>
+              <a:defRPr sz="2800" kern="1200">
+                <a:solidFill>
+                  <a:schemeClr val="tx1"/>
+                </a:solidFill>
+                <a:latin typeface="+mn-lt"/>
+                <a:ea typeface="+mn-ea"/>
+                <a:cs typeface="+mn-cs"/>
+              </a:defRPr>
+            </a:lvl1pPr>
+            <a:lvl2pPr marL="685783" indent="-228594" algn="l" defTabSz="914377" rtl="0" eaLnBrk="1" latinLnBrk="1" hangingPunct="1">
+              <a:lnSpc>
+                <a:spcPct val="90000"/>
+              </a:lnSpc>
+              <a:spcBef>
+                <a:spcPts val="500"/>
+              </a:spcBef>
+              <a:buFont typeface="Arial" panose="020B0604020202020204" pitchFamily="34" charset="0"/>
+              <a:buChar char="•"/>
+              <a:defRPr sz="2400" kern="1200">
+                <a:solidFill>
+                  <a:schemeClr val="tx1"/>
+                </a:solidFill>
+                <a:latin typeface="+mn-lt"/>
+                <a:ea typeface="+mn-ea"/>
+                <a:cs typeface="+mn-cs"/>
+              </a:defRPr>
+            </a:lvl2pPr>
+            <a:lvl3pPr marL="1142971" indent="-228594" algn="l" defTabSz="914377" rtl="0" eaLnBrk="1" latinLnBrk="1" hangingPunct="1">
+              <a:lnSpc>
+                <a:spcPct val="90000"/>
+              </a:lnSpc>
+              <a:spcBef>
+                <a:spcPts val="500"/>
+              </a:spcBef>
+              <a:buFont typeface="Arial" panose="020B0604020202020204" pitchFamily="34" charset="0"/>
+              <a:buChar char="•"/>
+              <a:defRPr sz="2000" kern="1200">
+                <a:solidFill>
+                  <a:schemeClr val="tx1"/>
+                </a:solidFill>
+                <a:latin typeface="+mn-lt"/>
+                <a:ea typeface="+mn-ea"/>
+                <a:cs typeface="+mn-cs"/>
+              </a:defRPr>
+            </a:lvl3pPr>
+            <a:lvl4pPr marL="1600160" indent="-228594" algn="l" defTabSz="914377" rtl="0" eaLnBrk="1" latinLnBrk="1" hangingPunct="1">
+              <a:lnSpc>
+                <a:spcPct val="90000"/>
+              </a:lnSpc>
+              <a:spcBef>
+                <a:spcPts val="500"/>
+              </a:spcBef>
+              <a:buFont typeface="Arial" panose="020B0604020202020204" pitchFamily="34" charset="0"/>
+              <a:buChar char="•"/>
+              <a:defRPr sz="1800" kern="1200">
+                <a:solidFill>
+                  <a:schemeClr val="tx1"/>
+                </a:solidFill>
+                <a:latin typeface="+mn-lt"/>
+                <a:ea typeface="+mn-ea"/>
+                <a:cs typeface="+mn-cs"/>
+              </a:defRPr>
+            </a:lvl4pPr>
+            <a:lvl5pPr marL="2057349" indent="-228594" algn="l" defTabSz="914377" rtl="0" eaLnBrk="1" latinLnBrk="1" hangingPunct="1">
+              <a:lnSpc>
+                <a:spcPct val="90000"/>
+              </a:lnSpc>
+              <a:spcBef>
+                <a:spcPts val="500"/>
+              </a:spcBef>
+              <a:buFont typeface="Arial" panose="020B0604020202020204" pitchFamily="34" charset="0"/>
+              <a:buChar char="•"/>
+              <a:defRPr sz="1800" kern="1200">
+                <a:solidFill>
+                  <a:schemeClr val="tx1"/>
+                </a:solidFill>
+                <a:latin typeface="+mn-lt"/>
+                <a:ea typeface="+mn-ea"/>
+                <a:cs typeface="+mn-cs"/>
+              </a:defRPr>
+            </a:lvl5pPr>
+            <a:lvl6pPr marL="2514537" indent="-228594" algn="l" defTabSz="914377" rtl="0" eaLnBrk="1" latinLnBrk="1" hangingPunct="1">
+              <a:lnSpc>
+                <a:spcPct val="90000"/>
+              </a:lnSpc>
+              <a:spcBef>
+                <a:spcPts val="500"/>
+              </a:spcBef>
+              <a:buFont typeface="Arial" panose="020B0604020202020204" pitchFamily="34" charset="0"/>
+              <a:buChar char="•"/>
+              <a:defRPr sz="1800" kern="1200">
+                <a:solidFill>
+                  <a:schemeClr val="tx1"/>
+                </a:solidFill>
+                <a:latin typeface="+mn-lt"/>
+                <a:ea typeface="+mn-ea"/>
+                <a:cs typeface="+mn-cs"/>
+              </a:defRPr>
+            </a:lvl6pPr>
+            <a:lvl7pPr marL="2971726" indent="-228594" algn="l" defTabSz="914377" rtl="0" eaLnBrk="1" latinLnBrk="1" hangingPunct="1">
+              <a:lnSpc>
+                <a:spcPct val="90000"/>
+              </a:lnSpc>
+              <a:spcBef>
+                <a:spcPts val="500"/>
+              </a:spcBef>
+              <a:buFont typeface="Arial" panose="020B0604020202020204" pitchFamily="34" charset="0"/>
+              <a:buChar char="•"/>
+              <a:defRPr sz="1800" kern="1200">
+                <a:solidFill>
+                  <a:schemeClr val="tx1"/>
+                </a:solidFill>
+                <a:latin typeface="+mn-lt"/>
+                <a:ea typeface="+mn-ea"/>
+                <a:cs typeface="+mn-cs"/>
+              </a:defRPr>
+            </a:lvl7pPr>
+            <a:lvl8pPr marL="3428914" indent="-228594" algn="l" defTabSz="914377" rtl="0" eaLnBrk="1" latinLnBrk="1" hangingPunct="1">
+              <a:lnSpc>
+                <a:spcPct val="90000"/>
+              </a:lnSpc>
+              <a:spcBef>
+                <a:spcPts val="500"/>
+              </a:spcBef>
+              <a:buFont typeface="Arial" panose="020B0604020202020204" pitchFamily="34" charset="0"/>
+              <a:buChar char="•"/>
+              <a:defRPr sz="1800" kern="1200">
+                <a:solidFill>
+                  <a:schemeClr val="tx1"/>
+                </a:solidFill>
+                <a:latin typeface="+mn-lt"/>
+                <a:ea typeface="+mn-ea"/>
+                <a:cs typeface="+mn-cs"/>
+              </a:defRPr>
+            </a:lvl8pPr>
+            <a:lvl9pPr marL="3886103" indent="-228594" algn="l" defTabSz="914377" rtl="0" eaLnBrk="1" latinLnBrk="1" hangingPunct="1">
+              <a:lnSpc>
+                <a:spcPct val="90000"/>
+              </a:lnSpc>
+              <a:spcBef>
+                <a:spcPts val="500"/>
+              </a:spcBef>
+              <a:buFont typeface="Arial" panose="020B0604020202020204" pitchFamily="34" charset="0"/>
+              <a:buChar char="•"/>
+              <a:defRPr sz="1800" kern="1200">
+                <a:solidFill>
+                  <a:schemeClr val="tx1"/>
+                </a:solidFill>
+                <a:latin typeface="+mn-lt"/>
+                <a:ea typeface="+mn-ea"/>
+                <a:cs typeface="+mn-cs"/>
+              </a:defRPr>
+            </a:lvl9pPr>
+          </a:lstStyle>
+          <a:p>
+            <a:r>
+              <a:rPr lang="ko-KR" altLang="en-US" sz="3200" dirty="0">
+                <a:latin typeface="Microsoft GothicNeo" panose="020B0500000101010101" pitchFamily="50" charset="-127"/>
+                <a:ea typeface="Microsoft GothicNeo" panose="020B0500000101010101" pitchFamily="50" charset="-127"/>
+                <a:cs typeface="Microsoft GothicNeo" panose="020B0500000101010101" pitchFamily="50" charset="-127"/>
+              </a:rPr>
+              <a:t>약 </a:t>
+            </a:r>
+            <a:r>
+              <a:rPr lang="en-US" altLang="ko-KR" sz="3200" dirty="0">
+                <a:latin typeface="Microsoft GothicNeo" panose="020B0500000101010101" pitchFamily="50" charset="-127"/>
+                <a:ea typeface="Microsoft GothicNeo" panose="020B0500000101010101" pitchFamily="50" charset="-127"/>
+                <a:cs typeface="Microsoft GothicNeo" panose="020B0500000101010101" pitchFamily="50" charset="-127"/>
+              </a:rPr>
+              <a:t>92%</a:t>
+            </a:r>
+            <a:r>
+              <a:rPr lang="ko-KR" altLang="en-US" sz="3200" dirty="0">
+                <a:latin typeface="Microsoft GothicNeo" panose="020B0500000101010101" pitchFamily="50" charset="-127"/>
+                <a:ea typeface="Microsoft GothicNeo" panose="020B0500000101010101" pitchFamily="50" charset="-127"/>
+                <a:cs typeface="Microsoft GothicNeo" panose="020B0500000101010101" pitchFamily="50" charset="-127"/>
+              </a:rPr>
+              <a:t>정도의 정확도로 소개됨</a:t>
+            </a:r>
+            <a:r>
+              <a:rPr lang="en-US" altLang="ko-KR" sz="3200" dirty="0">
+                <a:latin typeface="Microsoft GothicNeo" panose="020B0500000101010101" pitchFamily="50" charset="-127"/>
+                <a:ea typeface="Microsoft GothicNeo" panose="020B0500000101010101" pitchFamily="50" charset="-127"/>
+                <a:cs typeface="Microsoft GothicNeo" panose="020B0500000101010101" pitchFamily="50" charset="-127"/>
+              </a:rPr>
+              <a:t>.</a:t>
+            </a:r>
+          </a:p>
+          <a:p>
+            <a:endParaRPr lang="en-US" altLang="ko-KR" sz="3200" dirty="0">
+              <a:latin typeface="Microsoft GothicNeo" panose="020B0500000101010101" pitchFamily="50" charset="-127"/>
+              <a:ea typeface="Microsoft GothicNeo" panose="020B0500000101010101" pitchFamily="50" charset="-127"/>
+              <a:cs typeface="Microsoft GothicNeo" panose="020B0500000101010101" pitchFamily="50" charset="-127"/>
+            </a:endParaRPr>
+          </a:p>
+        </p:txBody>
+      </p:sp>
+    </p:spTree>
+    <p:extLst>
+      <p:ext uri="{BB962C8B-B14F-4D97-AF65-F5344CB8AC3E}">
+        <p14:creationId xmlns:p14="http://schemas.microsoft.com/office/powerpoint/2010/main" val="2257918091"/>
+      </p:ext>
+    </p:extLst>
+  </p:cSld>
+  <p:clrMapOvr>
+    <a:masterClrMapping/>
+  </p:clrMapOvr>
+</p:sld>
+</file>
+
 <file path=ppt/slides/slide5.xml><?xml version="1.0" encoding="utf-8"?>
 <p:sld xmlns:a="http://schemas.openxmlformats.org/drawingml/2006/main" xmlns:r="http://schemas.openxmlformats.org/officeDocument/2006/relationships" xmlns:p="http://schemas.openxmlformats.org/presentationml/2006/main">
   <p:cSld>
@@ -6323,34 +10688,374 @@
               <a:t>2. </a:t>
             </a:r>
             <a:r>
+              <a:rPr lang="en-US" altLang="ko-KR" dirty="0" err="1">
+                <a:latin typeface="Microsoft GothicNeo" panose="020B0500000101010101" pitchFamily="50" charset="-127"/>
+                <a:ea typeface="Microsoft GothicNeo" panose="020B0500000101010101" pitchFamily="50" charset="-127"/>
+                <a:cs typeface="Microsoft GothicNeo" panose="020B0500000101010101" pitchFamily="50" charset="-127"/>
+              </a:rPr>
+              <a:t>VggNet</a:t>
+            </a:r>
+            <a:r>
+              <a:rPr lang="en-US" altLang="ko-KR" dirty="0">
+                <a:latin typeface="Microsoft GothicNeo" panose="020B0500000101010101" pitchFamily="50" charset="-127"/>
+                <a:ea typeface="Microsoft GothicNeo" panose="020B0500000101010101" pitchFamily="50" charset="-127"/>
+                <a:cs typeface="Microsoft GothicNeo" panose="020B0500000101010101" pitchFamily="50" charset="-127"/>
+              </a:rPr>
+              <a:t> - </a:t>
+            </a:r>
+            <a:r>
               <a:rPr lang="ko-KR" altLang="en-US" dirty="0">
                 <a:latin typeface="Microsoft GothicNeo" panose="020B0500000101010101" pitchFamily="50" charset="-127"/>
                 <a:ea typeface="Microsoft GothicNeo" panose="020B0500000101010101" pitchFamily="50" charset="-127"/>
                 <a:cs typeface="Microsoft GothicNeo" panose="020B0500000101010101" pitchFamily="50" charset="-127"/>
               </a:rPr>
-              <a:t>내용 </a:t>
-            </a:r>
-            <a:r>
-              <a:rPr lang="en-US" altLang="ko-KR" dirty="0">
-                <a:latin typeface="Microsoft GothicNeo" panose="020B0500000101010101" pitchFamily="50" charset="-127"/>
-                <a:ea typeface="Microsoft GothicNeo" panose="020B0500000101010101" pitchFamily="50" charset="-127"/>
-                <a:cs typeface="Microsoft GothicNeo" panose="020B0500000101010101" pitchFamily="50" charset="-127"/>
-              </a:rPr>
-              <a:t>– </a:t>
-            </a:r>
-            <a:r>
-              <a:rPr lang="en-US" altLang="ko-KR" dirty="0" err="1">
-                <a:latin typeface="Microsoft GothicNeo" panose="020B0500000101010101" pitchFamily="50" charset="-127"/>
-                <a:ea typeface="Microsoft GothicNeo" panose="020B0500000101010101" pitchFamily="50" charset="-127"/>
-                <a:cs typeface="Microsoft GothicNeo" panose="020B0500000101010101" pitchFamily="50" charset="-127"/>
-              </a:rPr>
-              <a:t>ResNet</a:t>
-            </a:r>
-            <a:endParaRPr lang="ko-KR" altLang="en-US" dirty="0">
+              <a:t>장단점</a:t>
+            </a:r>
+          </a:p>
+        </p:txBody>
+      </p:sp>
+      <p:cxnSp>
+        <p:nvCxnSpPr>
+          <p:cNvPr id="5" name="직선 연결선 4">
+            <a:extLst>
+              <a:ext uri="{FF2B5EF4-FFF2-40B4-BE49-F238E27FC236}">
+                <a16:creationId xmlns:a16="http://schemas.microsoft.com/office/drawing/2014/main" id="{DCC21655-3CEC-4FBA-9415-44F5DE40445B}"/>
+              </a:ext>
+            </a:extLst>
+          </p:cNvPr>
+          <p:cNvCxnSpPr>
+            <a:cxnSpLocks/>
+          </p:cNvCxnSpPr>
+          <p:nvPr/>
+        </p:nvCxnSpPr>
+        <p:spPr>
+          <a:xfrm>
+            <a:off x="2" y="1157469"/>
+            <a:ext cx="7951807" cy="0"/>
+          </a:xfrm>
+          <a:prstGeom prst="line">
+            <a:avLst/>
+          </a:prstGeom>
+        </p:spPr>
+        <p:style>
+          <a:lnRef idx="3">
+            <a:schemeClr val="dk1"/>
+          </a:lnRef>
+          <a:fillRef idx="0">
+            <a:schemeClr val="dk1"/>
+          </a:fillRef>
+          <a:effectRef idx="2">
+            <a:schemeClr val="dk1"/>
+          </a:effectRef>
+          <a:fontRef idx="minor">
+            <a:schemeClr val="tx1"/>
+          </a:fontRef>
+        </p:style>
+      </p:cxnSp>
+      <p:pic>
+        <p:nvPicPr>
+          <p:cNvPr id="11" name="그림 10">
+            <a:extLst>
+              <a:ext uri="{FF2B5EF4-FFF2-40B4-BE49-F238E27FC236}">
+                <a16:creationId xmlns:a16="http://schemas.microsoft.com/office/drawing/2014/main" id="{709CF614-594A-D235-F633-FB4769187330}"/>
+              </a:ext>
+            </a:extLst>
+          </p:cNvPr>
+          <p:cNvPicPr>
+            <a:picLocks noChangeAspect="1"/>
+          </p:cNvPicPr>
+          <p:nvPr/>
+        </p:nvPicPr>
+        <p:blipFill>
+          <a:blip r:embed="rId2"/>
+          <a:stretch>
+            <a:fillRect/>
+          </a:stretch>
+        </p:blipFill>
+        <p:spPr>
+          <a:xfrm>
+            <a:off x="484889" y="1325564"/>
+            <a:ext cx="5446734" cy="4991636"/>
+          </a:xfrm>
+          <a:prstGeom prst="rect">
+            <a:avLst/>
+          </a:prstGeom>
+        </p:spPr>
+      </p:pic>
+      <p:sp>
+        <p:nvSpPr>
+          <p:cNvPr id="12" name="내용 개체 틀 2">
+            <a:extLst>
+              <a:ext uri="{FF2B5EF4-FFF2-40B4-BE49-F238E27FC236}">
+                <a16:creationId xmlns:a16="http://schemas.microsoft.com/office/drawing/2014/main" id="{22E885CE-248F-1D27-492E-0E08FFFFCE99}"/>
+              </a:ext>
+            </a:extLst>
+          </p:cNvPr>
+          <p:cNvSpPr>
+            <a:spLocks noGrp="1"/>
+          </p:cNvSpPr>
+          <p:nvPr>
+            <p:ph idx="1"/>
+          </p:nvPr>
+        </p:nvSpPr>
+        <p:spPr>
+          <a:xfrm>
+            <a:off x="5931623" y="1904151"/>
+            <a:ext cx="5869860" cy="3796380"/>
+          </a:xfrm>
+        </p:spPr>
+        <p:txBody>
+          <a:bodyPr>
+            <a:normAutofit/>
+          </a:bodyPr>
+          <a:lstStyle/>
+          <a:p>
+            <a:r>
+              <a:rPr lang="ko-KR" altLang="en-US" sz="3200" dirty="0">
+                <a:solidFill>
+                  <a:schemeClr val="accent1"/>
+                </a:solidFill>
+                <a:latin typeface="Microsoft GothicNeo" panose="020B0500000101010101" pitchFamily="50" charset="-127"/>
+                <a:ea typeface="Microsoft GothicNeo" panose="020B0500000101010101" pitchFamily="50" charset="-127"/>
+                <a:cs typeface="Microsoft GothicNeo" panose="020B0500000101010101" pitchFamily="50" charset="-127"/>
+              </a:rPr>
+              <a:t>이해하기 쉬운 구조</a:t>
+            </a:r>
+            <a:endParaRPr lang="en-US" altLang="ko-KR" sz="3200" dirty="0">
+              <a:solidFill>
+                <a:schemeClr val="accent1"/>
+              </a:solidFill>
               <a:latin typeface="Microsoft GothicNeo" panose="020B0500000101010101" pitchFamily="50" charset="-127"/>
               <a:ea typeface="Microsoft GothicNeo" panose="020B0500000101010101" pitchFamily="50" charset="-127"/>
               <a:cs typeface="Microsoft GothicNeo" panose="020B0500000101010101" pitchFamily="50" charset="-127"/>
             </a:endParaRPr>
+          </a:p>
+          <a:p>
+            <a:r>
+              <a:rPr lang="ko-KR" altLang="en-US" sz="3200" dirty="0">
+                <a:solidFill>
+                  <a:schemeClr val="accent1"/>
+                </a:solidFill>
+                <a:latin typeface="Microsoft GothicNeo" panose="020B0500000101010101" pitchFamily="50" charset="-127"/>
+                <a:ea typeface="Microsoft GothicNeo" panose="020B0500000101010101" pitchFamily="50" charset="-127"/>
+                <a:cs typeface="Microsoft GothicNeo" panose="020B0500000101010101" pitchFamily="50" charset="-127"/>
+              </a:rPr>
+              <a:t>간단한 구조임에도 좋은 성능</a:t>
+            </a:r>
+            <a:endParaRPr lang="en-US" altLang="ko-KR" sz="3200" dirty="0">
+              <a:solidFill>
+                <a:schemeClr val="accent1"/>
+              </a:solidFill>
+              <a:latin typeface="Microsoft GothicNeo" panose="020B0500000101010101" pitchFamily="50" charset="-127"/>
+              <a:ea typeface="Microsoft GothicNeo" panose="020B0500000101010101" pitchFamily="50" charset="-127"/>
+              <a:cs typeface="Microsoft GothicNeo" panose="020B0500000101010101" pitchFamily="50" charset="-127"/>
+            </a:endParaRPr>
+          </a:p>
+          <a:p>
+            <a:r>
+              <a:rPr lang="ko-KR" altLang="en-US" sz="3200" dirty="0">
+                <a:solidFill>
+                  <a:schemeClr val="accent1"/>
+                </a:solidFill>
+                <a:latin typeface="Microsoft GothicNeo" panose="020B0500000101010101" pitchFamily="50" charset="-127"/>
+                <a:ea typeface="Microsoft GothicNeo" panose="020B0500000101010101" pitchFamily="50" charset="-127"/>
+                <a:cs typeface="Microsoft GothicNeo" panose="020B0500000101010101" pitchFamily="50" charset="-127"/>
+              </a:rPr>
+              <a:t>다양한 파생 </a:t>
+            </a:r>
+            <a:r>
+              <a:rPr lang="en-US" altLang="ko-KR" sz="3200" dirty="0">
+                <a:solidFill>
+                  <a:schemeClr val="accent1"/>
+                </a:solidFill>
+                <a:latin typeface="Microsoft GothicNeo" panose="020B0500000101010101" pitchFamily="50" charset="-127"/>
+                <a:ea typeface="Microsoft GothicNeo" panose="020B0500000101010101" pitchFamily="50" charset="-127"/>
+                <a:cs typeface="Microsoft GothicNeo" panose="020B0500000101010101" pitchFamily="50" charset="-127"/>
+              </a:rPr>
+              <a:t>CNN </a:t>
+            </a:r>
+            <a:r>
+              <a:rPr lang="ko-KR" altLang="en-US" sz="3200" dirty="0">
+                <a:solidFill>
+                  <a:schemeClr val="accent1"/>
+                </a:solidFill>
+                <a:latin typeface="Microsoft GothicNeo" panose="020B0500000101010101" pitchFamily="50" charset="-127"/>
+                <a:ea typeface="Microsoft GothicNeo" panose="020B0500000101010101" pitchFamily="50" charset="-127"/>
+                <a:cs typeface="Microsoft GothicNeo" panose="020B0500000101010101" pitchFamily="50" charset="-127"/>
+              </a:rPr>
+              <a:t>모델의 기초</a:t>
+            </a:r>
+            <a:endParaRPr lang="en-US" altLang="ko-KR" sz="3200" dirty="0">
+              <a:solidFill>
+                <a:schemeClr val="accent1"/>
+              </a:solidFill>
+              <a:latin typeface="Microsoft GothicNeo" panose="020B0500000101010101" pitchFamily="50" charset="-127"/>
+              <a:ea typeface="Microsoft GothicNeo" panose="020B0500000101010101" pitchFamily="50" charset="-127"/>
+              <a:cs typeface="Microsoft GothicNeo" panose="020B0500000101010101" pitchFamily="50" charset="-127"/>
+            </a:endParaRPr>
+          </a:p>
+          <a:p>
+            <a:endParaRPr lang="en-US" altLang="ko-KR" sz="3200" dirty="0">
+              <a:latin typeface="Microsoft GothicNeo" panose="020B0500000101010101" pitchFamily="50" charset="-127"/>
+              <a:ea typeface="Microsoft GothicNeo" panose="020B0500000101010101" pitchFamily="50" charset="-127"/>
+              <a:cs typeface="Microsoft GothicNeo" panose="020B0500000101010101" pitchFamily="50" charset="-127"/>
+            </a:endParaRPr>
+          </a:p>
+          <a:p>
+            <a:r>
+              <a:rPr lang="en-US" altLang="ko-KR" sz="3200" dirty="0">
+                <a:solidFill>
+                  <a:srgbClr val="C00000"/>
+                </a:solidFill>
+                <a:latin typeface="Microsoft GothicNeo" panose="020B0500000101010101" pitchFamily="50" charset="-127"/>
+                <a:ea typeface="Microsoft GothicNeo" panose="020B0500000101010101" pitchFamily="50" charset="-127"/>
+                <a:cs typeface="Microsoft GothicNeo" panose="020B0500000101010101" pitchFamily="50" charset="-127"/>
+              </a:rPr>
+              <a:t>parameter</a:t>
+            </a:r>
+            <a:r>
+              <a:rPr lang="ko-KR" altLang="en-US" sz="3200" dirty="0">
+                <a:solidFill>
+                  <a:srgbClr val="C00000"/>
+                </a:solidFill>
+                <a:latin typeface="Microsoft GothicNeo" panose="020B0500000101010101" pitchFamily="50" charset="-127"/>
+                <a:ea typeface="Microsoft GothicNeo" panose="020B0500000101010101" pitchFamily="50" charset="-127"/>
+                <a:cs typeface="Microsoft GothicNeo" panose="020B0500000101010101" pitchFamily="50" charset="-127"/>
+              </a:rPr>
+              <a:t>의 수가 매우 많음</a:t>
+            </a:r>
+            <a:endParaRPr lang="en-US" altLang="ko-KR" sz="3200" dirty="0">
+              <a:solidFill>
+                <a:srgbClr val="C00000"/>
+              </a:solidFill>
+              <a:latin typeface="Microsoft GothicNeo" panose="020B0500000101010101" pitchFamily="50" charset="-127"/>
+              <a:ea typeface="Microsoft GothicNeo" panose="020B0500000101010101" pitchFamily="50" charset="-127"/>
+              <a:cs typeface="Microsoft GothicNeo" panose="020B0500000101010101" pitchFamily="50" charset="-127"/>
+            </a:endParaRPr>
+          </a:p>
+          <a:p>
+            <a:pPr marL="0" indent="0">
+              <a:buNone/>
+            </a:pPr>
+            <a:r>
+              <a:rPr lang="en-US" altLang="ko-KR" sz="3200" dirty="0">
+                <a:solidFill>
+                  <a:srgbClr val="C00000"/>
+                </a:solidFill>
+                <a:latin typeface="Microsoft GothicNeo" panose="020B0500000101010101" pitchFamily="50" charset="-127"/>
+                <a:ea typeface="Microsoft GothicNeo" panose="020B0500000101010101" pitchFamily="50" charset="-127"/>
+                <a:cs typeface="Microsoft GothicNeo" panose="020B0500000101010101" pitchFamily="50" charset="-127"/>
+              </a:rPr>
+              <a:t>   (fully connected layer)</a:t>
+            </a:r>
+          </a:p>
+          <a:p>
+            <a:endParaRPr lang="en-US" altLang="ko-KR" sz="3200" dirty="0">
+              <a:latin typeface="Microsoft GothicNeo" panose="020B0500000101010101" pitchFamily="50" charset="-127"/>
+              <a:ea typeface="Microsoft GothicNeo" panose="020B0500000101010101" pitchFamily="50" charset="-127"/>
+              <a:cs typeface="Microsoft GothicNeo" panose="020B0500000101010101" pitchFamily="50" charset="-127"/>
+            </a:endParaRPr>
+          </a:p>
+        </p:txBody>
+      </p:sp>
+    </p:spTree>
+    <p:extLst>
+      <p:ext uri="{BB962C8B-B14F-4D97-AF65-F5344CB8AC3E}">
+        <p14:creationId xmlns:p14="http://schemas.microsoft.com/office/powerpoint/2010/main" val="1812062644"/>
+      </p:ext>
+    </p:extLst>
+  </p:cSld>
+  <p:clrMapOvr>
+    <a:masterClrMapping/>
+  </p:clrMapOvr>
+</p:sld>
+</file>
+
+<file path=ppt/slides/slide6.xml><?xml version="1.0" encoding="utf-8"?>
+<p:sld xmlns:a="http://schemas.openxmlformats.org/drawingml/2006/main" xmlns:r="http://schemas.openxmlformats.org/officeDocument/2006/relationships" xmlns:p="http://schemas.openxmlformats.org/presentationml/2006/main">
+  <p:cSld>
+    <p:spTree>
+      <p:nvGrpSpPr>
+        <p:cNvPr id="1" name=""/>
+        <p:cNvGrpSpPr/>
+        <p:nvPr/>
+      </p:nvGrpSpPr>
+      <p:grpSpPr>
+        <a:xfrm>
+          <a:off x="0" y="0"/>
+          <a:ext cx="0" cy="0"/>
+          <a:chOff x="0" y="0"/>
+          <a:chExt cx="0" cy="0"/>
+        </a:xfrm>
+      </p:grpSpPr>
+      <p:sp>
+        <p:nvSpPr>
+          <p:cNvPr id="2" name="제목 1">
+            <a:extLst>
+              <a:ext uri="{FF2B5EF4-FFF2-40B4-BE49-F238E27FC236}">
+                <a16:creationId xmlns:a16="http://schemas.microsoft.com/office/drawing/2014/main" id="{7CBC3679-A3DF-4930-A237-94BE532DA3BD}"/>
+              </a:ext>
+            </a:extLst>
+          </p:cNvPr>
+          <p:cNvSpPr>
+            <a:spLocks noGrp="1"/>
+          </p:cNvSpPr>
+          <p:nvPr>
+            <p:ph type="title"/>
+          </p:nvPr>
+        </p:nvSpPr>
+        <p:spPr>
+          <a:xfrm>
+            <a:off x="190019" y="1"/>
+            <a:ext cx="7761790" cy="1325563"/>
+          </a:xfrm>
+        </p:spPr>
+        <p:txBody>
+          <a:bodyPr>
+            <a:normAutofit/>
+          </a:bodyPr>
+          <a:lstStyle/>
+          <a:p>
+            <a:r>
+              <a:rPr lang="en-US" altLang="ko-KR" dirty="0">
+                <a:latin typeface="Microsoft GothicNeo" panose="020B0500000101010101" pitchFamily="50" charset="-127"/>
+                <a:ea typeface="Microsoft GothicNeo" panose="020B0500000101010101" pitchFamily="50" charset="-127"/>
+                <a:cs typeface="Microsoft GothicNeo" panose="020B0500000101010101" pitchFamily="50" charset="-127"/>
+              </a:rPr>
+              <a:t>3. </a:t>
+            </a:r>
+            <a:r>
+              <a:rPr lang="en-US" altLang="ko-KR" dirty="0" err="1">
+                <a:latin typeface="Microsoft GothicNeo" panose="020B0500000101010101" pitchFamily="50" charset="-127"/>
+                <a:ea typeface="Microsoft GothicNeo" panose="020B0500000101010101" pitchFamily="50" charset="-127"/>
+                <a:cs typeface="Microsoft GothicNeo" panose="020B0500000101010101" pitchFamily="50" charset="-127"/>
+              </a:rPr>
+              <a:t>ResNet</a:t>
+            </a:r>
+            <a:r>
+              <a:rPr lang="ko-KR" altLang="en-US" dirty="0">
+                <a:latin typeface="Microsoft GothicNeo" panose="020B0500000101010101" pitchFamily="50" charset="-127"/>
+                <a:ea typeface="Microsoft GothicNeo" panose="020B0500000101010101" pitchFamily="50" charset="-127"/>
+                <a:cs typeface="Microsoft GothicNeo" panose="020B0500000101010101" pitchFamily="50" charset="-127"/>
+              </a:rPr>
+              <a:t> </a:t>
+            </a:r>
+            <a:r>
+              <a:rPr lang="en-US" altLang="ko-KR" dirty="0">
+                <a:latin typeface="Microsoft GothicNeo" panose="020B0500000101010101" pitchFamily="50" charset="-127"/>
+                <a:ea typeface="Microsoft GothicNeo" panose="020B0500000101010101" pitchFamily="50" charset="-127"/>
+                <a:cs typeface="Microsoft GothicNeo" panose="020B0500000101010101" pitchFamily="50" charset="-127"/>
+              </a:rPr>
+              <a:t>-</a:t>
+            </a:r>
+            <a:r>
+              <a:rPr lang="ko-KR" altLang="en-US" dirty="0">
+                <a:latin typeface="Microsoft GothicNeo" panose="020B0500000101010101" pitchFamily="50" charset="-127"/>
+                <a:ea typeface="Microsoft GothicNeo" panose="020B0500000101010101" pitchFamily="50" charset="-127"/>
+                <a:cs typeface="Microsoft GothicNeo" panose="020B0500000101010101" pitchFamily="50" charset="-127"/>
+              </a:rPr>
+              <a:t> 내용</a:t>
+            </a:r>
           </a:p>
         </p:txBody>
       </p:sp>
@@ -6670,7 +11375,7 @@
 </p:sld>
 </file>
 
-<file path=ppt/slides/slide6.xml><?xml version="1.0" encoding="utf-8"?>
+<file path=ppt/slides/slide7.xml><?xml version="1.0" encoding="utf-8"?>
 <p:sld xmlns:a="http://schemas.openxmlformats.org/drawingml/2006/main" xmlns:r="http://schemas.openxmlformats.org/officeDocument/2006/relationships" xmlns:p="http://schemas.openxmlformats.org/presentationml/2006/main">
   <p:cSld>
     <p:spTree>
@@ -6721,7 +11426,23 @@
                 <a:ea typeface="Microsoft GothicNeo" panose="020B0500000101010101" pitchFamily="50" charset="-127"/>
                 <a:cs typeface="Microsoft GothicNeo" panose="020B0500000101010101" pitchFamily="50" charset="-127"/>
               </a:rPr>
-              <a:t>2. </a:t>
+              <a:t>3. </a:t>
+            </a:r>
+            <a:r>
+              <a:rPr lang="en-US" altLang="ko-KR" dirty="0" err="1">
+                <a:latin typeface="Microsoft GothicNeo" panose="020B0500000101010101" pitchFamily="50" charset="-127"/>
+                <a:ea typeface="Microsoft GothicNeo" panose="020B0500000101010101" pitchFamily="50" charset="-127"/>
+                <a:cs typeface="Microsoft GothicNeo" panose="020B0500000101010101" pitchFamily="50" charset="-127"/>
+              </a:rPr>
+              <a:t>ResNet</a:t>
+            </a:r>
+            <a:r>
+              <a:rPr lang="en-US" altLang="ko-KR" dirty="0">
+                <a:latin typeface="Microsoft GothicNeo" panose="020B0500000101010101" pitchFamily="50" charset="-127"/>
+                <a:ea typeface="Microsoft GothicNeo" panose="020B0500000101010101" pitchFamily="50" charset="-127"/>
+                <a:cs typeface="Microsoft GothicNeo" panose="020B0500000101010101" pitchFamily="50" charset="-127"/>
+              </a:rPr>
+              <a:t> – </a:t>
             </a:r>
             <a:r>
               <a:rPr lang="ko-KR" altLang="en-US" dirty="0">
@@ -6737,23 +11458,7 @@
                 <a:ea typeface="Microsoft GothicNeo" panose="020B0500000101010101" pitchFamily="50" charset="-127"/>
                 <a:cs typeface="Microsoft GothicNeo" panose="020B0500000101010101" pitchFamily="50" charset="-127"/>
               </a:rPr>
-              <a:t>– </a:t>
-            </a:r>
-            <a:r>
-              <a:rPr lang="en-US" altLang="ko-KR" dirty="0" err="1">
-                <a:latin typeface="Microsoft GothicNeo" panose="020B0500000101010101" pitchFamily="50" charset="-127"/>
-                <a:ea typeface="Microsoft GothicNeo" panose="020B0500000101010101" pitchFamily="50" charset="-127"/>
-                <a:cs typeface="Microsoft GothicNeo" panose="020B0500000101010101" pitchFamily="50" charset="-127"/>
-              </a:rPr>
-              <a:t>ResNet</a:t>
-            </a:r>
-            <a:r>
-              <a:rPr lang="en-US" altLang="ko-KR" dirty="0">
-                <a:latin typeface="Microsoft GothicNeo" panose="020B0500000101010101" pitchFamily="50" charset="-127"/>
-                <a:ea typeface="Microsoft GothicNeo" panose="020B0500000101010101" pitchFamily="50" charset="-127"/>
-                <a:cs typeface="Microsoft GothicNeo" panose="020B0500000101010101" pitchFamily="50" charset="-127"/>
-              </a:rPr>
-              <a:t> (cond.)</a:t>
+              <a:t>(cond.)</a:t>
             </a:r>
             <a:endParaRPr lang="ko-KR" altLang="en-US" dirty="0">
               <a:latin typeface="Microsoft GothicNeo" panose="020B0500000101010101" pitchFamily="50" charset="-127"/>
@@ -7075,7 +11780,7 @@
 </p:sld>
 </file>
 
-<file path=ppt/slides/slide7.xml><?xml version="1.0" encoding="utf-8"?>
+<file path=ppt/slides/slide8.xml><?xml version="1.0" encoding="utf-8"?>
 <p:sld xmlns:a="http://schemas.openxmlformats.org/drawingml/2006/main" xmlns:r="http://schemas.openxmlformats.org/officeDocument/2006/relationships" xmlns:p="http://schemas.openxmlformats.org/presentationml/2006/main">
   <p:cSld>
     <p:spTree>
@@ -7126,7 +11831,23 @@
                 <a:ea typeface="Microsoft GothicNeo" panose="020B0500000101010101" pitchFamily="50" charset="-127"/>
                 <a:cs typeface="Microsoft GothicNeo" panose="020B0500000101010101" pitchFamily="50" charset="-127"/>
               </a:rPr>
-              <a:t>2. </a:t>
+              <a:t>3. </a:t>
+            </a:r>
+            <a:r>
+              <a:rPr lang="en-US" altLang="ko-KR" dirty="0" err="1">
+                <a:latin typeface="Microsoft GothicNeo" panose="020B0500000101010101" pitchFamily="50" charset="-127"/>
+                <a:ea typeface="Microsoft GothicNeo" panose="020B0500000101010101" pitchFamily="50" charset="-127"/>
+                <a:cs typeface="Microsoft GothicNeo" panose="020B0500000101010101" pitchFamily="50" charset="-127"/>
+              </a:rPr>
+              <a:t>ResNet</a:t>
+            </a:r>
+            <a:r>
+              <a:rPr lang="en-US" altLang="ko-KR" dirty="0">
+                <a:latin typeface="Microsoft GothicNeo" panose="020B0500000101010101" pitchFamily="50" charset="-127"/>
+                <a:ea typeface="Microsoft GothicNeo" panose="020B0500000101010101" pitchFamily="50" charset="-127"/>
+                <a:cs typeface="Microsoft GothicNeo" panose="020B0500000101010101" pitchFamily="50" charset="-127"/>
+              </a:rPr>
+              <a:t> – </a:t>
             </a:r>
             <a:r>
               <a:rPr lang="ko-KR" altLang="en-US" dirty="0">
@@ -7142,23 +11863,7 @@
                 <a:ea typeface="Microsoft GothicNeo" panose="020B0500000101010101" pitchFamily="50" charset="-127"/>
                 <a:cs typeface="Microsoft GothicNeo" panose="020B0500000101010101" pitchFamily="50" charset="-127"/>
               </a:rPr>
-              <a:t>– </a:t>
-            </a:r>
-            <a:r>
-              <a:rPr lang="en-US" altLang="ko-KR" dirty="0" err="1">
-                <a:latin typeface="Microsoft GothicNeo" panose="020B0500000101010101" pitchFamily="50" charset="-127"/>
-                <a:ea typeface="Microsoft GothicNeo" panose="020B0500000101010101" pitchFamily="50" charset="-127"/>
-                <a:cs typeface="Microsoft GothicNeo" panose="020B0500000101010101" pitchFamily="50" charset="-127"/>
-              </a:rPr>
-              <a:t>ResNet</a:t>
-            </a:r>
-            <a:r>
-              <a:rPr lang="en-US" altLang="ko-KR" dirty="0">
-                <a:latin typeface="Microsoft GothicNeo" panose="020B0500000101010101" pitchFamily="50" charset="-127"/>
-                <a:ea typeface="Microsoft GothicNeo" panose="020B0500000101010101" pitchFamily="50" charset="-127"/>
-                <a:cs typeface="Microsoft GothicNeo" panose="020B0500000101010101" pitchFamily="50" charset="-127"/>
-              </a:rPr>
-              <a:t> (cond.)</a:t>
+              <a:t>(cond.)</a:t>
             </a:r>
             <a:endParaRPr lang="ko-KR" altLang="en-US" dirty="0">
               <a:latin typeface="Microsoft GothicNeo" panose="020B0500000101010101" pitchFamily="50" charset="-127"/>
@@ -7619,7 +12324,7 @@
             <a:avLst/>
           </a:prstGeom>
           <a:solidFill>
-            <a:schemeClr val="accent1">
+            <a:schemeClr val="bg1">
               <a:alpha val="24000"/>
             </a:schemeClr>
           </a:solidFill>
@@ -7954,7 +12659,7 @@
 </p:sld>
 </file>
 
-<file path=ppt/slides/slide8.xml><?xml version="1.0" encoding="utf-8"?>
+<file path=ppt/slides/slide9.xml><?xml version="1.0" encoding="utf-8"?>
 <p:sld xmlns:a="http://schemas.openxmlformats.org/drawingml/2006/main" xmlns:r="http://schemas.openxmlformats.org/officeDocument/2006/relationships" xmlns:p="http://schemas.openxmlformats.org/presentationml/2006/main">
   <p:cSld>
     <p:spTree>
@@ -8005,7 +12710,15 @@
                 <a:ea typeface="Microsoft GothicNeo" panose="020B0500000101010101" pitchFamily="50" charset="-127"/>
                 <a:cs typeface="Microsoft GothicNeo" panose="020B0500000101010101" pitchFamily="50" charset="-127"/>
               </a:rPr>
-              <a:t>2. </a:t>
+              <a:t>3. </a:t>
+            </a:r>
+            <a:r>
+              <a:rPr lang="en-US" altLang="ko-KR" dirty="0" err="1">
+                <a:latin typeface="Microsoft GothicNeo" panose="020B0500000101010101" pitchFamily="50" charset="-127"/>
+                <a:ea typeface="Microsoft GothicNeo" panose="020B0500000101010101" pitchFamily="50" charset="-127"/>
+                <a:cs typeface="Microsoft GothicNeo" panose="020B0500000101010101" pitchFamily="50" charset="-127"/>
+              </a:rPr>
+              <a:t>ResNet</a:t>
             </a:r>
             <a:r>
               <a:rPr lang="ko-KR" altLang="en-US" dirty="0">
@@ -8013,7 +12726,7 @@
                 <a:ea typeface="Microsoft GothicNeo" panose="020B0500000101010101" pitchFamily="50" charset="-127"/>
                 <a:cs typeface="Microsoft GothicNeo" panose="020B0500000101010101" pitchFamily="50" charset="-127"/>
               </a:rPr>
-              <a:t>문제 제기</a:t>
+              <a:t> </a:t>
             </a:r>
             <a:r>
               <a:rPr lang="en-US" altLang="ko-KR" dirty="0">
@@ -8021,7 +12734,7 @@
                 <a:ea typeface="Microsoft GothicNeo" panose="020B0500000101010101" pitchFamily="50" charset="-127"/>
                 <a:cs typeface="Microsoft GothicNeo" panose="020B0500000101010101" pitchFamily="50" charset="-127"/>
               </a:rPr>
-              <a:t>/</a:t>
+              <a:t>– </a:t>
             </a:r>
             <a:r>
               <a:rPr lang="ko-KR" altLang="en-US" dirty="0">
@@ -8029,7 +12742,7 @@
                 <a:ea typeface="Microsoft GothicNeo" panose="020B0500000101010101" pitchFamily="50" charset="-127"/>
                 <a:cs typeface="Microsoft GothicNeo" panose="020B0500000101010101" pitchFamily="50" charset="-127"/>
               </a:rPr>
-              <a:t>필요성 </a:t>
+              <a:t>내용 </a:t>
             </a:r>
             <a:r>
               <a:rPr lang="en-US" altLang="ko-KR" dirty="0">
@@ -8037,15 +12750,7 @@
                 <a:ea typeface="Microsoft GothicNeo" panose="020B0500000101010101" pitchFamily="50" charset="-127"/>
                 <a:cs typeface="Microsoft GothicNeo" panose="020B0500000101010101" pitchFamily="50" charset="-127"/>
               </a:rPr>
-              <a:t>– </a:t>
-            </a:r>
-            <a:r>
-              <a:rPr lang="en-US" altLang="ko-KR" dirty="0" err="1">
-                <a:latin typeface="Microsoft GothicNeo" panose="020B0500000101010101" pitchFamily="50" charset="-127"/>
-                <a:ea typeface="Microsoft GothicNeo" panose="020B0500000101010101" pitchFamily="50" charset="-127"/>
-                <a:cs typeface="Microsoft GothicNeo" panose="020B0500000101010101" pitchFamily="50" charset="-127"/>
-              </a:rPr>
-              <a:t>VggNet</a:t>
+              <a:t>(cond.)</a:t>
             </a:r>
             <a:endParaRPr lang="ko-KR" altLang="en-US" dirty="0">
               <a:latin typeface="Microsoft GothicNeo" panose="020B0500000101010101" pitchFamily="50" charset="-127"/>
@@ -8098,146 +12803,7 @@
           <p:cNvPr id="9" name="내용 개체 틀 2">
             <a:extLst>
               <a:ext uri="{FF2B5EF4-FFF2-40B4-BE49-F238E27FC236}">
-                <a16:creationId xmlns:a16="http://schemas.microsoft.com/office/drawing/2014/main" id="{BF230898-AD50-E2D7-08D7-1644F2046E4D}"/>
-              </a:ext>
-            </a:extLst>
-          </p:cNvPr>
-          <p:cNvSpPr>
-            <a:spLocks noGrp="1"/>
-          </p:cNvSpPr>
-          <p:nvPr>
-            <p:ph idx="1"/>
-          </p:nvPr>
-        </p:nvSpPr>
-        <p:spPr>
-          <a:xfrm>
-            <a:off x="436661" y="1437354"/>
-            <a:ext cx="6719104" cy="1768833"/>
-          </a:xfrm>
-        </p:spPr>
-        <p:txBody>
-          <a:bodyPr>
-            <a:normAutofit/>
-          </a:bodyPr>
-          <a:lstStyle/>
-          <a:p>
-            <a:pPr>
-              <a:lnSpc>
-                <a:spcPct val="150000"/>
-              </a:lnSpc>
-            </a:pPr>
-            <a:r>
-              <a:rPr lang="en-US" altLang="ko-KR" sz="3200" dirty="0" err="1">
-                <a:latin typeface="Microsoft GothicNeo" panose="020B0500000101010101" pitchFamily="50" charset="-127"/>
-                <a:ea typeface="Microsoft GothicNeo" panose="020B0500000101010101" pitchFamily="50" charset="-127"/>
-                <a:cs typeface="Microsoft GothicNeo" panose="020B0500000101010101" pitchFamily="50" charset="-127"/>
-              </a:rPr>
-              <a:t>VGGnet</a:t>
-            </a:r>
-            <a:r>
-              <a:rPr lang="ko-KR" altLang="en-US" sz="3200" dirty="0">
-                <a:latin typeface="Microsoft GothicNeo" panose="020B0500000101010101" pitchFamily="50" charset="-127"/>
-                <a:ea typeface="Microsoft GothicNeo" panose="020B0500000101010101" pitchFamily="50" charset="-127"/>
-                <a:cs typeface="Microsoft GothicNeo" panose="020B0500000101010101" pitchFamily="50" charset="-127"/>
-              </a:rPr>
-              <a:t>의 주요 쟁점은 </a:t>
-            </a:r>
-            <a:r>
-              <a:rPr lang="ko-KR" altLang="en-US" sz="3200" dirty="0">
-                <a:solidFill>
-                  <a:schemeClr val="accent2"/>
-                </a:solidFill>
-                <a:latin typeface="Microsoft GothicNeo" panose="020B0500000101010101" pitchFamily="50" charset="-127"/>
-                <a:ea typeface="Microsoft GothicNeo" panose="020B0500000101010101" pitchFamily="50" charset="-127"/>
-                <a:cs typeface="Microsoft GothicNeo" panose="020B0500000101010101" pitchFamily="50" charset="-127"/>
-              </a:rPr>
-              <a:t>네트워크의 깊이</a:t>
-            </a:r>
-            <a:r>
-              <a:rPr lang="ko-KR" altLang="en-US" sz="3200" dirty="0">
-                <a:latin typeface="Microsoft GothicNeo" panose="020B0500000101010101" pitchFamily="50" charset="-127"/>
-                <a:ea typeface="Microsoft GothicNeo" panose="020B0500000101010101" pitchFamily="50" charset="-127"/>
-                <a:cs typeface="Microsoft GothicNeo" panose="020B0500000101010101" pitchFamily="50" charset="-127"/>
-              </a:rPr>
-              <a:t>가 성능에 미치는 영향</a:t>
-            </a:r>
-            <a:r>
-              <a:rPr lang="en-US" altLang="ko-KR" sz="3200" dirty="0">
-                <a:latin typeface="Microsoft GothicNeo" panose="020B0500000101010101" pitchFamily="50" charset="-127"/>
-                <a:ea typeface="Microsoft GothicNeo" panose="020B0500000101010101" pitchFamily="50" charset="-127"/>
-                <a:cs typeface="Microsoft GothicNeo" panose="020B0500000101010101" pitchFamily="50" charset="-127"/>
-              </a:rPr>
-              <a:t>.</a:t>
-            </a:r>
-          </a:p>
-        </p:txBody>
-      </p:sp>
-      <p:pic>
-        <p:nvPicPr>
-          <p:cNvPr id="10" name="그림 9" descr="테이블이(가) 표시된 사진&#10;&#10;자동 생성된 설명">
-            <a:extLst>
-              <a:ext uri="{FF2B5EF4-FFF2-40B4-BE49-F238E27FC236}">
-                <a16:creationId xmlns:a16="http://schemas.microsoft.com/office/drawing/2014/main" id="{110438E0-5360-0ABE-4C2C-0B080A12A69F}"/>
-              </a:ext>
-            </a:extLst>
-          </p:cNvPr>
-          <p:cNvPicPr>
-            <a:picLocks noChangeAspect="1"/>
-          </p:cNvPicPr>
-          <p:nvPr/>
-        </p:nvPicPr>
-        <p:blipFill>
-          <a:blip r:embed="rId2"/>
-          <a:stretch>
-            <a:fillRect/>
-          </a:stretch>
-        </p:blipFill>
-        <p:spPr>
-          <a:xfrm>
-            <a:off x="7402406" y="1157469"/>
-            <a:ext cx="4789594" cy="5454214"/>
-          </a:xfrm>
-          <a:prstGeom prst="rect">
-            <a:avLst/>
-          </a:prstGeom>
-        </p:spPr>
-      </p:pic>
-      <p:pic>
-        <p:nvPicPr>
-          <p:cNvPr id="12" name="그림 11">
-            <a:extLst>
-              <a:ext uri="{FF2B5EF4-FFF2-40B4-BE49-F238E27FC236}">
-                <a16:creationId xmlns:a16="http://schemas.microsoft.com/office/drawing/2014/main" id="{40DF091F-F4E4-C789-8077-8B73B9E764EF}"/>
-              </a:ext>
-            </a:extLst>
-          </p:cNvPr>
-          <p:cNvPicPr>
-            <a:picLocks noChangeAspect="1"/>
-          </p:cNvPicPr>
-          <p:nvPr/>
-        </p:nvPicPr>
-        <p:blipFill>
-          <a:blip r:embed="rId3"/>
-          <a:stretch>
-            <a:fillRect/>
-          </a:stretch>
-        </p:blipFill>
-        <p:spPr>
-          <a:xfrm>
-            <a:off x="536243" y="3136782"/>
-            <a:ext cx="5699993" cy="2520863"/>
-          </a:xfrm>
-          <a:prstGeom prst="rect">
-            <a:avLst/>
-          </a:prstGeom>
-        </p:spPr>
-      </p:pic>
-      <p:sp>
-        <p:nvSpPr>
-          <p:cNvPr id="13" name="내용 개체 틀 2">
-            <a:extLst>
-              <a:ext uri="{FF2B5EF4-FFF2-40B4-BE49-F238E27FC236}">
-                <a16:creationId xmlns:a16="http://schemas.microsoft.com/office/drawing/2014/main" id="{D08E1B30-4518-6F09-901A-EF6AF521514D}"/>
+                <a16:creationId xmlns:a16="http://schemas.microsoft.com/office/drawing/2014/main" id="{E75428BD-FDDA-4505-674F-7A416EF42AD5}"/>
               </a:ext>
             </a:extLst>
           </p:cNvPr>
@@ -8248,8 +12814,8 @@
         </p:nvSpPr>
         <p:spPr>
           <a:xfrm>
-            <a:off x="436661" y="5899383"/>
-            <a:ext cx="6673768" cy="958616"/>
+            <a:off x="559441" y="1729615"/>
+            <a:ext cx="6350646" cy="825759"/>
           </a:xfrm>
           <a:prstGeom prst="rect">
             <a:avLst/>
@@ -8424,41 +12990,7 @@
             </a:lvl9pPr>
           </a:lstStyle>
           <a:p>
-            <a:r>
-              <a:rPr lang="ko-KR" altLang="en-US" sz="3200" dirty="0">
-                <a:latin typeface="Microsoft GothicNeo" panose="020B0500000101010101" pitchFamily="50" charset="-127"/>
-                <a:ea typeface="Microsoft GothicNeo" panose="020B0500000101010101" pitchFamily="50" charset="-127"/>
-                <a:cs typeface="Microsoft GothicNeo" panose="020B0500000101010101" pitchFamily="50" charset="-127"/>
-              </a:rPr>
-              <a:t>약 </a:t>
-            </a:r>
-            <a:r>
-              <a:rPr lang="en-US" altLang="ko-KR" sz="3200" dirty="0">
-                <a:latin typeface="Microsoft GothicNeo" panose="020B0500000101010101" pitchFamily="50" charset="-127"/>
-                <a:ea typeface="Microsoft GothicNeo" panose="020B0500000101010101" pitchFamily="50" charset="-127"/>
-                <a:cs typeface="Microsoft GothicNeo" panose="020B0500000101010101" pitchFamily="50" charset="-127"/>
-              </a:rPr>
-              <a:t>92%</a:t>
-            </a:r>
-            <a:r>
-              <a:rPr lang="ko-KR" altLang="en-US" sz="3200" dirty="0">
-                <a:latin typeface="Microsoft GothicNeo" panose="020B0500000101010101" pitchFamily="50" charset="-127"/>
-                <a:ea typeface="Microsoft GothicNeo" panose="020B0500000101010101" pitchFamily="50" charset="-127"/>
-                <a:cs typeface="Microsoft GothicNeo" panose="020B0500000101010101" pitchFamily="50" charset="-127"/>
-              </a:rPr>
-              <a:t>정도의 정확도로 소개됨</a:t>
-            </a:r>
-            <a:r>
-              <a:rPr lang="en-US" altLang="ko-KR" sz="3200" dirty="0">
-                <a:latin typeface="Microsoft GothicNeo" panose="020B0500000101010101" pitchFamily="50" charset="-127"/>
-                <a:ea typeface="Microsoft GothicNeo" panose="020B0500000101010101" pitchFamily="50" charset="-127"/>
-                <a:cs typeface="Microsoft GothicNeo" panose="020B0500000101010101" pitchFamily="50" charset="-127"/>
-              </a:rPr>
-              <a:t>.</a:t>
-            </a:r>
-          </a:p>
-          <a:p>
-            <a:endParaRPr lang="en-US" altLang="ko-KR" sz="3200" dirty="0">
+            <a:endParaRPr lang="ko-KR" altLang="en-US" sz="3200" dirty="0">
               <a:latin typeface="Microsoft GothicNeo" panose="020B0500000101010101" pitchFamily="50" charset="-127"/>
               <a:ea typeface="Microsoft GothicNeo" panose="020B0500000101010101" pitchFamily="50" charset="-127"/>
               <a:cs typeface="Microsoft GothicNeo" panose="020B0500000101010101" pitchFamily="50" charset="-127"/>
@@ -8466,368 +12998,57 @@
           </a:p>
         </p:txBody>
       </p:sp>
-    </p:spTree>
-    <p:extLst>
-      <p:ext uri="{BB962C8B-B14F-4D97-AF65-F5344CB8AC3E}">
-        <p14:creationId xmlns:p14="http://schemas.microsoft.com/office/powerpoint/2010/main" val="3351191206"/>
-      </p:ext>
-    </p:extLst>
-  </p:cSld>
-  <p:clrMapOvr>
-    <a:masterClrMapping/>
-  </p:clrMapOvr>
-</p:sld>
-</file>
-
-<file path=ppt/slides/slide9.xml><?xml version="1.0" encoding="utf-8"?>
-<p:sld xmlns:a="http://schemas.openxmlformats.org/drawingml/2006/main" xmlns:r="http://schemas.openxmlformats.org/officeDocument/2006/relationships" xmlns:p="http://schemas.openxmlformats.org/presentationml/2006/main">
-  <p:cSld>
-    <p:spTree>
-      <p:nvGrpSpPr>
-        <p:cNvPr id="1" name=""/>
-        <p:cNvGrpSpPr/>
-        <p:nvPr/>
-      </p:nvGrpSpPr>
-      <p:grpSpPr>
-        <a:xfrm>
-          <a:off x="0" y="0"/>
-          <a:ext cx="0" cy="0"/>
-          <a:chOff x="0" y="0"/>
-          <a:chExt cx="0" cy="0"/>
-        </a:xfrm>
-      </p:grpSpPr>
-      <p:sp>
-        <p:nvSpPr>
-          <p:cNvPr id="2" name="제목 1">
-            <a:extLst>
-              <a:ext uri="{FF2B5EF4-FFF2-40B4-BE49-F238E27FC236}">
-                <a16:creationId xmlns:a16="http://schemas.microsoft.com/office/drawing/2014/main" id="{7CBC3679-A3DF-4930-A237-94BE532DA3BD}"/>
-              </a:ext>
-            </a:extLst>
-          </p:cNvPr>
-          <p:cNvSpPr>
-            <a:spLocks noGrp="1"/>
-          </p:cNvSpPr>
-          <p:nvPr>
-            <p:ph type="title"/>
-          </p:nvPr>
-        </p:nvSpPr>
-        <p:spPr>
+      <p:pic>
+        <p:nvPicPr>
+          <p:cNvPr id="3074" name="Picture 2" descr="나타낼 수 없음">
+            <a:extLst>
+              <a:ext uri="{FF2B5EF4-FFF2-40B4-BE49-F238E27FC236}">
+                <a16:creationId xmlns:a16="http://schemas.microsoft.com/office/drawing/2014/main" id="{02CA52D9-B989-EE41-7259-C16AE10BF87C}"/>
+              </a:ext>
+            </a:extLst>
+          </p:cNvPr>
+          <p:cNvPicPr>
+            <a:picLocks noChangeAspect="1" noChangeArrowheads="1"/>
+          </p:cNvPicPr>
+          <p:nvPr/>
+        </p:nvPicPr>
+        <p:blipFill>
+          <a:blip r:embed="rId2">
+            <a:extLst>
+              <a:ext uri="{28A0092B-C50C-407E-A947-70E740481C1C}">
+                <a14:useLocalDpi xmlns:a14="http://schemas.microsoft.com/office/drawing/2010/main" val="0"/>
+              </a:ext>
+            </a:extLst>
+          </a:blip>
+          <a:srcRect/>
+          <a:stretch>
+            <a:fillRect/>
+          </a:stretch>
+        </p:blipFill>
+        <p:spPr bwMode="auto">
           <a:xfrm>
-            <a:off x="190019" y="1"/>
-            <a:ext cx="6673768" cy="1325563"/>
-          </a:xfrm>
-        </p:spPr>
-        <p:txBody>
-          <a:bodyPr>
-            <a:normAutofit/>
-          </a:bodyPr>
-          <a:lstStyle/>
-          <a:p>
-            <a:r>
-              <a:rPr lang="en-US" altLang="ko-KR" dirty="0">
-                <a:latin typeface="Microsoft GothicNeo" panose="020B0500000101010101" pitchFamily="50" charset="-127"/>
-                <a:ea typeface="Microsoft GothicNeo" panose="020B0500000101010101" pitchFamily="50" charset="-127"/>
-                <a:cs typeface="Microsoft GothicNeo" panose="020B0500000101010101" pitchFamily="50" charset="-127"/>
-              </a:rPr>
-              <a:t>2. </a:t>
-            </a:r>
-            <a:r>
-              <a:rPr lang="ko-KR" altLang="en-US" dirty="0">
-                <a:latin typeface="Microsoft GothicNeo" panose="020B0500000101010101" pitchFamily="50" charset="-127"/>
-                <a:ea typeface="Microsoft GothicNeo" panose="020B0500000101010101" pitchFamily="50" charset="-127"/>
-                <a:cs typeface="Microsoft GothicNeo" panose="020B0500000101010101" pitchFamily="50" charset="-127"/>
-              </a:rPr>
-              <a:t>내용</a:t>
-            </a:r>
-          </a:p>
-        </p:txBody>
-      </p:sp>
-      <p:cxnSp>
-        <p:nvCxnSpPr>
-          <p:cNvPr id="5" name="직선 연결선 4">
-            <a:extLst>
-              <a:ext uri="{FF2B5EF4-FFF2-40B4-BE49-F238E27FC236}">
-                <a16:creationId xmlns:a16="http://schemas.microsoft.com/office/drawing/2014/main" id="{DCC21655-3CEC-4FBA-9415-44F5DE40445B}"/>
-              </a:ext>
-            </a:extLst>
-          </p:cNvPr>
-          <p:cNvCxnSpPr>
-            <a:cxnSpLocks/>
-          </p:cNvCxnSpPr>
-          <p:nvPr/>
-        </p:nvCxnSpPr>
-        <p:spPr>
-          <a:xfrm>
-            <a:off x="2" y="1157469"/>
-            <a:ext cx="7951807" cy="0"/>
-          </a:xfrm>
-          <a:prstGeom prst="line">
-            <a:avLst/>
-          </a:prstGeom>
-        </p:spPr>
-        <p:style>
-          <a:lnRef idx="3">
-            <a:schemeClr val="dk1"/>
-          </a:lnRef>
-          <a:fillRef idx="0">
-            <a:schemeClr val="dk1"/>
-          </a:fillRef>
-          <a:effectRef idx="2">
-            <a:schemeClr val="dk1"/>
-          </a:effectRef>
-          <a:fontRef idx="minor">
-            <a:schemeClr val="tx1"/>
-          </a:fontRef>
-        </p:style>
-      </p:cxnSp>
-      <p:sp>
-        <p:nvSpPr>
-          <p:cNvPr id="6" name="TextBox 5">
-            <a:extLst>
-              <a:ext uri="{FF2B5EF4-FFF2-40B4-BE49-F238E27FC236}">
-                <a16:creationId xmlns:a16="http://schemas.microsoft.com/office/drawing/2014/main" id="{D56B6D30-5894-9A78-2D0E-4106AECD2301}"/>
-              </a:ext>
-            </a:extLst>
-          </p:cNvPr>
-          <p:cNvSpPr txBox="1"/>
-          <p:nvPr/>
-        </p:nvSpPr>
-        <p:spPr>
-          <a:xfrm>
-            <a:off x="-118639" y="1635421"/>
-            <a:ext cx="8189088" cy="1883529"/>
+            <a:off x="0" y="1401689"/>
+            <a:ext cx="12192000" cy="4479925"/>
           </a:xfrm>
           <a:prstGeom prst="rect">
             <a:avLst/>
           </a:prstGeom>
           <a:noFill/>
+          <a:extLst>
+            <a:ext uri="{909E8E84-426E-40DD-AFC4-6F175D3DCCD1}">
+              <a14:hiddenFill xmlns:a14="http://schemas.microsoft.com/office/drawing/2010/main">
+                <a:solidFill>
+                  <a:srgbClr val="FFFFFF"/>
+                </a:solidFill>
+              </a14:hiddenFill>
+            </a:ext>
+          </a:extLst>
         </p:spPr>
-        <p:txBody>
-          <a:bodyPr wrap="square">
-            <a:spAutoFit/>
-          </a:bodyPr>
-          <a:lstStyle/>
-          <a:p>
-            <a:pPr marL="0" indent="0" eaLnBrk="0" latinLnBrk="0" hangingPunct="0">
-              <a:lnSpc>
-                <a:spcPts val="3300"/>
-              </a:lnSpc>
-              <a:spcBef>
-                <a:spcPts val="400"/>
-              </a:spcBef>
-              <a:buNone/>
-            </a:pPr>
-            <a:r>
-              <a:rPr lang="en-US" altLang="ko-KR" sz="1800" dirty="0">
-                <a:solidFill>
-                  <a:srgbClr val="FF0000"/>
-                </a:solidFill>
-              </a:rPr>
-              <a:t> -  </a:t>
-            </a:r>
-            <a:r>
-              <a:rPr lang="ko-KR" altLang="en-US" sz="1800" dirty="0">
-                <a:solidFill>
-                  <a:srgbClr val="FF0000"/>
-                </a:solidFill>
-              </a:rPr>
-              <a:t>해당 문제를 해결하기 위한 기존 연구는 무엇이 있는지를 조사</a:t>
-            </a:r>
-            <a:r>
-              <a:rPr lang="en-US" altLang="ko-KR" sz="1800" dirty="0">
-                <a:solidFill>
-                  <a:srgbClr val="FF0000"/>
-                </a:solidFill>
-              </a:rPr>
-              <a:t> </a:t>
-            </a:r>
-          </a:p>
-          <a:p>
-            <a:pPr marL="0" indent="0" eaLnBrk="0" latinLnBrk="0" hangingPunct="0">
-              <a:lnSpc>
-                <a:spcPts val="3300"/>
-              </a:lnSpc>
-              <a:spcBef>
-                <a:spcPts val="400"/>
-              </a:spcBef>
-              <a:buNone/>
-            </a:pPr>
-            <a:r>
-              <a:rPr lang="en-US" altLang="ko-KR" sz="1800" dirty="0">
-                <a:solidFill>
-                  <a:srgbClr val="FF0000"/>
-                </a:solidFill>
-              </a:rPr>
-              <a:t>        -  </a:t>
-            </a:r>
-            <a:r>
-              <a:rPr lang="ko-KR" altLang="en-US" sz="1800" dirty="0">
-                <a:solidFill>
-                  <a:srgbClr val="FF0000"/>
-                </a:solidFill>
-              </a:rPr>
-              <a:t>해당 문제를 어떻게 해결 </a:t>
-            </a:r>
-            <a:r>
-              <a:rPr lang="en-US" altLang="ko-KR" sz="1800" dirty="0">
-                <a:solidFill>
-                  <a:srgbClr val="FF0000"/>
-                </a:solidFill>
-              </a:rPr>
-              <a:t>(</a:t>
-            </a:r>
-            <a:r>
-              <a:rPr lang="ko-KR" altLang="en-US" sz="1800" dirty="0">
-                <a:solidFill>
-                  <a:srgbClr val="FF0000"/>
-                </a:solidFill>
-              </a:rPr>
-              <a:t>방법</a:t>
-            </a:r>
-            <a:r>
-              <a:rPr lang="en-US" altLang="ko-KR" sz="1800" dirty="0">
-                <a:solidFill>
-                  <a:srgbClr val="FF0000"/>
-                </a:solidFill>
-              </a:rPr>
-              <a:t>)</a:t>
-            </a:r>
-            <a:r>
-              <a:rPr lang="ko-KR" altLang="en-US" sz="1800" dirty="0">
-                <a:solidFill>
-                  <a:srgbClr val="FF0000"/>
-                </a:solidFill>
-              </a:rPr>
-              <a:t>하는지 구체적으로 기술</a:t>
-            </a:r>
-            <a:r>
-              <a:rPr lang="en-US" altLang="ko-KR" sz="1800" dirty="0">
-                <a:solidFill>
-                  <a:srgbClr val="FF0000"/>
-                </a:solidFill>
-              </a:rPr>
-              <a:t> </a:t>
-            </a:r>
-          </a:p>
-          <a:p>
-            <a:pPr marL="0" indent="0" eaLnBrk="0" latinLnBrk="0" hangingPunct="0">
-              <a:lnSpc>
-                <a:spcPts val="3300"/>
-              </a:lnSpc>
-              <a:spcBef>
-                <a:spcPts val="400"/>
-              </a:spcBef>
-              <a:buNone/>
-            </a:pPr>
-            <a:r>
-              <a:rPr lang="en-US" altLang="ko-KR" sz="1800" dirty="0">
-                <a:solidFill>
-                  <a:srgbClr val="FF0000"/>
-                </a:solidFill>
-              </a:rPr>
-              <a:t>        -  </a:t>
-            </a:r>
-            <a:r>
-              <a:rPr lang="ko-KR" altLang="en-US" sz="1800" dirty="0">
-                <a:solidFill>
-                  <a:srgbClr val="FF0000"/>
-                </a:solidFill>
-              </a:rPr>
-              <a:t>기존 방법과는 어떤 차이점과 개선점이 있는지를 정리 </a:t>
-            </a:r>
-            <a:r>
-              <a:rPr lang="ko-KR" altLang="en-US" sz="1800" dirty="0"/>
-              <a:t> </a:t>
-            </a:r>
-            <a:endParaRPr lang="en-US" altLang="ko-KR" sz="1800" dirty="0"/>
-          </a:p>
-          <a:p>
-            <a:pPr marL="0" indent="0" eaLnBrk="0" latinLnBrk="0" hangingPunct="0">
-              <a:lnSpc>
-                <a:spcPts val="3300"/>
-              </a:lnSpc>
-              <a:spcBef>
-                <a:spcPts val="400"/>
-              </a:spcBef>
-              <a:buNone/>
-            </a:pPr>
-            <a:r>
-              <a:rPr lang="en-US" altLang="ko-KR" sz="1800" dirty="0">
-                <a:solidFill>
-                  <a:srgbClr val="FF0000"/>
-                </a:solidFill>
-              </a:rPr>
-              <a:t>        -  </a:t>
-            </a:r>
-            <a:r>
-              <a:rPr lang="ko-KR" altLang="en-US" sz="1800" dirty="0">
-                <a:solidFill>
-                  <a:srgbClr val="FF0000"/>
-                </a:solidFill>
-              </a:rPr>
-              <a:t>이해를 돕기 위해 </a:t>
-            </a:r>
-            <a:r>
-              <a:rPr lang="ko-KR" altLang="en-US" sz="1800" dirty="0" err="1">
-                <a:solidFill>
-                  <a:srgbClr val="FF0000"/>
-                </a:solidFill>
-              </a:rPr>
-              <a:t>플로우차트</a:t>
-            </a:r>
-            <a:r>
-              <a:rPr lang="ko-KR" altLang="en-US" sz="1800" dirty="0">
-                <a:solidFill>
-                  <a:srgbClr val="FF0000"/>
-                </a:solidFill>
-              </a:rPr>
-              <a:t> </a:t>
-            </a:r>
-            <a:r>
-              <a:rPr lang="en-US" altLang="ko-KR" sz="1800" dirty="0">
-                <a:solidFill>
-                  <a:srgbClr val="FF0000"/>
-                </a:solidFill>
-              </a:rPr>
-              <a:t>(</a:t>
-            </a:r>
-            <a:r>
-              <a:rPr lang="ko-KR" altLang="en-US" sz="1800" dirty="0">
-                <a:solidFill>
-                  <a:srgbClr val="FF0000"/>
-                </a:solidFill>
-              </a:rPr>
-              <a:t>블록도</a:t>
-            </a:r>
-            <a:r>
-              <a:rPr lang="en-US" altLang="ko-KR" sz="1800" dirty="0">
-                <a:solidFill>
-                  <a:srgbClr val="FF0000"/>
-                </a:solidFill>
-              </a:rPr>
-              <a:t>)</a:t>
-            </a:r>
-            <a:r>
-              <a:rPr lang="ko-KR" altLang="en-US" sz="1800" dirty="0">
-                <a:solidFill>
-                  <a:srgbClr val="FF0000"/>
-                </a:solidFill>
-              </a:rPr>
-              <a:t> 추가  </a:t>
-            </a:r>
-            <a:r>
-              <a:rPr lang="en-US" altLang="ko-KR" sz="1800" dirty="0"/>
-              <a:t> </a:t>
-            </a:r>
-            <a:endParaRPr lang="ko-KR" altLang="en-US" dirty="0"/>
-          </a:p>
-        </p:txBody>
-      </p:sp>
+      </p:pic>
     </p:spTree>
     <p:extLst>
       <p:ext uri="{BB962C8B-B14F-4D97-AF65-F5344CB8AC3E}">
-        <p14:creationId xmlns:p14="http://schemas.microsoft.com/office/powerpoint/2010/main" val="2977615855"/>
+        <p14:creationId xmlns:p14="http://schemas.microsoft.com/office/powerpoint/2010/main" val="254380974"/>
       </p:ext>
     </p:extLst>
   </p:cSld>
